--- a/docs/Demonstration/adG25.pptx
+++ b/docs/Demonstration/adG25.pptx
@@ -5,7 +5,7 @@
     <p:sldMasterId id="2147483648" r:id="rId1"/>
   </p:sldMasterIdLst>
   <p:notesMasterIdLst>
-    <p:notesMasterId r:id="rId10"/>
+    <p:notesMasterId r:id="rId12"/>
   </p:notesMasterIdLst>
   <p:sldIdLst>
     <p:sldId id="256" r:id="rId2"/>
@@ -15,7 +15,9 @@
     <p:sldId id="268" r:id="rId6"/>
     <p:sldId id="270" r:id="rId7"/>
     <p:sldId id="271" r:id="rId8"/>
-    <p:sldId id="272" r:id="rId9"/>
+    <p:sldId id="273" r:id="rId9"/>
+    <p:sldId id="274" r:id="rId10"/>
+    <p:sldId id="275" r:id="rId11"/>
   </p:sldIdLst>
   <p:sldSz cx="12192000" cy="6858000"/>
   <p:notesSz cx="6858000" cy="9144000"/>
@@ -5414,7 +5416,7 @@
           <a:p>
             <a:fld id="{EF250A13-A918-4E6A-87E8-57F0E5B12AEE}" type="datetimeFigureOut">
               <a:rPr lang="en-US" smtClean="0"/>
-              <a:t>6/14/2023</a:t>
+              <a:t>6/15/2023</a:t>
             </a:fld>
             <a:endParaRPr lang="en-US"/>
           </a:p>
@@ -5828,7 +5830,7 @@
           <a:p>
             <a:fld id="{690E39DC-5028-4D27-86DE-1E1A8E37356E}" type="datetime1">
               <a:rPr lang="en-US" smtClean="0"/>
-              <a:t>6/14/2023</a:t>
+              <a:t>6/15/2023</a:t>
             </a:fld>
             <a:endParaRPr lang="en-US"/>
           </a:p>
@@ -6026,7 +6028,7 @@
           <a:p>
             <a:fld id="{E528BBCF-9739-4D82-8D10-83A65A733216}" type="datetime1">
               <a:rPr lang="en-US" smtClean="0"/>
-              <a:t>6/14/2023</a:t>
+              <a:t>6/15/2023</a:t>
             </a:fld>
             <a:endParaRPr lang="en-US"/>
           </a:p>
@@ -6234,7 +6236,7 @@
           <a:p>
             <a:fld id="{3B26AA06-73AE-4DC2-8A5F-BA5A42A0B29B}" type="datetime1">
               <a:rPr lang="en-US" smtClean="0"/>
-              <a:t>6/14/2023</a:t>
+              <a:t>6/15/2023</a:t>
             </a:fld>
             <a:endParaRPr lang="en-US"/>
           </a:p>
@@ -6432,7 +6434,7 @@
           <a:p>
             <a:fld id="{51FD9E73-549A-463B-88D7-51202D02FA4A}" type="datetime1">
               <a:rPr lang="en-US" smtClean="0"/>
-              <a:t>6/14/2023</a:t>
+              <a:t>6/15/2023</a:t>
             </a:fld>
             <a:endParaRPr lang="en-US"/>
           </a:p>
@@ -6707,7 +6709,7 @@
           <a:p>
             <a:fld id="{C26AED35-C477-47BC-A642-065F297A6549}" type="datetime1">
               <a:rPr lang="en-US" smtClean="0"/>
-              <a:t>6/14/2023</a:t>
+              <a:t>6/15/2023</a:t>
             </a:fld>
             <a:endParaRPr lang="en-US"/>
           </a:p>
@@ -6972,7 +6974,7 @@
           <a:p>
             <a:fld id="{D2F9F51C-D963-4530-8CF6-77F566562D36}" type="datetime1">
               <a:rPr lang="en-US" smtClean="0"/>
-              <a:t>6/14/2023</a:t>
+              <a:t>6/15/2023</a:t>
             </a:fld>
             <a:endParaRPr lang="en-US"/>
           </a:p>
@@ -7384,7 +7386,7 @@
           <a:p>
             <a:fld id="{04D163E9-6F57-4AE6-974D-283029FCA1CB}" type="datetime1">
               <a:rPr lang="en-US" smtClean="0"/>
-              <a:t>6/14/2023</a:t>
+              <a:t>6/15/2023</a:t>
             </a:fld>
             <a:endParaRPr lang="en-US"/>
           </a:p>
@@ -7525,7 +7527,7 @@
           <a:p>
             <a:fld id="{F56E4884-C705-41EC-8A03-EDACEBE83BF3}" type="datetime1">
               <a:rPr lang="en-US" smtClean="0"/>
-              <a:t>6/14/2023</a:t>
+              <a:t>6/15/2023</a:t>
             </a:fld>
             <a:endParaRPr lang="en-US"/>
           </a:p>
@@ -7638,7 +7640,7 @@
           <a:p>
             <a:fld id="{643A8A06-1B6D-48FC-9901-EDF1CF6F24E6}" type="datetime1">
               <a:rPr lang="en-US" smtClean="0"/>
-              <a:t>6/14/2023</a:t>
+              <a:t>6/15/2023</a:t>
             </a:fld>
             <a:endParaRPr lang="en-US"/>
           </a:p>
@@ -7949,7 +7951,7 @@
           <a:p>
             <a:fld id="{B31057A4-5A80-41AC-B999-D61D5AF9ECE2}" type="datetime1">
               <a:rPr lang="en-US" smtClean="0"/>
-              <a:t>6/14/2023</a:t>
+              <a:t>6/15/2023</a:t>
             </a:fld>
             <a:endParaRPr lang="en-US"/>
           </a:p>
@@ -8237,7 +8239,7 @@
           <a:p>
             <a:fld id="{836A5F11-175C-490E-A36B-08659BC8F5AC}" type="datetime1">
               <a:rPr lang="en-US" smtClean="0"/>
-              <a:t>6/14/2023</a:t>
+              <a:t>6/15/2023</a:t>
             </a:fld>
             <a:endParaRPr lang="en-US"/>
           </a:p>
@@ -8478,7 +8480,7 @@
           <a:p>
             <a:fld id="{F9067DF9-F39D-49AE-B3DF-1C5DE5E9B23A}" type="datetime1">
               <a:rPr lang="en-US" smtClean="0"/>
-              <a:t>6/14/2023</a:t>
+              <a:t>6/15/2023</a:t>
             </a:fld>
             <a:endParaRPr lang="en-US"/>
           </a:p>
@@ -9096,6 +9098,1878 @@
     <p:extLst>
       <p:ext uri="{BB962C8B-B14F-4D97-AF65-F5344CB8AC3E}">
         <p14:creationId xmlns:p14="http://schemas.microsoft.com/office/powerpoint/2010/main" val="3771761898"/>
+      </p:ext>
+    </p:extLst>
+  </p:cSld>
+  <p:clrMapOvr>
+    <a:masterClrMapping/>
+  </p:clrMapOvr>
+</p:sld>
+</file>
+
+<file path=ppt/slides/slide10.xml><?xml version="1.0" encoding="utf-8"?>
+<p:sld xmlns:a="http://schemas.openxmlformats.org/drawingml/2006/main" xmlns:r="http://schemas.openxmlformats.org/officeDocument/2006/relationships" xmlns:p="http://schemas.openxmlformats.org/presentationml/2006/main">
+  <p:cSld>
+    <p:spTree>
+      <p:nvGrpSpPr>
+        <p:cNvPr id="1" name=""/>
+        <p:cNvGrpSpPr/>
+        <p:nvPr/>
+      </p:nvGrpSpPr>
+      <p:grpSpPr>
+        <a:xfrm>
+          <a:off x="0" y="0"/>
+          <a:ext cx="0" cy="0"/>
+          <a:chOff x="0" y="0"/>
+          <a:chExt cx="0" cy="0"/>
+        </a:xfrm>
+      </p:grpSpPr>
+      <p:sp>
+        <p:nvSpPr>
+          <p:cNvPr id="4" name="Slide Number Placeholder 3">
+            <a:extLst>
+              <a:ext uri="{FF2B5EF4-FFF2-40B4-BE49-F238E27FC236}">
+                <a16:creationId xmlns:a16="http://schemas.microsoft.com/office/drawing/2014/main" id="{CCDDB0E5-8F71-FF8A-8619-90021CD54600}"/>
+              </a:ext>
+            </a:extLst>
+          </p:cNvPr>
+          <p:cNvSpPr>
+            <a:spLocks noGrp="1"/>
+          </p:cNvSpPr>
+          <p:nvPr>
+            <p:ph type="sldNum" sz="quarter" idx="12"/>
+          </p:nvPr>
+        </p:nvSpPr>
+        <p:spPr/>
+        <p:txBody>
+          <a:bodyPr/>
+          <a:lstStyle/>
+          <a:p>
+            <a:fld id="{D2557461-8465-45A5-B2DA-B7626AE361CD}" type="slidenum">
+              <a:rPr lang="en-US" smtClean="0"/>
+              <a:t>10</a:t>
+            </a:fld>
+            <a:endParaRPr lang="en-US"/>
+          </a:p>
+        </p:txBody>
+      </p:sp>
+      <p:sp>
+        <p:nvSpPr>
+          <p:cNvPr id="5" name="Title 1">
+            <a:extLst>
+              <a:ext uri="{FF2B5EF4-FFF2-40B4-BE49-F238E27FC236}">
+                <a16:creationId xmlns:a16="http://schemas.microsoft.com/office/drawing/2014/main" id="{A0F6EDA9-959B-9D6C-E9C1-D4C6E4F5991B}"/>
+              </a:ext>
+            </a:extLst>
+          </p:cNvPr>
+          <p:cNvSpPr>
+            <a:spLocks noGrp="1"/>
+          </p:cNvSpPr>
+          <p:nvPr>
+            <p:ph type="title"/>
+          </p:nvPr>
+        </p:nvSpPr>
+        <p:spPr>
+          <a:xfrm>
+            <a:off x="838200" y="365125"/>
+            <a:ext cx="10515600" cy="1325563"/>
+          </a:xfrm>
+        </p:spPr>
+        <p:txBody>
+          <a:bodyPr/>
+          <a:lstStyle/>
+          <a:p>
+            <a:r>
+              <a:rPr lang="en-US" dirty="0"/>
+              <a:t>Class Game e Match</a:t>
+            </a:r>
+          </a:p>
+        </p:txBody>
+      </p:sp>
+      <p:sp>
+        <p:nvSpPr>
+          <p:cNvPr id="6" name="Content Placeholder 3">
+            <a:extLst>
+              <a:ext uri="{FF2B5EF4-FFF2-40B4-BE49-F238E27FC236}">
+                <a16:creationId xmlns:a16="http://schemas.microsoft.com/office/drawing/2014/main" id="{3482D304-92BE-C665-2569-35F6A61B5A80}"/>
+              </a:ext>
+            </a:extLst>
+          </p:cNvPr>
+          <p:cNvSpPr txBox="1">
+            <a:spLocks/>
+          </p:cNvSpPr>
+          <p:nvPr/>
+        </p:nvSpPr>
+        <p:spPr>
+          <a:xfrm>
+            <a:off x="6172200" y="1825625"/>
+            <a:ext cx="5181600" cy="4351338"/>
+          </a:xfrm>
+          <a:prstGeom prst="rect">
+            <a:avLst/>
+          </a:prstGeom>
+        </p:spPr>
+        <p:txBody>
+          <a:bodyPr>
+            <a:normAutofit/>
+          </a:bodyPr>
+          <a:lstStyle>
+            <a:lvl1pPr marL="228600" indent="-228600" algn="l" defTabSz="914400" rtl="0" eaLnBrk="1" latinLnBrk="0" hangingPunct="1">
+              <a:lnSpc>
+                <a:spcPct val="90000"/>
+              </a:lnSpc>
+              <a:spcBef>
+                <a:spcPts val="1000"/>
+              </a:spcBef>
+              <a:buFont typeface="Arial" panose="020B0604020202020204" pitchFamily="34" charset="0"/>
+              <a:buChar char="•"/>
+              <a:defRPr sz="2800" kern="1200">
+                <a:solidFill>
+                  <a:schemeClr val="tx1"/>
+                </a:solidFill>
+                <a:latin typeface="+mn-lt"/>
+                <a:ea typeface="+mn-ea"/>
+                <a:cs typeface="+mn-cs"/>
+              </a:defRPr>
+            </a:lvl1pPr>
+            <a:lvl2pPr marL="685800" indent="-228600" algn="l" defTabSz="914400" rtl="0" eaLnBrk="1" latinLnBrk="0" hangingPunct="1">
+              <a:lnSpc>
+                <a:spcPct val="90000"/>
+              </a:lnSpc>
+              <a:spcBef>
+                <a:spcPts val="500"/>
+              </a:spcBef>
+              <a:buFont typeface="Arial" panose="020B0604020202020204" pitchFamily="34" charset="0"/>
+              <a:buChar char="•"/>
+              <a:defRPr sz="2400" kern="1200">
+                <a:solidFill>
+                  <a:schemeClr val="tx1"/>
+                </a:solidFill>
+                <a:latin typeface="+mn-lt"/>
+                <a:ea typeface="+mn-ea"/>
+                <a:cs typeface="+mn-cs"/>
+              </a:defRPr>
+            </a:lvl2pPr>
+            <a:lvl3pPr marL="1143000" indent="-228600" algn="l" defTabSz="914400" rtl="0" eaLnBrk="1" latinLnBrk="0" hangingPunct="1">
+              <a:lnSpc>
+                <a:spcPct val="90000"/>
+              </a:lnSpc>
+              <a:spcBef>
+                <a:spcPts val="500"/>
+              </a:spcBef>
+              <a:buFont typeface="Arial" panose="020B0604020202020204" pitchFamily="34" charset="0"/>
+              <a:buChar char="•"/>
+              <a:defRPr sz="2000" kern="1200">
+                <a:solidFill>
+                  <a:schemeClr val="tx1"/>
+                </a:solidFill>
+                <a:latin typeface="+mn-lt"/>
+                <a:ea typeface="+mn-ea"/>
+                <a:cs typeface="+mn-cs"/>
+              </a:defRPr>
+            </a:lvl3pPr>
+            <a:lvl4pPr marL="1600200" indent="-228600" algn="l" defTabSz="914400" rtl="0" eaLnBrk="1" latinLnBrk="0" hangingPunct="1">
+              <a:lnSpc>
+                <a:spcPct val="90000"/>
+              </a:lnSpc>
+              <a:spcBef>
+                <a:spcPts val="500"/>
+              </a:spcBef>
+              <a:buFont typeface="Arial" panose="020B0604020202020204" pitchFamily="34" charset="0"/>
+              <a:buChar char="•"/>
+              <a:defRPr sz="1800" kern="1200">
+                <a:solidFill>
+                  <a:schemeClr val="tx1"/>
+                </a:solidFill>
+                <a:latin typeface="+mn-lt"/>
+                <a:ea typeface="+mn-ea"/>
+                <a:cs typeface="+mn-cs"/>
+              </a:defRPr>
+            </a:lvl4pPr>
+            <a:lvl5pPr marL="2057400" indent="-228600" algn="l" defTabSz="914400" rtl="0" eaLnBrk="1" latinLnBrk="0" hangingPunct="1">
+              <a:lnSpc>
+                <a:spcPct val="90000"/>
+              </a:lnSpc>
+              <a:spcBef>
+                <a:spcPts val="500"/>
+              </a:spcBef>
+              <a:buFont typeface="Arial" panose="020B0604020202020204" pitchFamily="34" charset="0"/>
+              <a:buChar char="•"/>
+              <a:defRPr sz="1800" kern="1200">
+                <a:solidFill>
+                  <a:schemeClr val="tx1"/>
+                </a:solidFill>
+                <a:latin typeface="+mn-lt"/>
+                <a:ea typeface="+mn-ea"/>
+                <a:cs typeface="+mn-cs"/>
+              </a:defRPr>
+            </a:lvl5pPr>
+            <a:lvl6pPr marL="2514600" indent="-228600" algn="l" defTabSz="914400" rtl="0" eaLnBrk="1" latinLnBrk="0" hangingPunct="1">
+              <a:lnSpc>
+                <a:spcPct val="90000"/>
+              </a:lnSpc>
+              <a:spcBef>
+                <a:spcPts val="500"/>
+              </a:spcBef>
+              <a:buFont typeface="Arial" panose="020B0604020202020204" pitchFamily="34" charset="0"/>
+              <a:buChar char="•"/>
+              <a:defRPr sz="1800" kern="1200">
+                <a:solidFill>
+                  <a:schemeClr val="tx1"/>
+                </a:solidFill>
+                <a:latin typeface="+mn-lt"/>
+                <a:ea typeface="+mn-ea"/>
+                <a:cs typeface="+mn-cs"/>
+              </a:defRPr>
+            </a:lvl6pPr>
+            <a:lvl7pPr marL="2971800" indent="-228600" algn="l" defTabSz="914400" rtl="0" eaLnBrk="1" latinLnBrk="0" hangingPunct="1">
+              <a:lnSpc>
+                <a:spcPct val="90000"/>
+              </a:lnSpc>
+              <a:spcBef>
+                <a:spcPts val="500"/>
+              </a:spcBef>
+              <a:buFont typeface="Arial" panose="020B0604020202020204" pitchFamily="34" charset="0"/>
+              <a:buChar char="•"/>
+              <a:defRPr sz="1800" kern="1200">
+                <a:solidFill>
+                  <a:schemeClr val="tx1"/>
+                </a:solidFill>
+                <a:latin typeface="+mn-lt"/>
+                <a:ea typeface="+mn-ea"/>
+                <a:cs typeface="+mn-cs"/>
+              </a:defRPr>
+            </a:lvl7pPr>
+            <a:lvl8pPr marL="3429000" indent="-228600" algn="l" defTabSz="914400" rtl="0" eaLnBrk="1" latinLnBrk="0" hangingPunct="1">
+              <a:lnSpc>
+                <a:spcPct val="90000"/>
+              </a:lnSpc>
+              <a:spcBef>
+                <a:spcPts val="500"/>
+              </a:spcBef>
+              <a:buFont typeface="Arial" panose="020B0604020202020204" pitchFamily="34" charset="0"/>
+              <a:buChar char="•"/>
+              <a:defRPr sz="1800" kern="1200">
+                <a:solidFill>
+                  <a:schemeClr val="tx1"/>
+                </a:solidFill>
+                <a:latin typeface="+mn-lt"/>
+                <a:ea typeface="+mn-ea"/>
+                <a:cs typeface="+mn-cs"/>
+              </a:defRPr>
+            </a:lvl8pPr>
+            <a:lvl9pPr marL="3886200" indent="-228600" algn="l" defTabSz="914400" rtl="0" eaLnBrk="1" latinLnBrk="0" hangingPunct="1">
+              <a:lnSpc>
+                <a:spcPct val="90000"/>
+              </a:lnSpc>
+              <a:spcBef>
+                <a:spcPts val="500"/>
+              </a:spcBef>
+              <a:buFont typeface="Arial" panose="020B0604020202020204" pitchFamily="34" charset="0"/>
+              <a:buChar char="•"/>
+              <a:defRPr sz="1800" kern="1200">
+                <a:solidFill>
+                  <a:schemeClr val="tx1"/>
+                </a:solidFill>
+                <a:latin typeface="+mn-lt"/>
+                <a:ea typeface="+mn-ea"/>
+                <a:cs typeface="+mn-cs"/>
+              </a:defRPr>
+            </a:lvl9pPr>
+          </a:lstStyle>
+          <a:p>
+            <a:pPr marL="0" indent="0">
+              <a:buFont typeface="Arial" panose="020B0604020202020204" pitchFamily="34" charset="0"/>
+              <a:buNone/>
+            </a:pPr>
+            <a:r>
+              <a:rPr lang="en-US" altLang="en-US" sz="1800">
+                <a:solidFill>
+                  <a:srgbClr val="0033B3"/>
+                </a:solidFill>
+                <a:latin typeface="Arial Unicode MS"/>
+              </a:rPr>
+              <a:t>data class </a:t>
+            </a:r>
+            <a:r>
+              <a:rPr lang="en-US" altLang="en-US" sz="1800">
+                <a:solidFill>
+                  <a:srgbClr val="000000"/>
+                </a:solidFill>
+                <a:latin typeface="Arial Unicode MS"/>
+              </a:rPr>
+              <a:t>Match </a:t>
+            </a:r>
+            <a:r>
+              <a:rPr lang="en-US" altLang="en-US" sz="1800">
+                <a:solidFill>
+                  <a:srgbClr val="080808"/>
+                </a:solidFill>
+                <a:latin typeface="Arial Unicode MS"/>
+              </a:rPr>
+              <a:t>(</a:t>
+            </a:r>
+            <a:br>
+              <a:rPr lang="en-US" altLang="en-US" sz="1800">
+                <a:solidFill>
+                  <a:srgbClr val="080808"/>
+                </a:solidFill>
+                <a:latin typeface="Arial Unicode MS"/>
+              </a:rPr>
+            </a:br>
+            <a:r>
+              <a:rPr lang="en-US" altLang="en-US" sz="1800">
+                <a:solidFill>
+                  <a:srgbClr val="080808"/>
+                </a:solidFill>
+                <a:latin typeface="Arial Unicode MS"/>
+              </a:rPr>
+              <a:t>    </a:t>
+            </a:r>
+            <a:r>
+              <a:rPr lang="en-US" altLang="en-US" sz="1800">
+                <a:solidFill>
+                  <a:srgbClr val="0033B3"/>
+                </a:solidFill>
+                <a:latin typeface="Arial Unicode MS"/>
+              </a:rPr>
+              <a:t>val </a:t>
+            </a:r>
+            <a:r>
+              <a:rPr lang="en-US" altLang="en-US" sz="1800">
+                <a:solidFill>
+                  <a:srgbClr val="871094"/>
+                </a:solidFill>
+                <a:latin typeface="Arial Unicode MS"/>
+              </a:rPr>
+              <a:t>id</a:t>
+            </a:r>
+            <a:r>
+              <a:rPr lang="en-US" altLang="en-US" sz="1800">
+                <a:solidFill>
+                  <a:srgbClr val="080808"/>
+                </a:solidFill>
+                <a:latin typeface="Arial Unicode MS"/>
+              </a:rPr>
+              <a:t>: </a:t>
+            </a:r>
+            <a:r>
+              <a:rPr lang="en-US" altLang="en-US" sz="1800">
+                <a:solidFill>
+                  <a:srgbClr val="000000"/>
+                </a:solidFill>
+                <a:latin typeface="Arial Unicode MS"/>
+              </a:rPr>
+              <a:t>UUID </a:t>
+            </a:r>
+            <a:r>
+              <a:rPr lang="en-US" altLang="en-US" sz="1800">
+                <a:solidFill>
+                  <a:srgbClr val="080808"/>
+                </a:solidFill>
+                <a:latin typeface="Arial Unicode MS"/>
+              </a:rPr>
+              <a:t>= </a:t>
+            </a:r>
+            <a:r>
+              <a:rPr lang="en-US" altLang="en-US" sz="1800">
+                <a:solidFill>
+                  <a:srgbClr val="000000"/>
+                </a:solidFill>
+                <a:latin typeface="Arial Unicode MS"/>
+              </a:rPr>
+              <a:t>UUID</a:t>
+            </a:r>
+            <a:r>
+              <a:rPr lang="en-US" altLang="en-US" sz="1800">
+                <a:solidFill>
+                  <a:srgbClr val="080808"/>
+                </a:solidFill>
+                <a:latin typeface="Arial Unicode MS"/>
+              </a:rPr>
+              <a:t>.randomUUID(),</a:t>
+            </a:r>
+            <a:br>
+              <a:rPr lang="en-US" altLang="en-US" sz="1800">
+                <a:solidFill>
+                  <a:srgbClr val="080808"/>
+                </a:solidFill>
+                <a:latin typeface="Arial Unicode MS"/>
+              </a:rPr>
+            </a:br>
+            <a:r>
+              <a:rPr lang="en-US" altLang="en-US" sz="1800">
+                <a:solidFill>
+                  <a:srgbClr val="080808"/>
+                </a:solidFill>
+                <a:latin typeface="Arial Unicode MS"/>
+              </a:rPr>
+              <a:t>    </a:t>
+            </a:r>
+            <a:r>
+              <a:rPr lang="en-US" altLang="en-US" sz="1800">
+                <a:solidFill>
+                  <a:srgbClr val="0033B3"/>
+                </a:solidFill>
+                <a:latin typeface="Arial Unicode MS"/>
+              </a:rPr>
+              <a:t>val </a:t>
+            </a:r>
+            <a:r>
+              <a:rPr lang="en-US" altLang="en-US" sz="1800">
+                <a:solidFill>
+                  <a:srgbClr val="871094"/>
+                </a:solidFill>
+                <a:latin typeface="Arial Unicode MS"/>
+              </a:rPr>
+              <a:t>gameName</a:t>
+            </a:r>
+            <a:r>
+              <a:rPr lang="en-US" altLang="en-US" sz="1800">
+                <a:solidFill>
+                  <a:srgbClr val="080808"/>
+                </a:solidFill>
+                <a:latin typeface="Arial Unicode MS"/>
+              </a:rPr>
+              <a:t>: </a:t>
+            </a:r>
+            <a:r>
+              <a:rPr lang="en-US" altLang="en-US" sz="1800">
+                <a:solidFill>
+                  <a:srgbClr val="000000"/>
+                </a:solidFill>
+                <a:latin typeface="Arial Unicode MS"/>
+              </a:rPr>
+              <a:t>String</a:t>
+            </a:r>
+            <a:r>
+              <a:rPr lang="en-US" altLang="en-US" sz="1800">
+                <a:solidFill>
+                  <a:srgbClr val="080808"/>
+                </a:solidFill>
+                <a:latin typeface="Arial Unicode MS"/>
+              </a:rPr>
+              <a:t>,</a:t>
+            </a:r>
+            <a:br>
+              <a:rPr lang="en-US" altLang="en-US" sz="1800">
+                <a:solidFill>
+                  <a:srgbClr val="080808"/>
+                </a:solidFill>
+                <a:latin typeface="Arial Unicode MS"/>
+              </a:rPr>
+            </a:br>
+            <a:r>
+              <a:rPr lang="en-US" altLang="en-US" sz="1800">
+                <a:solidFill>
+                  <a:srgbClr val="080808"/>
+                </a:solidFill>
+                <a:latin typeface="Arial Unicode MS"/>
+              </a:rPr>
+              <a:t>    </a:t>
+            </a:r>
+            <a:r>
+              <a:rPr lang="en-US" altLang="en-US" sz="1800">
+                <a:solidFill>
+                  <a:srgbClr val="0033B3"/>
+                </a:solidFill>
+                <a:latin typeface="Arial Unicode MS"/>
+              </a:rPr>
+              <a:t>val </a:t>
+            </a:r>
+            <a:r>
+              <a:rPr lang="en-US" altLang="en-US" sz="1800">
+                <a:solidFill>
+                  <a:srgbClr val="871094"/>
+                </a:solidFill>
+                <a:latin typeface="Arial Unicode MS"/>
+              </a:rPr>
+              <a:t>state</a:t>
+            </a:r>
+            <a:r>
+              <a:rPr lang="en-US" altLang="en-US" sz="1800">
+                <a:solidFill>
+                  <a:srgbClr val="080808"/>
+                </a:solidFill>
+                <a:latin typeface="Arial Unicode MS"/>
+              </a:rPr>
+              <a:t>: </a:t>
+            </a:r>
+            <a:r>
+              <a:rPr lang="en-US" altLang="en-US" sz="1800">
+                <a:solidFill>
+                  <a:srgbClr val="000000"/>
+                </a:solidFill>
+                <a:latin typeface="Arial Unicode MS"/>
+              </a:rPr>
+              <a:t>State </a:t>
+            </a:r>
+            <a:r>
+              <a:rPr lang="en-US" altLang="en-US" sz="1800">
+                <a:solidFill>
+                  <a:srgbClr val="080808"/>
+                </a:solidFill>
+                <a:latin typeface="Arial Unicode MS"/>
+              </a:rPr>
+              <a:t>= </a:t>
+            </a:r>
+            <a:r>
+              <a:rPr lang="en-US" altLang="en-US" sz="1800">
+                <a:solidFill>
+                  <a:srgbClr val="000000"/>
+                </a:solidFill>
+                <a:latin typeface="Arial Unicode MS"/>
+              </a:rPr>
+              <a:t>State</a:t>
+            </a:r>
+            <a:r>
+              <a:rPr lang="en-US" altLang="en-US" sz="1800">
+                <a:solidFill>
+                  <a:srgbClr val="080808"/>
+                </a:solidFill>
+                <a:latin typeface="Arial Unicode MS"/>
+              </a:rPr>
+              <a:t>.</a:t>
+            </a:r>
+            <a:r>
+              <a:rPr lang="en-US" altLang="en-US" sz="1800" i="1">
+                <a:solidFill>
+                  <a:srgbClr val="871094"/>
+                </a:solidFill>
+                <a:latin typeface="Arial Unicode MS"/>
+              </a:rPr>
+              <a:t>SETUP</a:t>
+            </a:r>
+            <a:r>
+              <a:rPr lang="en-US" altLang="en-US" sz="1800">
+                <a:solidFill>
+                  <a:srgbClr val="080808"/>
+                </a:solidFill>
+                <a:latin typeface="Arial Unicode MS"/>
+              </a:rPr>
+              <a:t>,</a:t>
+            </a:r>
+            <a:br>
+              <a:rPr lang="en-US" altLang="en-US" sz="1800">
+                <a:solidFill>
+                  <a:srgbClr val="080808"/>
+                </a:solidFill>
+                <a:latin typeface="Arial Unicode MS"/>
+              </a:rPr>
+            </a:br>
+            <a:r>
+              <a:rPr lang="en-US" altLang="en-US" sz="1800">
+                <a:solidFill>
+                  <a:srgbClr val="080808"/>
+                </a:solidFill>
+                <a:latin typeface="Arial Unicode MS"/>
+              </a:rPr>
+              <a:t>    </a:t>
+            </a:r>
+            <a:r>
+              <a:rPr lang="en-US" altLang="en-US" sz="1800">
+                <a:solidFill>
+                  <a:srgbClr val="0033B3"/>
+                </a:solidFill>
+                <a:latin typeface="Arial Unicode MS"/>
+              </a:rPr>
+              <a:t>val </a:t>
+            </a:r>
+            <a:r>
+              <a:rPr lang="en-US" altLang="en-US" sz="1800">
+                <a:solidFill>
+                  <a:srgbClr val="871094"/>
+                </a:solidFill>
+                <a:latin typeface="Arial Unicode MS"/>
+              </a:rPr>
+              <a:t>players</a:t>
+            </a:r>
+            <a:r>
+              <a:rPr lang="en-US" altLang="en-US" sz="1800">
+                <a:solidFill>
+                  <a:srgbClr val="080808"/>
+                </a:solidFill>
+                <a:latin typeface="Arial Unicode MS"/>
+              </a:rPr>
+              <a:t>: </a:t>
+            </a:r>
+            <a:r>
+              <a:rPr lang="en-US" altLang="en-US" sz="1800">
+                <a:solidFill>
+                  <a:srgbClr val="000000"/>
+                </a:solidFill>
+                <a:latin typeface="Arial Unicode MS"/>
+              </a:rPr>
+              <a:t>List</a:t>
+            </a:r>
+            <a:r>
+              <a:rPr lang="en-US" altLang="en-US" sz="1800">
+                <a:solidFill>
+                  <a:srgbClr val="080808"/>
+                </a:solidFill>
+                <a:latin typeface="Arial Unicode MS"/>
+              </a:rPr>
+              <a:t>&lt;</a:t>
+            </a:r>
+            <a:r>
+              <a:rPr lang="en-US" altLang="en-US" sz="1800">
+                <a:solidFill>
+                  <a:srgbClr val="000000"/>
+                </a:solidFill>
+                <a:latin typeface="Arial Unicode MS"/>
+              </a:rPr>
+              <a:t>Int</a:t>
+            </a:r>
+            <a:r>
+              <a:rPr lang="en-US" altLang="en-US" sz="1800">
+                <a:solidFill>
+                  <a:srgbClr val="080808"/>
+                </a:solidFill>
+                <a:latin typeface="Arial Unicode MS"/>
+              </a:rPr>
+              <a:t>&gt;,</a:t>
+            </a:r>
+            <a:br>
+              <a:rPr lang="en-US" altLang="en-US" sz="1800">
+                <a:solidFill>
+                  <a:srgbClr val="080808"/>
+                </a:solidFill>
+                <a:latin typeface="Arial Unicode MS"/>
+              </a:rPr>
+            </a:br>
+            <a:r>
+              <a:rPr lang="en-US" altLang="en-US" sz="1800">
+                <a:solidFill>
+                  <a:srgbClr val="080808"/>
+                </a:solidFill>
+                <a:latin typeface="Arial Unicode MS"/>
+              </a:rPr>
+              <a:t>    </a:t>
+            </a:r>
+            <a:r>
+              <a:rPr lang="en-US" altLang="en-US" sz="1800">
+                <a:solidFill>
+                  <a:srgbClr val="0033B3"/>
+                </a:solidFill>
+                <a:latin typeface="Arial Unicode MS"/>
+              </a:rPr>
+              <a:t>val </a:t>
+            </a:r>
+            <a:r>
+              <a:rPr lang="en-US" altLang="en-US" sz="1800">
+                <a:solidFill>
+                  <a:srgbClr val="871094"/>
+                </a:solidFill>
+                <a:latin typeface="Arial Unicode MS"/>
+              </a:rPr>
+              <a:t>currPlayer</a:t>
+            </a:r>
+            <a:r>
+              <a:rPr lang="en-US" altLang="en-US" sz="1800">
+                <a:solidFill>
+                  <a:srgbClr val="080808"/>
+                </a:solidFill>
+                <a:latin typeface="Arial Unicode MS"/>
+              </a:rPr>
+              <a:t>: </a:t>
+            </a:r>
+            <a:r>
+              <a:rPr lang="en-US" altLang="en-US" sz="1800">
+                <a:solidFill>
+                  <a:srgbClr val="000000"/>
+                </a:solidFill>
+                <a:latin typeface="Arial Unicode MS"/>
+              </a:rPr>
+              <a:t>Int </a:t>
+            </a:r>
+            <a:r>
+              <a:rPr lang="en-US" altLang="en-US" sz="1800">
+                <a:solidFill>
+                  <a:srgbClr val="080808"/>
+                </a:solidFill>
+                <a:latin typeface="Arial Unicode MS"/>
+              </a:rPr>
+              <a:t>= players.</a:t>
+            </a:r>
+            <a:r>
+              <a:rPr lang="en-US" altLang="en-US" sz="1800" i="1">
+                <a:solidFill>
+                  <a:srgbClr val="00627A"/>
+                </a:solidFill>
+                <a:latin typeface="Arial Unicode MS"/>
+              </a:rPr>
+              <a:t>first</a:t>
+            </a:r>
+            <a:r>
+              <a:rPr lang="en-US" altLang="en-US" sz="1800">
+                <a:solidFill>
+                  <a:srgbClr val="080808"/>
+                </a:solidFill>
+                <a:latin typeface="Arial Unicode MS"/>
+              </a:rPr>
+              <a:t>(),</a:t>
+            </a:r>
+            <a:br>
+              <a:rPr lang="en-US" altLang="en-US" sz="1800">
+                <a:solidFill>
+                  <a:srgbClr val="080808"/>
+                </a:solidFill>
+                <a:latin typeface="Arial Unicode MS"/>
+              </a:rPr>
+            </a:br>
+            <a:r>
+              <a:rPr lang="en-US" altLang="en-US" sz="1800">
+                <a:solidFill>
+                  <a:srgbClr val="080808"/>
+                </a:solidFill>
+                <a:latin typeface="Arial Unicode MS"/>
+              </a:rPr>
+              <a:t>    </a:t>
+            </a:r>
+            <a:r>
+              <a:rPr lang="en-US" altLang="en-US" sz="1800">
+                <a:solidFill>
+                  <a:srgbClr val="0033B3"/>
+                </a:solidFill>
+                <a:latin typeface="Arial Unicode MS"/>
+              </a:rPr>
+              <a:t>val </a:t>
+            </a:r>
+            <a:r>
+              <a:rPr lang="en-US" altLang="en-US" sz="1800">
+                <a:solidFill>
+                  <a:srgbClr val="871094"/>
+                </a:solidFill>
+                <a:latin typeface="Arial Unicode MS"/>
+              </a:rPr>
+              <a:t>currTurn</a:t>
+            </a:r>
+            <a:r>
+              <a:rPr lang="en-US" altLang="en-US" sz="1800">
+                <a:solidFill>
+                  <a:srgbClr val="080808"/>
+                </a:solidFill>
+                <a:latin typeface="Arial Unicode MS"/>
+              </a:rPr>
+              <a:t>: </a:t>
+            </a:r>
+            <a:r>
+              <a:rPr lang="en-US" altLang="en-US" sz="1800">
+                <a:solidFill>
+                  <a:srgbClr val="000000"/>
+                </a:solidFill>
+                <a:latin typeface="Arial Unicode MS"/>
+              </a:rPr>
+              <a:t>Int </a:t>
+            </a:r>
+            <a:r>
+              <a:rPr lang="en-US" altLang="en-US" sz="1800">
+                <a:solidFill>
+                  <a:srgbClr val="080808"/>
+                </a:solidFill>
+                <a:latin typeface="Arial Unicode MS"/>
+              </a:rPr>
+              <a:t>= </a:t>
+            </a:r>
+            <a:r>
+              <a:rPr lang="en-US" altLang="en-US" sz="1800">
+                <a:solidFill>
+                  <a:srgbClr val="1750EB"/>
+                </a:solidFill>
+                <a:latin typeface="Arial Unicode MS"/>
+              </a:rPr>
+              <a:t>0</a:t>
+            </a:r>
+            <a:r>
+              <a:rPr lang="en-US" altLang="en-US" sz="1800">
+                <a:solidFill>
+                  <a:srgbClr val="080808"/>
+                </a:solidFill>
+                <a:latin typeface="Arial Unicode MS"/>
+              </a:rPr>
+              <a:t>,</a:t>
+            </a:r>
+            <a:br>
+              <a:rPr lang="en-US" altLang="en-US" sz="1800">
+                <a:solidFill>
+                  <a:srgbClr val="080808"/>
+                </a:solidFill>
+                <a:latin typeface="Arial Unicode MS"/>
+              </a:rPr>
+            </a:br>
+            <a:r>
+              <a:rPr lang="en-US" altLang="en-US" sz="1800">
+                <a:solidFill>
+                  <a:srgbClr val="080808"/>
+                </a:solidFill>
+                <a:latin typeface="Arial Unicode MS"/>
+              </a:rPr>
+              <a:t>    </a:t>
+            </a:r>
+            <a:r>
+              <a:rPr lang="en-US" altLang="en-US" sz="1800">
+                <a:solidFill>
+                  <a:srgbClr val="0033B3"/>
+                </a:solidFill>
+                <a:latin typeface="Arial Unicode MS"/>
+              </a:rPr>
+              <a:t>val </a:t>
+            </a:r>
+            <a:r>
+              <a:rPr lang="en-US" altLang="en-US" sz="1800">
+                <a:solidFill>
+                  <a:srgbClr val="871094"/>
+                </a:solidFill>
+                <a:latin typeface="Arial Unicode MS"/>
+              </a:rPr>
+              <a:t>deadlineTurn</a:t>
+            </a:r>
+            <a:r>
+              <a:rPr lang="en-US" altLang="en-US" sz="1800">
+                <a:solidFill>
+                  <a:srgbClr val="080808"/>
+                </a:solidFill>
+                <a:latin typeface="Arial Unicode MS"/>
+              </a:rPr>
+              <a:t>: </a:t>
+            </a:r>
+            <a:r>
+              <a:rPr lang="en-US" altLang="en-US" sz="1800">
+                <a:solidFill>
+                  <a:srgbClr val="000000"/>
+                </a:solidFill>
+                <a:latin typeface="Arial Unicode MS"/>
+              </a:rPr>
+              <a:t>Instant</a:t>
+            </a:r>
+            <a:r>
+              <a:rPr lang="en-US" altLang="en-US" sz="1800">
+                <a:solidFill>
+                  <a:srgbClr val="080808"/>
+                </a:solidFill>
+                <a:latin typeface="Arial Unicode MS"/>
+              </a:rPr>
+              <a:t>? = </a:t>
+            </a:r>
+            <a:r>
+              <a:rPr lang="en-US" altLang="en-US" sz="1800">
+                <a:solidFill>
+                  <a:srgbClr val="0033B3"/>
+                </a:solidFill>
+                <a:latin typeface="Arial Unicode MS"/>
+              </a:rPr>
+              <a:t>null</a:t>
+            </a:r>
+            <a:r>
+              <a:rPr lang="en-US" altLang="en-US" sz="1800">
+                <a:solidFill>
+                  <a:srgbClr val="080808"/>
+                </a:solidFill>
+                <a:latin typeface="Arial Unicode MS"/>
+              </a:rPr>
+              <a:t>,</a:t>
+            </a:r>
+            <a:br>
+              <a:rPr lang="en-US" altLang="en-US" sz="1800">
+                <a:solidFill>
+                  <a:srgbClr val="080808"/>
+                </a:solidFill>
+                <a:latin typeface="Arial Unicode MS"/>
+              </a:rPr>
+            </a:br>
+            <a:r>
+              <a:rPr lang="en-US" altLang="en-US" sz="1800">
+                <a:solidFill>
+                  <a:srgbClr val="080808"/>
+                </a:solidFill>
+                <a:latin typeface="Arial Unicode MS"/>
+              </a:rPr>
+              <a:t>    </a:t>
+            </a:r>
+            <a:r>
+              <a:rPr lang="en-US" altLang="en-US" sz="1800">
+                <a:solidFill>
+                  <a:srgbClr val="0033B3"/>
+                </a:solidFill>
+                <a:latin typeface="Arial Unicode MS"/>
+              </a:rPr>
+              <a:t>val </a:t>
+            </a:r>
+            <a:r>
+              <a:rPr lang="en-US" altLang="en-US" sz="1800">
+                <a:solidFill>
+                  <a:srgbClr val="871094"/>
+                </a:solidFill>
+                <a:latin typeface="Arial Unicode MS"/>
+              </a:rPr>
+              <a:t>created</a:t>
+            </a:r>
+            <a:r>
+              <a:rPr lang="en-US" altLang="en-US" sz="1800">
+                <a:solidFill>
+                  <a:srgbClr val="080808"/>
+                </a:solidFill>
+                <a:latin typeface="Arial Unicode MS"/>
+              </a:rPr>
+              <a:t>: </a:t>
+            </a:r>
+            <a:r>
+              <a:rPr lang="en-US" altLang="en-US" sz="1800">
+                <a:solidFill>
+                  <a:srgbClr val="000000"/>
+                </a:solidFill>
+                <a:latin typeface="Arial Unicode MS"/>
+              </a:rPr>
+              <a:t>Instant </a:t>
+            </a:r>
+            <a:r>
+              <a:rPr lang="en-US" altLang="en-US" sz="1800">
+                <a:solidFill>
+                  <a:srgbClr val="080808"/>
+                </a:solidFill>
+                <a:latin typeface="Arial Unicode MS"/>
+              </a:rPr>
+              <a:t>= </a:t>
+            </a:r>
+            <a:r>
+              <a:rPr lang="en-US" altLang="en-US" sz="1800">
+                <a:solidFill>
+                  <a:srgbClr val="000000"/>
+                </a:solidFill>
+                <a:latin typeface="Arial Unicode MS"/>
+              </a:rPr>
+              <a:t>Instant</a:t>
+            </a:r>
+            <a:r>
+              <a:rPr lang="en-US" altLang="en-US" sz="1800">
+                <a:solidFill>
+                  <a:srgbClr val="080808"/>
+                </a:solidFill>
+                <a:latin typeface="Arial Unicode MS"/>
+              </a:rPr>
+              <a:t>.now(),</a:t>
+            </a:r>
+            <a:br>
+              <a:rPr lang="en-US" altLang="en-US" sz="1800">
+                <a:solidFill>
+                  <a:srgbClr val="080808"/>
+                </a:solidFill>
+                <a:latin typeface="Arial Unicode MS"/>
+              </a:rPr>
+            </a:br>
+            <a:r>
+              <a:rPr lang="en-US" altLang="en-US" sz="1800">
+                <a:solidFill>
+                  <a:srgbClr val="080808"/>
+                </a:solidFill>
+                <a:latin typeface="Arial Unicode MS"/>
+              </a:rPr>
+              <a:t>    </a:t>
+            </a:r>
+            <a:r>
+              <a:rPr lang="en-US" altLang="en-US" sz="1800">
+                <a:solidFill>
+                  <a:srgbClr val="0033B3"/>
+                </a:solidFill>
+                <a:latin typeface="Arial Unicode MS"/>
+              </a:rPr>
+              <a:t>val </a:t>
+            </a:r>
+            <a:r>
+              <a:rPr lang="en-US" altLang="en-US" sz="1800">
+                <a:solidFill>
+                  <a:srgbClr val="871094"/>
+                </a:solidFill>
+                <a:latin typeface="Arial Unicode MS"/>
+              </a:rPr>
+              <a:t>info</a:t>
+            </a:r>
+            <a:r>
+              <a:rPr lang="en-US" altLang="en-US" sz="1800">
+                <a:solidFill>
+                  <a:srgbClr val="080808"/>
+                </a:solidFill>
+                <a:latin typeface="Arial Unicode MS"/>
+              </a:rPr>
+              <a:t>: </a:t>
+            </a:r>
+            <a:r>
+              <a:rPr lang="en-US" altLang="en-US" sz="1800">
+                <a:solidFill>
+                  <a:srgbClr val="000000"/>
+                </a:solidFill>
+                <a:latin typeface="Arial Unicode MS"/>
+              </a:rPr>
+              <a:t>JsonNode</a:t>
+            </a:r>
+            <a:br>
+              <a:rPr lang="en-US" altLang="en-US" sz="1800">
+                <a:solidFill>
+                  <a:srgbClr val="000000"/>
+                </a:solidFill>
+                <a:latin typeface="Arial Unicode MS"/>
+              </a:rPr>
+            </a:br>
+            <a:r>
+              <a:rPr lang="en-US" altLang="en-US" sz="1800">
+                <a:solidFill>
+                  <a:srgbClr val="080808"/>
+                </a:solidFill>
+                <a:latin typeface="Arial Unicode MS"/>
+              </a:rPr>
+              <a:t>) {</a:t>
+            </a:r>
+            <a:br>
+              <a:rPr lang="en-US" altLang="en-US" sz="1800">
+                <a:solidFill>
+                  <a:srgbClr val="080808"/>
+                </a:solidFill>
+                <a:latin typeface="Arial Unicode MS"/>
+              </a:rPr>
+            </a:br>
+            <a:r>
+              <a:rPr lang="en-US" altLang="en-US" sz="1800">
+                <a:solidFill>
+                  <a:srgbClr val="080808"/>
+                </a:solidFill>
+                <a:latin typeface="Arial Unicode MS"/>
+              </a:rPr>
+              <a:t>    </a:t>
+            </a:r>
+            <a:r>
+              <a:rPr lang="en-US" altLang="en-US" sz="1800">
+                <a:solidFill>
+                  <a:srgbClr val="0033B3"/>
+                </a:solidFill>
+                <a:latin typeface="Arial Unicode MS"/>
+              </a:rPr>
+              <a:t>enum class </a:t>
+            </a:r>
+            <a:r>
+              <a:rPr lang="en-US" altLang="en-US" sz="1800">
+                <a:solidFill>
+                  <a:srgbClr val="000000"/>
+                </a:solidFill>
+                <a:latin typeface="Arial Unicode MS"/>
+              </a:rPr>
+              <a:t>State </a:t>
+            </a:r>
+            <a:r>
+              <a:rPr lang="en-US" altLang="en-US" sz="1800">
+                <a:solidFill>
+                  <a:srgbClr val="080808"/>
+                </a:solidFill>
+                <a:latin typeface="Arial Unicode MS"/>
+              </a:rPr>
+              <a:t>{</a:t>
+            </a:r>
+            <a:br>
+              <a:rPr lang="en-US" altLang="en-US" sz="1800">
+                <a:solidFill>
+                  <a:srgbClr val="080808"/>
+                </a:solidFill>
+                <a:latin typeface="Arial Unicode MS"/>
+              </a:rPr>
+            </a:br>
+            <a:r>
+              <a:rPr lang="en-US" altLang="en-US" sz="1800">
+                <a:solidFill>
+                  <a:srgbClr val="080808"/>
+                </a:solidFill>
+                <a:latin typeface="Arial Unicode MS"/>
+              </a:rPr>
+              <a:t>        </a:t>
+            </a:r>
+            <a:r>
+              <a:rPr lang="en-US" altLang="en-US" sz="1800" i="1">
+                <a:solidFill>
+                  <a:srgbClr val="871094"/>
+                </a:solidFill>
+                <a:latin typeface="Arial Unicode MS"/>
+              </a:rPr>
+              <a:t>SETUP</a:t>
+            </a:r>
+            <a:r>
+              <a:rPr lang="en-US" altLang="en-US" sz="1800">
+                <a:solidFill>
+                  <a:srgbClr val="080808"/>
+                </a:solidFill>
+                <a:latin typeface="Arial Unicode MS"/>
+              </a:rPr>
+              <a:t>,</a:t>
+            </a:r>
+            <a:br>
+              <a:rPr lang="en-US" altLang="en-US" sz="1800">
+                <a:solidFill>
+                  <a:srgbClr val="080808"/>
+                </a:solidFill>
+                <a:latin typeface="Arial Unicode MS"/>
+              </a:rPr>
+            </a:br>
+            <a:r>
+              <a:rPr lang="en-US" altLang="en-US" sz="1800">
+                <a:solidFill>
+                  <a:srgbClr val="080808"/>
+                </a:solidFill>
+                <a:latin typeface="Arial Unicode MS"/>
+              </a:rPr>
+              <a:t>        </a:t>
+            </a:r>
+            <a:r>
+              <a:rPr lang="en-US" altLang="en-US" sz="1800" i="1">
+                <a:solidFill>
+                  <a:srgbClr val="871094"/>
+                </a:solidFill>
+                <a:latin typeface="Arial Unicode MS"/>
+              </a:rPr>
+              <a:t>ON_GOING</a:t>
+            </a:r>
+            <a:r>
+              <a:rPr lang="en-US" altLang="en-US" sz="1800">
+                <a:solidFill>
+                  <a:srgbClr val="080808"/>
+                </a:solidFill>
+                <a:latin typeface="Arial Unicode MS"/>
+              </a:rPr>
+              <a:t>,</a:t>
+            </a:r>
+            <a:br>
+              <a:rPr lang="en-US" altLang="en-US" sz="1800">
+                <a:solidFill>
+                  <a:srgbClr val="080808"/>
+                </a:solidFill>
+                <a:latin typeface="Arial Unicode MS"/>
+              </a:rPr>
+            </a:br>
+            <a:r>
+              <a:rPr lang="en-US" altLang="en-US" sz="1800">
+                <a:solidFill>
+                  <a:srgbClr val="080808"/>
+                </a:solidFill>
+                <a:latin typeface="Arial Unicode MS"/>
+              </a:rPr>
+              <a:t>        </a:t>
+            </a:r>
+            <a:r>
+              <a:rPr lang="en-US" altLang="en-US" sz="1800" i="1">
+                <a:solidFill>
+                  <a:srgbClr val="871094"/>
+                </a:solidFill>
+                <a:latin typeface="Arial Unicode MS"/>
+              </a:rPr>
+              <a:t>FINISHED</a:t>
+            </a:r>
+            <a:r>
+              <a:rPr lang="en-US" altLang="en-US" sz="1800">
+                <a:solidFill>
+                  <a:srgbClr val="080808"/>
+                </a:solidFill>
+                <a:latin typeface="Arial Unicode MS"/>
+              </a:rPr>
+              <a:t>,</a:t>
+            </a:r>
+            <a:br>
+              <a:rPr lang="en-US" altLang="en-US" sz="1800">
+                <a:solidFill>
+                  <a:srgbClr val="080808"/>
+                </a:solidFill>
+                <a:latin typeface="Arial Unicode MS"/>
+              </a:rPr>
+            </a:br>
+            <a:r>
+              <a:rPr lang="en-US" altLang="en-US" sz="1800">
+                <a:solidFill>
+                  <a:srgbClr val="080808"/>
+                </a:solidFill>
+                <a:latin typeface="Arial Unicode MS"/>
+              </a:rPr>
+              <a:t>    }</a:t>
+            </a:r>
+            <a:br>
+              <a:rPr lang="en-US" altLang="en-US" sz="1800">
+                <a:solidFill>
+                  <a:srgbClr val="080808"/>
+                </a:solidFill>
+                <a:latin typeface="Arial Unicode MS"/>
+              </a:rPr>
+            </a:br>
+            <a:r>
+              <a:rPr lang="en-US" altLang="en-US" sz="1800">
+                <a:solidFill>
+                  <a:srgbClr val="080808"/>
+                </a:solidFill>
+                <a:latin typeface="Arial Unicode MS"/>
+              </a:rPr>
+              <a:t>}</a:t>
+            </a:r>
+            <a:endParaRPr lang="en-US" altLang="en-US" sz="1800">
+              <a:latin typeface="Arial" panose="020B0604020202020204" pitchFamily="34" charset="0"/>
+            </a:endParaRPr>
+          </a:p>
+          <a:p>
+            <a:pPr marL="0" indent="0">
+              <a:buFont typeface="Arial" panose="020B0604020202020204" pitchFamily="34" charset="0"/>
+              <a:buNone/>
+            </a:pPr>
+            <a:endParaRPr lang="en-US" dirty="0"/>
+          </a:p>
+        </p:txBody>
+      </p:sp>
+      <p:sp>
+        <p:nvSpPr>
+          <p:cNvPr id="7" name="Rectangle 8">
+            <a:extLst>
+              <a:ext uri="{FF2B5EF4-FFF2-40B4-BE49-F238E27FC236}">
+                <a16:creationId xmlns:a16="http://schemas.microsoft.com/office/drawing/2014/main" id="{FA7923DA-AF1F-DF25-601A-39E304A212A1}"/>
+              </a:ext>
+            </a:extLst>
+          </p:cNvPr>
+          <p:cNvSpPr>
+            <a:spLocks noGrp="1" noChangeArrowheads="1"/>
+          </p:cNvSpPr>
+          <p:nvPr>
+            <p:ph sz="half" idx="1"/>
+          </p:nvPr>
+        </p:nvSpPr>
+        <p:spPr bwMode="auto">
+          <a:xfrm>
+            <a:off x="7477539" y="719532"/>
+            <a:ext cx="242374" cy="338554"/>
+          </a:xfrm>
+          <a:prstGeom prst="rect">
+            <a:avLst/>
+          </a:prstGeom>
+          <a:solidFill>
+            <a:srgbClr val="FFFFFF"/>
+          </a:solidFill>
+          <a:ln>
+            <a:noFill/>
+          </a:ln>
+          <a:effectLst/>
+          <a:extLst>
+            <a:ext uri="{91240B29-F687-4F45-9708-019B960494DF}">
+              <a14:hiddenLine xmlns:a14="http://schemas.microsoft.com/office/drawing/2010/main" w="9525">
+                <a:solidFill>
+                  <a:schemeClr val="tx1"/>
+                </a:solidFill>
+                <a:miter lim="800000"/>
+                <a:headEnd/>
+                <a:tailEnd/>
+              </a14:hiddenLine>
+            </a:ext>
+            <a:ext uri="{AF507438-7753-43E0-B8FC-AC1667EBCBE1}">
+              <a14:hiddenEffects xmlns:a14="http://schemas.microsoft.com/office/drawing/2010/main">
+                <a:effectLst>
+                  <a:outerShdw dist="35921" dir="2700000" algn="ctr" rotWithShape="0">
+                    <a:schemeClr val="bg2"/>
+                  </a:outerShdw>
+                </a:effectLst>
+              </a14:hiddenEffects>
+            </a:ext>
+          </a:extLst>
+        </p:spPr>
+        <p:txBody>
+          <a:bodyPr vert="horz" wrap="none" lIns="91440" tIns="45720" rIns="91440" bIns="45720" numCol="1" anchor="ctr" anchorCtr="0" compatLnSpc="1">
+            <a:prstTxWarp prst="textNoShape">
+              <a:avLst/>
+            </a:prstTxWarp>
+            <a:spAutoFit/>
+          </a:bodyPr>
+          <a:lstStyle/>
+          <a:p>
+            <a:pPr marL="0" marR="0" lvl="0" indent="0" algn="l" defTabSz="914400" rtl="0" eaLnBrk="0" fontAlgn="base" latinLnBrk="0" hangingPunct="0">
+              <a:lnSpc>
+                <a:spcPct val="100000"/>
+              </a:lnSpc>
+              <a:spcBef>
+                <a:spcPct val="0"/>
+              </a:spcBef>
+              <a:spcAft>
+                <a:spcPct val="0"/>
+              </a:spcAft>
+              <a:buClrTx/>
+              <a:buSzTx/>
+              <a:buFontTx/>
+              <a:buNone/>
+              <a:tabLst/>
+            </a:pPr>
+            <a:r>
+              <a:rPr kumimoji="0" lang="en-US" altLang="en-US" sz="1600" b="0" i="0" u="none" strike="noStrike" cap="none" normalizeH="0" baseline="0" dirty="0">
+                <a:ln>
+                  <a:noFill/>
+                </a:ln>
+                <a:solidFill>
+                  <a:schemeClr val="tx1"/>
+                </a:solidFill>
+                <a:effectLst/>
+                <a:latin typeface="Arial" panose="020B0604020202020204" pitchFamily="34" charset="0"/>
+              </a:rPr>
+              <a:t> </a:t>
+            </a:r>
+          </a:p>
+        </p:txBody>
+      </p:sp>
+      <p:sp>
+        <p:nvSpPr>
+          <p:cNvPr id="8" name="Rectangle 9">
+            <a:extLst>
+              <a:ext uri="{FF2B5EF4-FFF2-40B4-BE49-F238E27FC236}">
+                <a16:creationId xmlns:a16="http://schemas.microsoft.com/office/drawing/2014/main" id="{7DEF134E-4245-1282-99CA-27B102F8C5A4}"/>
+              </a:ext>
+            </a:extLst>
+          </p:cNvPr>
+          <p:cNvSpPr>
+            <a:spLocks noChangeArrowheads="1"/>
+          </p:cNvSpPr>
+          <p:nvPr/>
+        </p:nvSpPr>
+        <p:spPr bwMode="auto">
+          <a:xfrm>
+            <a:off x="838200" y="1825625"/>
+            <a:ext cx="2710999" cy="1754326"/>
+          </a:xfrm>
+          <a:prstGeom prst="rect">
+            <a:avLst/>
+          </a:prstGeom>
+          <a:solidFill>
+            <a:srgbClr val="FFFFFF"/>
+          </a:solidFill>
+          <a:ln>
+            <a:noFill/>
+          </a:ln>
+          <a:effectLst/>
+          <a:extLst>
+            <a:ext uri="{91240B29-F687-4F45-9708-019B960494DF}">
+              <a14:hiddenLine xmlns:a14="http://schemas.microsoft.com/office/drawing/2010/main" w="9525">
+                <a:solidFill>
+                  <a:schemeClr val="tx1"/>
+                </a:solidFill>
+                <a:miter lim="800000"/>
+                <a:headEnd/>
+                <a:tailEnd/>
+              </a14:hiddenLine>
+            </a:ext>
+            <a:ext uri="{AF507438-7753-43E0-B8FC-AC1667EBCBE1}">
+              <a14:hiddenEffects xmlns:a14="http://schemas.microsoft.com/office/drawing/2010/main">
+                <a:effectLst>
+                  <a:outerShdw dist="35921" dir="2700000" algn="ctr" rotWithShape="0">
+                    <a:schemeClr val="bg2"/>
+                  </a:outerShdw>
+                </a:effectLst>
+              </a14:hiddenEffects>
+            </a:ext>
+          </a:extLst>
+        </p:spPr>
+        <p:txBody>
+          <a:bodyPr vert="horz" wrap="none" lIns="91440" tIns="45720" rIns="91440" bIns="45720" numCol="1" anchor="ctr" anchorCtr="0" compatLnSpc="1">
+            <a:prstTxWarp prst="textNoShape">
+              <a:avLst/>
+            </a:prstTxWarp>
+            <a:spAutoFit/>
+          </a:bodyPr>
+          <a:lstStyle/>
+          <a:p>
+            <a:pPr eaLnBrk="0" fontAlgn="base" hangingPunct="0">
+              <a:spcBef>
+                <a:spcPct val="0"/>
+              </a:spcBef>
+              <a:spcAft>
+                <a:spcPct val="0"/>
+              </a:spcAft>
+            </a:pPr>
+            <a:r>
+              <a:rPr kumimoji="0" lang="en-US" altLang="en-US" b="0" i="0" u="none" strike="noStrike" cap="none" normalizeH="0" baseline="0" dirty="0">
+                <a:ln>
+                  <a:noFill/>
+                </a:ln>
+                <a:solidFill>
+                  <a:srgbClr val="0033B3"/>
+                </a:solidFill>
+                <a:effectLst/>
+                <a:latin typeface="Arial Unicode MS"/>
+              </a:rPr>
+              <a:t>data class </a:t>
+            </a:r>
+            <a:r>
+              <a:rPr kumimoji="0" lang="en-US" altLang="en-US" b="0" i="0" u="none" strike="noStrike" cap="none" normalizeH="0" baseline="0" dirty="0">
+                <a:ln>
+                  <a:noFill/>
+                </a:ln>
+                <a:solidFill>
+                  <a:srgbClr val="000000"/>
+                </a:solidFill>
+                <a:effectLst/>
+                <a:latin typeface="Arial Unicode MS"/>
+              </a:rPr>
+              <a:t>Game</a:t>
+            </a:r>
+            <a:r>
+              <a:rPr kumimoji="0" lang="en-US" altLang="en-US" b="0" i="0" u="none" strike="noStrike" cap="none" normalizeH="0" baseline="0" dirty="0">
+                <a:ln>
+                  <a:noFill/>
+                </a:ln>
+                <a:solidFill>
+                  <a:srgbClr val="080808"/>
+                </a:solidFill>
+                <a:effectLst/>
+                <a:latin typeface="Arial Unicode MS"/>
+              </a:rPr>
+              <a:t>(</a:t>
+            </a:r>
+            <a:br>
+              <a:rPr kumimoji="0" lang="en-US" altLang="en-US" b="0" i="0" u="none" strike="noStrike" cap="none" normalizeH="0" baseline="0" dirty="0">
+                <a:ln>
+                  <a:noFill/>
+                </a:ln>
+                <a:solidFill>
+                  <a:srgbClr val="080808"/>
+                </a:solidFill>
+                <a:effectLst/>
+                <a:latin typeface="Arial Unicode MS"/>
+              </a:rPr>
+            </a:br>
+            <a:r>
+              <a:rPr kumimoji="0" lang="en-US" altLang="en-US" b="0" i="0" u="none" strike="noStrike" cap="none" normalizeH="0" baseline="0" dirty="0">
+                <a:ln>
+                  <a:noFill/>
+                </a:ln>
+                <a:solidFill>
+                  <a:srgbClr val="080808"/>
+                </a:solidFill>
+                <a:effectLst/>
+                <a:latin typeface="Arial Unicode MS"/>
+              </a:rPr>
+              <a:t>    </a:t>
+            </a:r>
+            <a:r>
+              <a:rPr kumimoji="0" lang="en-US" altLang="en-US" b="0" i="0" u="none" strike="noStrike" cap="none" normalizeH="0" baseline="0" dirty="0" err="1">
+                <a:ln>
+                  <a:noFill/>
+                </a:ln>
+                <a:solidFill>
+                  <a:srgbClr val="0033B3"/>
+                </a:solidFill>
+                <a:effectLst/>
+                <a:latin typeface="Arial Unicode MS"/>
+              </a:rPr>
+              <a:t>val</a:t>
+            </a:r>
+            <a:r>
+              <a:rPr kumimoji="0" lang="en-US" altLang="en-US" b="0" i="0" u="none" strike="noStrike" cap="none" normalizeH="0" baseline="0" dirty="0">
+                <a:ln>
+                  <a:noFill/>
+                </a:ln>
+                <a:solidFill>
+                  <a:srgbClr val="0033B3"/>
+                </a:solidFill>
+                <a:effectLst/>
+                <a:latin typeface="Arial Unicode MS"/>
+              </a:rPr>
+              <a:t> </a:t>
+            </a:r>
+            <a:r>
+              <a:rPr kumimoji="0" lang="en-US" altLang="en-US" b="0" i="0" u="none" strike="noStrike" cap="none" normalizeH="0" baseline="0" dirty="0">
+                <a:ln>
+                  <a:noFill/>
+                </a:ln>
+                <a:solidFill>
+                  <a:srgbClr val="871094"/>
+                </a:solidFill>
+                <a:effectLst/>
+                <a:latin typeface="Arial Unicode MS"/>
+              </a:rPr>
+              <a:t>name</a:t>
+            </a:r>
+            <a:r>
+              <a:rPr kumimoji="0" lang="en-US" altLang="en-US" b="0" i="0" u="none" strike="noStrike" cap="none" normalizeH="0" baseline="0" dirty="0">
+                <a:ln>
+                  <a:noFill/>
+                </a:ln>
+                <a:solidFill>
+                  <a:srgbClr val="080808"/>
+                </a:solidFill>
+                <a:effectLst/>
+                <a:latin typeface="Arial Unicode MS"/>
+              </a:rPr>
+              <a:t>: </a:t>
+            </a:r>
+            <a:r>
+              <a:rPr kumimoji="0" lang="en-US" altLang="en-US" b="0" i="0" u="none" strike="noStrike" cap="none" normalizeH="0" baseline="0" dirty="0">
+                <a:ln>
+                  <a:noFill/>
+                </a:ln>
+                <a:solidFill>
+                  <a:srgbClr val="000000"/>
+                </a:solidFill>
+                <a:effectLst/>
+                <a:latin typeface="Arial Unicode MS"/>
+              </a:rPr>
+              <a:t>String</a:t>
+            </a:r>
+            <a:r>
+              <a:rPr kumimoji="0" lang="en-US" altLang="en-US" b="0" i="0" u="none" strike="noStrike" cap="none" normalizeH="0" baseline="0" dirty="0">
+                <a:ln>
+                  <a:noFill/>
+                </a:ln>
+                <a:solidFill>
+                  <a:srgbClr val="080808"/>
+                </a:solidFill>
+                <a:effectLst/>
+                <a:latin typeface="Arial Unicode MS"/>
+              </a:rPr>
+              <a:t>,</a:t>
+            </a:r>
+            <a:br>
+              <a:rPr kumimoji="0" lang="en-US" altLang="en-US" b="0" i="0" u="none" strike="noStrike" cap="none" normalizeH="0" baseline="0" dirty="0">
+                <a:ln>
+                  <a:noFill/>
+                </a:ln>
+                <a:solidFill>
+                  <a:srgbClr val="080808"/>
+                </a:solidFill>
+                <a:effectLst/>
+                <a:latin typeface="Arial Unicode MS"/>
+              </a:rPr>
+            </a:br>
+            <a:r>
+              <a:rPr kumimoji="0" lang="en-US" altLang="en-US" b="0" i="0" u="none" strike="noStrike" cap="none" normalizeH="0" baseline="0" dirty="0">
+                <a:ln>
+                  <a:noFill/>
+                </a:ln>
+                <a:solidFill>
+                  <a:srgbClr val="080808"/>
+                </a:solidFill>
+                <a:effectLst/>
+                <a:latin typeface="Arial Unicode MS"/>
+              </a:rPr>
+              <a:t>    </a:t>
+            </a:r>
+            <a:r>
+              <a:rPr kumimoji="0" lang="en-US" altLang="en-US" b="0" i="0" u="none" strike="noStrike" cap="none" normalizeH="0" baseline="0" dirty="0" err="1">
+                <a:ln>
+                  <a:noFill/>
+                </a:ln>
+                <a:solidFill>
+                  <a:srgbClr val="0033B3"/>
+                </a:solidFill>
+                <a:effectLst/>
+                <a:latin typeface="Arial Unicode MS"/>
+              </a:rPr>
+              <a:t>val</a:t>
+            </a:r>
+            <a:r>
+              <a:rPr kumimoji="0" lang="en-US" altLang="en-US" b="0" i="0" u="none" strike="noStrike" cap="none" normalizeH="0" baseline="0" dirty="0">
+                <a:ln>
+                  <a:noFill/>
+                </a:ln>
+                <a:solidFill>
+                  <a:srgbClr val="0033B3"/>
+                </a:solidFill>
+                <a:effectLst/>
+                <a:latin typeface="Arial Unicode MS"/>
+              </a:rPr>
+              <a:t> </a:t>
+            </a:r>
+            <a:r>
+              <a:rPr kumimoji="0" lang="en-US" altLang="en-US" b="0" i="0" u="none" strike="noStrike" cap="none" normalizeH="0" baseline="0" dirty="0" err="1">
+                <a:ln>
+                  <a:noFill/>
+                </a:ln>
+                <a:solidFill>
+                  <a:srgbClr val="871094"/>
+                </a:solidFill>
+                <a:effectLst/>
+                <a:latin typeface="Arial Unicode MS"/>
+              </a:rPr>
+              <a:t>numPlayers</a:t>
+            </a:r>
+            <a:r>
+              <a:rPr kumimoji="0" lang="en-US" altLang="en-US" b="0" i="0" u="none" strike="noStrike" cap="none" normalizeH="0" baseline="0" dirty="0">
+                <a:ln>
+                  <a:noFill/>
+                </a:ln>
+                <a:solidFill>
+                  <a:srgbClr val="080808"/>
+                </a:solidFill>
+                <a:effectLst/>
+                <a:latin typeface="Arial Unicode MS"/>
+              </a:rPr>
+              <a:t>: </a:t>
+            </a:r>
+            <a:r>
+              <a:rPr kumimoji="0" lang="en-US" altLang="en-US" b="0" i="0" u="none" strike="noStrike" cap="none" normalizeH="0" baseline="0" dirty="0">
+                <a:ln>
+                  <a:noFill/>
+                </a:ln>
+                <a:solidFill>
+                  <a:srgbClr val="000000"/>
+                </a:solidFill>
+                <a:effectLst/>
+                <a:latin typeface="Arial Unicode MS"/>
+              </a:rPr>
+              <a:t>Int</a:t>
+            </a:r>
+            <a:r>
+              <a:rPr kumimoji="0" lang="en-US" altLang="en-US" b="0" i="0" u="none" strike="noStrike" cap="none" normalizeH="0" baseline="0" dirty="0">
+                <a:ln>
+                  <a:noFill/>
+                </a:ln>
+                <a:solidFill>
+                  <a:srgbClr val="080808"/>
+                </a:solidFill>
+                <a:effectLst/>
+                <a:latin typeface="Arial Unicode MS"/>
+              </a:rPr>
+              <a:t>,</a:t>
+            </a:r>
+            <a:br>
+              <a:rPr kumimoji="0" lang="en-US" altLang="en-US" b="0" i="0" u="none" strike="noStrike" cap="none" normalizeH="0" baseline="0" dirty="0">
+                <a:ln>
+                  <a:noFill/>
+                </a:ln>
+                <a:solidFill>
+                  <a:srgbClr val="080808"/>
+                </a:solidFill>
+                <a:effectLst/>
+                <a:latin typeface="Arial Unicode MS"/>
+              </a:rPr>
+            </a:br>
+            <a:r>
+              <a:rPr kumimoji="0" lang="en-US" altLang="en-US" b="0" i="0" u="none" strike="noStrike" cap="none" normalizeH="0" baseline="0" dirty="0">
+                <a:ln>
+                  <a:noFill/>
+                </a:ln>
+                <a:solidFill>
+                  <a:srgbClr val="080808"/>
+                </a:solidFill>
+                <a:effectLst/>
+                <a:latin typeface="Arial Unicode MS"/>
+              </a:rPr>
+              <a:t>    </a:t>
+            </a:r>
+            <a:r>
+              <a:rPr kumimoji="0" lang="en-US" altLang="en-US" b="0" i="0" u="none" strike="noStrike" cap="none" normalizeH="0" baseline="0" dirty="0" err="1">
+                <a:ln>
+                  <a:noFill/>
+                </a:ln>
+                <a:solidFill>
+                  <a:srgbClr val="0033B3"/>
+                </a:solidFill>
+                <a:effectLst/>
+                <a:latin typeface="Arial Unicode MS"/>
+              </a:rPr>
+              <a:t>val</a:t>
+            </a:r>
+            <a:r>
+              <a:rPr kumimoji="0" lang="en-US" altLang="en-US" b="0" i="0" u="none" strike="noStrike" cap="none" normalizeH="0" baseline="0" dirty="0">
+                <a:ln>
+                  <a:noFill/>
+                </a:ln>
+                <a:solidFill>
+                  <a:srgbClr val="0033B3"/>
+                </a:solidFill>
+                <a:effectLst/>
+                <a:latin typeface="Arial Unicode MS"/>
+              </a:rPr>
+              <a:t> </a:t>
+            </a:r>
+            <a:r>
+              <a:rPr kumimoji="0" lang="en-US" altLang="en-US" b="0" i="0" u="none" strike="noStrike" cap="none" normalizeH="0" baseline="0" dirty="0">
+                <a:ln>
+                  <a:noFill/>
+                </a:ln>
+                <a:solidFill>
+                  <a:srgbClr val="871094"/>
+                </a:solidFill>
+                <a:effectLst/>
+                <a:latin typeface="Arial Unicode MS"/>
+              </a:rPr>
+              <a:t>description</a:t>
+            </a:r>
+            <a:r>
+              <a:rPr kumimoji="0" lang="en-US" altLang="en-US" b="0" i="0" u="none" strike="noStrike" cap="none" normalizeH="0" baseline="0" dirty="0">
+                <a:ln>
+                  <a:noFill/>
+                </a:ln>
+                <a:solidFill>
+                  <a:srgbClr val="080808"/>
+                </a:solidFill>
+                <a:effectLst/>
+                <a:latin typeface="Arial Unicode MS"/>
+              </a:rPr>
+              <a:t>: </a:t>
+            </a:r>
+            <a:r>
+              <a:rPr kumimoji="0" lang="en-US" altLang="en-US" b="0" i="0" u="none" strike="noStrike" cap="none" normalizeH="0" baseline="0" dirty="0">
+                <a:ln>
+                  <a:noFill/>
+                </a:ln>
+                <a:solidFill>
+                  <a:srgbClr val="000000"/>
+                </a:solidFill>
+                <a:effectLst/>
+                <a:latin typeface="Arial Unicode MS"/>
+              </a:rPr>
+              <a:t>String</a:t>
+            </a:r>
+            <a:r>
+              <a:rPr kumimoji="0" lang="en-US" altLang="en-US" b="0" i="0" u="none" strike="noStrike" cap="none" normalizeH="0" baseline="0" dirty="0">
+                <a:ln>
+                  <a:noFill/>
+                </a:ln>
+                <a:solidFill>
+                  <a:srgbClr val="080808"/>
+                </a:solidFill>
+                <a:effectLst/>
+                <a:latin typeface="Arial Unicode MS"/>
+              </a:rPr>
+              <a:t>,</a:t>
+            </a:r>
+            <a:br>
+              <a:rPr kumimoji="0" lang="en-US" altLang="en-US" b="0" i="0" u="none" strike="noStrike" cap="none" normalizeH="0" baseline="0" dirty="0">
+                <a:ln>
+                  <a:noFill/>
+                </a:ln>
+                <a:solidFill>
+                  <a:srgbClr val="080808"/>
+                </a:solidFill>
+                <a:effectLst/>
+                <a:latin typeface="Arial Unicode MS"/>
+              </a:rPr>
+            </a:br>
+            <a:r>
+              <a:rPr kumimoji="0" lang="en-US" altLang="en-US" b="0" i="0" u="none" strike="noStrike" cap="none" normalizeH="0" baseline="0" dirty="0">
+                <a:ln>
+                  <a:noFill/>
+                </a:ln>
+                <a:solidFill>
+                  <a:srgbClr val="080808"/>
+                </a:solidFill>
+                <a:effectLst/>
+                <a:latin typeface="Arial Unicode MS"/>
+              </a:rPr>
+              <a:t>    </a:t>
+            </a:r>
+            <a:r>
+              <a:rPr kumimoji="0" lang="en-US" altLang="en-US" b="0" i="0" u="none" strike="noStrike" cap="none" normalizeH="0" baseline="0" dirty="0" err="1">
+                <a:ln>
+                  <a:noFill/>
+                </a:ln>
+                <a:solidFill>
+                  <a:srgbClr val="0033B3"/>
+                </a:solidFill>
+                <a:effectLst/>
+                <a:latin typeface="Arial Unicode MS"/>
+              </a:rPr>
+              <a:t>val</a:t>
+            </a:r>
+            <a:r>
+              <a:rPr kumimoji="0" lang="en-US" altLang="en-US" b="0" i="0" u="none" strike="noStrike" cap="none" normalizeH="0" baseline="0" dirty="0">
+                <a:ln>
+                  <a:noFill/>
+                </a:ln>
+                <a:solidFill>
+                  <a:srgbClr val="0033B3"/>
+                </a:solidFill>
+                <a:effectLst/>
+                <a:latin typeface="Arial Unicode MS"/>
+              </a:rPr>
+              <a:t> </a:t>
+            </a:r>
+            <a:r>
+              <a:rPr kumimoji="0" lang="en-US" altLang="en-US" b="0" i="0" u="none" strike="noStrike" cap="none" normalizeH="0" baseline="0" dirty="0">
+                <a:ln>
+                  <a:noFill/>
+                </a:ln>
+                <a:solidFill>
+                  <a:srgbClr val="871094"/>
+                </a:solidFill>
+                <a:effectLst/>
+                <a:latin typeface="Arial Unicode MS"/>
+              </a:rPr>
+              <a:t>rules</a:t>
+            </a:r>
+            <a:r>
+              <a:rPr kumimoji="0" lang="en-US" altLang="en-US" b="0" i="0" u="none" strike="noStrike" cap="none" normalizeH="0" baseline="0" dirty="0">
+                <a:ln>
+                  <a:noFill/>
+                </a:ln>
+                <a:solidFill>
+                  <a:srgbClr val="080808"/>
+                </a:solidFill>
+                <a:effectLst/>
+                <a:latin typeface="Arial Unicode MS"/>
+              </a:rPr>
+              <a:t>: </a:t>
+            </a:r>
+            <a:r>
+              <a:rPr kumimoji="0" lang="en-US" altLang="en-US" b="0" i="0" u="none" strike="noStrike" cap="none" normalizeH="0" baseline="0" dirty="0">
+                <a:ln>
+                  <a:noFill/>
+                </a:ln>
+                <a:solidFill>
+                  <a:srgbClr val="000000"/>
+                </a:solidFill>
+                <a:effectLst/>
+                <a:latin typeface="Arial Unicode MS"/>
+              </a:rPr>
+              <a:t>String</a:t>
+            </a:r>
+            <a:r>
+              <a:rPr kumimoji="0" lang="en-US" altLang="en-US" b="0" i="0" u="none" strike="noStrike" cap="none" normalizeH="0" baseline="0" dirty="0">
+                <a:ln>
+                  <a:noFill/>
+                </a:ln>
+                <a:solidFill>
+                  <a:srgbClr val="080808"/>
+                </a:solidFill>
+                <a:effectLst/>
+                <a:latin typeface="Arial Unicode MS"/>
+              </a:rPr>
+              <a:t>,</a:t>
+            </a:r>
+            <a:br>
+              <a:rPr kumimoji="0" lang="en-US" altLang="en-US" b="0" i="0" u="none" strike="noStrike" cap="none" normalizeH="0" baseline="0" dirty="0">
+                <a:ln>
+                  <a:noFill/>
+                </a:ln>
+                <a:solidFill>
+                  <a:srgbClr val="080808"/>
+                </a:solidFill>
+                <a:effectLst/>
+                <a:latin typeface="Arial Unicode MS"/>
+              </a:rPr>
+            </a:br>
+            <a:r>
+              <a:rPr kumimoji="0" lang="en-US" altLang="en-US" b="0" i="0" u="none" strike="noStrike" cap="none" normalizeH="0" baseline="0" dirty="0">
+                <a:ln>
+                  <a:noFill/>
+                </a:ln>
+                <a:solidFill>
+                  <a:srgbClr val="080808"/>
+                </a:solidFill>
+                <a:effectLst/>
+                <a:latin typeface="Arial Unicode MS"/>
+              </a:rPr>
+              <a:t>)</a:t>
+            </a:r>
+            <a:endParaRPr kumimoji="0" lang="en-US" altLang="en-US" b="0" i="0" u="none" strike="noStrike" cap="none" normalizeH="0" baseline="0" dirty="0">
+              <a:ln>
+                <a:noFill/>
+              </a:ln>
+              <a:solidFill>
+                <a:schemeClr val="tx1"/>
+              </a:solidFill>
+              <a:effectLst/>
+              <a:latin typeface="Arial" panose="020B0604020202020204" pitchFamily="34" charset="0"/>
+            </a:endParaRPr>
+          </a:p>
+        </p:txBody>
+      </p:sp>
+    </p:spTree>
+    <p:extLst>
+      <p:ext uri="{BB962C8B-B14F-4D97-AF65-F5344CB8AC3E}">
+        <p14:creationId xmlns:p14="http://schemas.microsoft.com/office/powerpoint/2010/main" val="2000288469"/>
       </p:ext>
     </p:extLst>
   </p:cSld>
@@ -9633,7 +11507,7 @@
             <p:ph idx="1"/>
             <p:extLst>
               <p:ext uri="{D42A27DB-BD31-4B8C-83A1-F6EECF244321}">
-                <p14:modId xmlns:p14="http://schemas.microsoft.com/office/powerpoint/2010/main" val="452041425"/>
+                <p14:modId xmlns:p14="http://schemas.microsoft.com/office/powerpoint/2010/main" val="1941074219"/>
               </p:ext>
             </p:extLst>
           </p:nvPr>
@@ -10588,7 +12462,7 @@
         </p:spPr>
         <p:txBody>
           <a:bodyPr anchor="ctr">
-            <a:normAutofit lnSpcReduction="10000"/>
+            <a:normAutofit/>
           </a:bodyPr>
           <a:lstStyle/>
           <a:p>
@@ -10633,6 +12507,20 @@
             </a:r>
           </a:p>
           <a:p>
+            <a:pPr lvl="1"/>
+            <a:endParaRPr lang="en-US" sz="2800" dirty="0"/>
+          </a:p>
+          <a:p>
+            <a:r>
+              <a:rPr lang="pt-PT" dirty="0"/>
+              <a:t>Identificamos propriedades comuns entre partidas.</a:t>
+            </a:r>
+            <a:endParaRPr lang="en-US" sz="2800" dirty="0"/>
+          </a:p>
+          <a:p>
+            <a:endParaRPr lang="pt-PT" dirty="0"/>
+          </a:p>
+          <a:p>
             <a:r>
               <a:rPr lang="pt-PT" dirty="0"/>
               <a:t>Definimos 3 estados possíveis para todas as partidas: </a:t>
@@ -10672,33 +12560,7 @@
               <a:rPr lang="en-US" sz="2800" dirty="0"/>
               <a:t>.</a:t>
             </a:r>
-          </a:p>
-          <a:p>
-            <a:r>
-              <a:rPr lang="pt-PT" dirty="0"/>
-              <a:t>Identificamos propriedades comuns entre partidas:</a:t>
-            </a:r>
-          </a:p>
-          <a:p>
-            <a:pPr lvl="1"/>
-            <a:r>
-              <a:rPr lang="en-US" sz="2800" i="1" dirty="0"/>
-              <a:t>Current Player;</a:t>
-            </a:r>
-          </a:p>
-          <a:p>
-            <a:pPr lvl="1"/>
-            <a:r>
-              <a:rPr lang="en-US" sz="2800" i="1" dirty="0"/>
-              <a:t>Current Turn;</a:t>
-            </a:r>
-          </a:p>
-          <a:p>
-            <a:pPr lvl="1"/>
-            <a:r>
-              <a:rPr lang="en-US" sz="2800" i="1" dirty="0"/>
-              <a:t>Turn Deadline.</a:t>
-            </a:r>
+            <a:endParaRPr lang="en-US" sz="2800" i="1" dirty="0"/>
           </a:p>
         </p:txBody>
       </p:sp>
@@ -11139,15 +13001,7 @@
           <a:p>
             <a:r>
               <a:rPr lang="pt-PT" dirty="0"/>
-              <a:t>Nos pedidos </a:t>
-            </a:r>
-            <a:r>
-              <a:rPr lang="pt-PT" dirty="0" err="1"/>
-              <a:t>http</a:t>
-            </a:r>
-            <a:r>
-              <a:rPr lang="pt-PT" dirty="0"/>
-              <a:t>, os objetos específicos são convertidos para </a:t>
+              <a:t>Os objetos específicos a cada jogo são convertidos para </a:t>
             </a:r>
             <a:r>
               <a:rPr lang="pt-PT" i="1" dirty="0" err="1"/>
@@ -11250,6 +13104,14 @@
 <file path=ppt/slides/slide6.xml><?xml version="1.0" encoding="utf-8"?>
 <p:sld xmlns:a="http://schemas.openxmlformats.org/drawingml/2006/main" xmlns:r="http://schemas.openxmlformats.org/officeDocument/2006/relationships" xmlns:p="http://schemas.openxmlformats.org/presentationml/2006/main">
   <p:cSld>
+    <p:bg>
+      <p:bgPr>
+        <a:solidFill>
+          <a:schemeClr val="bg1"/>
+        </a:solidFill>
+        <a:effectLst/>
+      </p:bgPr>
+    </p:bg>
     <p:spTree>
       <p:nvGrpSpPr>
         <p:cNvPr id="1" name=""/>
@@ -11264,6 +13126,66 @@
           <a:chExt cx="0" cy="0"/>
         </a:xfrm>
       </p:grpSpPr>
+      <p:sp useBgFill="1">
+        <p:nvSpPr>
+          <p:cNvPr id="19" name="Rectangle 18">
+            <a:extLst>
+              <a:ext uri="{FF2B5EF4-FFF2-40B4-BE49-F238E27FC236}">
+                <a16:creationId xmlns:a16="http://schemas.microsoft.com/office/drawing/2014/main" id="{BCED4D40-4B67-4331-AC48-79B82B4A47D8}"/>
+              </a:ext>
+              <a:ext uri="{C183D7F6-B498-43B3-948B-1728B52AA6E4}">
+                <adec:decorative xmlns:adec="http://schemas.microsoft.com/office/drawing/2017/decorative" val="1"/>
+              </a:ext>
+            </a:extLst>
+          </p:cNvPr>
+          <p:cNvSpPr>
+            <a:spLocks noGrp="1" noRot="1" noChangeAspect="1" noMove="1" noResize="1" noEditPoints="1" noAdjustHandles="1" noChangeArrowheads="1" noChangeShapeType="1" noTextEdit="1"/>
+          </p:cNvSpPr>
+          <p:nvPr>
+            <p:extLst>
+              <p:ext uri="{386F3935-93C4-4BCD-93E2-E3B085C9AB24}">
+                <p16:designElem xmlns:p16="http://schemas.microsoft.com/office/powerpoint/2015/main" val="1"/>
+              </p:ext>
+            </p:extLst>
+          </p:nvPr>
+        </p:nvSpPr>
+        <p:spPr>
+          <a:xfrm>
+            <a:off x="0" y="0"/>
+            <a:ext cx="12192000" cy="6858000"/>
+          </a:xfrm>
+          <a:prstGeom prst="rect">
+            <a:avLst/>
+          </a:prstGeom>
+          <a:ln>
+            <a:noFill/>
+          </a:ln>
+        </p:spPr>
+        <p:style>
+          <a:lnRef idx="2">
+            <a:schemeClr val="accent1">
+              <a:shade val="50000"/>
+            </a:schemeClr>
+          </a:lnRef>
+          <a:fillRef idx="1">
+            <a:schemeClr val="accent1"/>
+          </a:fillRef>
+          <a:effectRef idx="0">
+            <a:schemeClr val="accent1"/>
+          </a:effectRef>
+          <a:fontRef idx="minor">
+            <a:schemeClr val="lt1"/>
+          </a:fontRef>
+        </p:style>
+        <p:txBody>
+          <a:bodyPr rtlCol="0" anchor="ctr"/>
+          <a:lstStyle/>
+          <a:p>
+            <a:pPr algn="ctr"/>
+            <a:endParaRPr lang="en-US"/>
+          </a:p>
+        </p:txBody>
+      </p:sp>
       <p:sp>
         <p:nvSpPr>
           <p:cNvPr id="2" name="Title 1">
@@ -11280,14 +13202,21 @@
             <p:ph type="title"/>
           </p:nvPr>
         </p:nvSpPr>
-        <p:spPr/>
+        <p:spPr>
+          <a:xfrm>
+            <a:off x="638881" y="417576"/>
+            <a:ext cx="10909640" cy="1249394"/>
+          </a:xfrm>
+        </p:spPr>
         <p:txBody>
-          <a:bodyPr/>
+          <a:bodyPr vert="horz" lIns="91440" tIns="45720" rIns="91440" bIns="45720" rtlCol="0" anchor="ctr">
+            <a:normAutofit/>
+          </a:bodyPr>
           <a:lstStyle/>
           <a:p>
             <a:pPr algn="ctr"/>
             <a:r>
-              <a:rPr lang="en-US" sz="4400" kern="1200" dirty="0" err="1">
+              <a:rPr lang="en-US" sz="6600" kern="1200">
                 <a:solidFill>
                   <a:schemeClr val="tx1"/>
                 </a:solidFill>
@@ -11295,34 +13224,398 @@
                 <a:ea typeface="+mj-ea"/>
                 <a:cs typeface="+mj-cs"/>
               </a:rPr>
-              <a:t>Navegação</a:t>
-            </a:r>
-            <a:r>
-              <a:rPr lang="en-US" sz="4400" kern="1200" dirty="0">
-                <a:solidFill>
-                  <a:schemeClr val="tx1"/>
-                </a:solidFill>
-                <a:latin typeface="+mj-lt"/>
-                <a:ea typeface="+mj-ea"/>
-                <a:cs typeface="+mj-cs"/>
-              </a:rPr>
-              <a:t> de um </a:t>
-            </a:r>
-            <a:r>
-              <a:rPr lang="en-US" sz="4400" kern="1200" dirty="0" err="1">
-                <a:solidFill>
-                  <a:schemeClr val="tx1"/>
-                </a:solidFill>
-                <a:latin typeface="+mj-lt"/>
-                <a:ea typeface="+mj-ea"/>
-                <a:cs typeface="+mj-cs"/>
-              </a:rPr>
-              <a:t>pedido</a:t>
-            </a:r>
-            <a:endParaRPr lang="en-US" dirty="0"/>
+              <a:t>Navegação de um pedido</a:t>
+            </a:r>
           </a:p>
         </p:txBody>
       </p:sp>
+      <p:sp>
+        <p:nvSpPr>
+          <p:cNvPr id="21" name="sketch line">
+            <a:extLst>
+              <a:ext uri="{FF2B5EF4-FFF2-40B4-BE49-F238E27FC236}">
+                <a16:creationId xmlns:a16="http://schemas.microsoft.com/office/drawing/2014/main" id="{670CEDEF-4F34-412E-84EE-329C1E936AF5}"/>
+              </a:ext>
+              <a:ext uri="{C183D7F6-B498-43B3-948B-1728B52AA6E4}">
+                <adec:decorative xmlns:adec="http://schemas.microsoft.com/office/drawing/2017/decorative" val="1"/>
+              </a:ext>
+            </a:extLst>
+          </p:cNvPr>
+          <p:cNvSpPr>
+            <a:spLocks noGrp="1" noRot="1" noChangeAspect="1" noMove="1" noResize="1" noEditPoints="1" noAdjustHandles="1" noChangeArrowheads="1" noChangeShapeType="1" noTextEdit="1"/>
+          </p:cNvSpPr>
+          <p:nvPr>
+            <p:extLst>
+              <p:ext uri="{386F3935-93C4-4BCD-93E2-E3B085C9AB24}">
+                <p16:designElem xmlns:p16="http://schemas.microsoft.com/office/powerpoint/2015/main" val="1"/>
+              </p:ext>
+            </p:extLst>
+          </p:nvPr>
+        </p:nvSpPr>
+        <p:spPr>
+          <a:xfrm>
+            <a:off x="3807702" y="1733454"/>
+            <a:ext cx="4572000" cy="18288"/>
+          </a:xfrm>
+          <a:custGeom>
+            <a:avLst/>
+            <a:gdLst>
+              <a:gd name="connsiteX0" fmla="*/ 0 w 4572000"/>
+              <a:gd name="connsiteY0" fmla="*/ 0 h 18288"/>
+              <a:gd name="connsiteX1" fmla="*/ 515983 w 4572000"/>
+              <a:gd name="connsiteY1" fmla="*/ 0 h 18288"/>
+              <a:gd name="connsiteX2" fmla="*/ 1031966 w 4572000"/>
+              <a:gd name="connsiteY2" fmla="*/ 0 h 18288"/>
+              <a:gd name="connsiteX3" fmla="*/ 1639389 w 4572000"/>
+              <a:gd name="connsiteY3" fmla="*/ 0 h 18288"/>
+              <a:gd name="connsiteX4" fmla="*/ 2383971 w 4572000"/>
+              <a:gd name="connsiteY4" fmla="*/ 0 h 18288"/>
+              <a:gd name="connsiteX5" fmla="*/ 2945674 w 4572000"/>
+              <a:gd name="connsiteY5" fmla="*/ 0 h 18288"/>
+              <a:gd name="connsiteX6" fmla="*/ 3507377 w 4572000"/>
+              <a:gd name="connsiteY6" fmla="*/ 0 h 18288"/>
+              <a:gd name="connsiteX7" fmla="*/ 4572000 w 4572000"/>
+              <a:gd name="connsiteY7" fmla="*/ 0 h 18288"/>
+              <a:gd name="connsiteX8" fmla="*/ 4572000 w 4572000"/>
+              <a:gd name="connsiteY8" fmla="*/ 18288 h 18288"/>
+              <a:gd name="connsiteX9" fmla="*/ 3873137 w 4572000"/>
+              <a:gd name="connsiteY9" fmla="*/ 18288 h 18288"/>
+              <a:gd name="connsiteX10" fmla="*/ 3311434 w 4572000"/>
+              <a:gd name="connsiteY10" fmla="*/ 18288 h 18288"/>
+              <a:gd name="connsiteX11" fmla="*/ 2749731 w 4572000"/>
+              <a:gd name="connsiteY11" fmla="*/ 18288 h 18288"/>
+              <a:gd name="connsiteX12" fmla="*/ 2050869 w 4572000"/>
+              <a:gd name="connsiteY12" fmla="*/ 18288 h 18288"/>
+              <a:gd name="connsiteX13" fmla="*/ 1306286 w 4572000"/>
+              <a:gd name="connsiteY13" fmla="*/ 18288 h 18288"/>
+              <a:gd name="connsiteX14" fmla="*/ 790303 w 4572000"/>
+              <a:gd name="connsiteY14" fmla="*/ 18288 h 18288"/>
+              <a:gd name="connsiteX15" fmla="*/ 0 w 4572000"/>
+              <a:gd name="connsiteY15" fmla="*/ 18288 h 18288"/>
+              <a:gd name="connsiteX16" fmla="*/ 0 w 4572000"/>
+              <a:gd name="connsiteY16" fmla="*/ 0 h 18288"/>
+            </a:gdLst>
+            <a:ahLst/>
+            <a:cxnLst>
+              <a:cxn ang="0">
+                <a:pos x="connsiteX0" y="connsiteY0"/>
+              </a:cxn>
+              <a:cxn ang="0">
+                <a:pos x="connsiteX1" y="connsiteY1"/>
+              </a:cxn>
+              <a:cxn ang="0">
+                <a:pos x="connsiteX2" y="connsiteY2"/>
+              </a:cxn>
+              <a:cxn ang="0">
+                <a:pos x="connsiteX3" y="connsiteY3"/>
+              </a:cxn>
+              <a:cxn ang="0">
+                <a:pos x="connsiteX4" y="connsiteY4"/>
+              </a:cxn>
+              <a:cxn ang="0">
+                <a:pos x="connsiteX5" y="connsiteY5"/>
+              </a:cxn>
+              <a:cxn ang="0">
+                <a:pos x="connsiteX6" y="connsiteY6"/>
+              </a:cxn>
+              <a:cxn ang="0">
+                <a:pos x="connsiteX7" y="connsiteY7"/>
+              </a:cxn>
+              <a:cxn ang="0">
+                <a:pos x="connsiteX8" y="connsiteY8"/>
+              </a:cxn>
+              <a:cxn ang="0">
+                <a:pos x="connsiteX9" y="connsiteY9"/>
+              </a:cxn>
+              <a:cxn ang="0">
+                <a:pos x="connsiteX10" y="connsiteY10"/>
+              </a:cxn>
+              <a:cxn ang="0">
+                <a:pos x="connsiteX11" y="connsiteY11"/>
+              </a:cxn>
+              <a:cxn ang="0">
+                <a:pos x="connsiteX12" y="connsiteY12"/>
+              </a:cxn>
+              <a:cxn ang="0">
+                <a:pos x="connsiteX13" y="connsiteY13"/>
+              </a:cxn>
+              <a:cxn ang="0">
+                <a:pos x="connsiteX14" y="connsiteY14"/>
+              </a:cxn>
+              <a:cxn ang="0">
+                <a:pos x="connsiteX15" y="connsiteY15"/>
+              </a:cxn>
+              <a:cxn ang="0">
+                <a:pos x="connsiteX16" y="connsiteY16"/>
+              </a:cxn>
+            </a:cxnLst>
+            <a:rect l="l" t="t" r="r" b="b"/>
+            <a:pathLst>
+              <a:path w="4572000" h="18288" fill="none" extrusionOk="0">
+                <a:moveTo>
+                  <a:pt x="0" y="0"/>
+                </a:moveTo>
+                <a:cubicBezTo>
+                  <a:pt x="105156" y="-20963"/>
+                  <a:pt x="340432" y="822"/>
+                  <a:pt x="515983" y="0"/>
+                </a:cubicBezTo>
+                <a:cubicBezTo>
+                  <a:pt x="691534" y="-822"/>
+                  <a:pt x="850679" y="16479"/>
+                  <a:pt x="1031966" y="0"/>
+                </a:cubicBezTo>
+                <a:cubicBezTo>
+                  <a:pt x="1213253" y="-16479"/>
+                  <a:pt x="1443646" y="-18730"/>
+                  <a:pt x="1639389" y="0"/>
+                </a:cubicBezTo>
+                <a:cubicBezTo>
+                  <a:pt x="1835132" y="18730"/>
+                  <a:pt x="2159975" y="18531"/>
+                  <a:pt x="2383971" y="0"/>
+                </a:cubicBezTo>
+                <a:cubicBezTo>
+                  <a:pt x="2607967" y="-18531"/>
+                  <a:pt x="2719096" y="-12030"/>
+                  <a:pt x="2945674" y="0"/>
+                </a:cubicBezTo>
+                <a:cubicBezTo>
+                  <a:pt x="3172252" y="12030"/>
+                  <a:pt x="3269167" y="27666"/>
+                  <a:pt x="3507377" y="0"/>
+                </a:cubicBezTo>
+                <a:cubicBezTo>
+                  <a:pt x="3745587" y="-27666"/>
+                  <a:pt x="4116741" y="18705"/>
+                  <a:pt x="4572000" y="0"/>
+                </a:cubicBezTo>
+                <a:cubicBezTo>
+                  <a:pt x="4572895" y="8974"/>
+                  <a:pt x="4571454" y="9359"/>
+                  <a:pt x="4572000" y="18288"/>
+                </a:cubicBezTo>
+                <a:cubicBezTo>
+                  <a:pt x="4374698" y="3942"/>
+                  <a:pt x="4098874" y="-11042"/>
+                  <a:pt x="3873137" y="18288"/>
+                </a:cubicBezTo>
+                <a:cubicBezTo>
+                  <a:pt x="3647400" y="47618"/>
+                  <a:pt x="3517055" y="5421"/>
+                  <a:pt x="3311434" y="18288"/>
+                </a:cubicBezTo>
+                <a:cubicBezTo>
+                  <a:pt x="3105813" y="31155"/>
+                  <a:pt x="3025168" y="17856"/>
+                  <a:pt x="2749731" y="18288"/>
+                </a:cubicBezTo>
+                <a:cubicBezTo>
+                  <a:pt x="2474294" y="18720"/>
+                  <a:pt x="2291766" y="-14168"/>
+                  <a:pt x="2050869" y="18288"/>
+                </a:cubicBezTo>
+                <a:cubicBezTo>
+                  <a:pt x="1809972" y="50744"/>
+                  <a:pt x="1540276" y="46798"/>
+                  <a:pt x="1306286" y="18288"/>
+                </a:cubicBezTo>
+                <a:cubicBezTo>
+                  <a:pt x="1072296" y="-10222"/>
+                  <a:pt x="972445" y="19645"/>
+                  <a:pt x="790303" y="18288"/>
+                </a:cubicBezTo>
+                <a:cubicBezTo>
+                  <a:pt x="608161" y="16931"/>
+                  <a:pt x="200981" y="8241"/>
+                  <a:pt x="0" y="18288"/>
+                </a:cubicBezTo>
+                <a:cubicBezTo>
+                  <a:pt x="-229" y="14222"/>
+                  <a:pt x="509" y="5816"/>
+                  <a:pt x="0" y="0"/>
+                </a:cubicBezTo>
+                <a:close/>
+              </a:path>
+              <a:path w="4572000" h="18288" stroke="0" extrusionOk="0">
+                <a:moveTo>
+                  <a:pt x="0" y="0"/>
+                </a:moveTo>
+                <a:cubicBezTo>
+                  <a:pt x="143285" y="-9565"/>
+                  <a:pt x="327959" y="-11498"/>
+                  <a:pt x="561703" y="0"/>
+                </a:cubicBezTo>
+                <a:cubicBezTo>
+                  <a:pt x="795447" y="11498"/>
+                  <a:pt x="838260" y="18255"/>
+                  <a:pt x="1077686" y="0"/>
+                </a:cubicBezTo>
+                <a:cubicBezTo>
+                  <a:pt x="1317112" y="-18255"/>
+                  <a:pt x="1437472" y="23514"/>
+                  <a:pt x="1639389" y="0"/>
+                </a:cubicBezTo>
+                <a:cubicBezTo>
+                  <a:pt x="1841306" y="-23514"/>
+                  <a:pt x="2037142" y="-12551"/>
+                  <a:pt x="2292531" y="0"/>
+                </a:cubicBezTo>
+                <a:cubicBezTo>
+                  <a:pt x="2547920" y="12551"/>
+                  <a:pt x="2810436" y="-20352"/>
+                  <a:pt x="2991394" y="0"/>
+                </a:cubicBezTo>
+                <a:cubicBezTo>
+                  <a:pt x="3172352" y="20352"/>
+                  <a:pt x="3530025" y="-13347"/>
+                  <a:pt x="3735977" y="0"/>
+                </a:cubicBezTo>
+                <a:cubicBezTo>
+                  <a:pt x="3941929" y="13347"/>
+                  <a:pt x="4161497" y="34086"/>
+                  <a:pt x="4572000" y="0"/>
+                </a:cubicBezTo>
+                <a:cubicBezTo>
+                  <a:pt x="4571545" y="6162"/>
+                  <a:pt x="4571903" y="11775"/>
+                  <a:pt x="4572000" y="18288"/>
+                </a:cubicBezTo>
+                <a:cubicBezTo>
+                  <a:pt x="4228040" y="36490"/>
+                  <a:pt x="4199736" y="42557"/>
+                  <a:pt x="3873137" y="18288"/>
+                </a:cubicBezTo>
+                <a:cubicBezTo>
+                  <a:pt x="3546538" y="-5981"/>
+                  <a:pt x="3472124" y="16809"/>
+                  <a:pt x="3128554" y="18288"/>
+                </a:cubicBezTo>
+                <a:cubicBezTo>
+                  <a:pt x="2784984" y="19767"/>
+                  <a:pt x="2735896" y="-17781"/>
+                  <a:pt x="2383971" y="18288"/>
+                </a:cubicBezTo>
+                <a:cubicBezTo>
+                  <a:pt x="2032046" y="54357"/>
+                  <a:pt x="2019324" y="2920"/>
+                  <a:pt x="1867989" y="18288"/>
+                </a:cubicBezTo>
+                <a:cubicBezTo>
+                  <a:pt x="1716654" y="33656"/>
+                  <a:pt x="1418675" y="32575"/>
+                  <a:pt x="1169126" y="18288"/>
+                </a:cubicBezTo>
+                <a:cubicBezTo>
+                  <a:pt x="919577" y="4001"/>
+                  <a:pt x="798537" y="16165"/>
+                  <a:pt x="561703" y="18288"/>
+                </a:cubicBezTo>
+                <a:cubicBezTo>
+                  <a:pt x="324869" y="20411"/>
+                  <a:pt x="221395" y="-912"/>
+                  <a:pt x="0" y="18288"/>
+                </a:cubicBezTo>
+                <a:cubicBezTo>
+                  <a:pt x="766" y="10800"/>
+                  <a:pt x="-457" y="8180"/>
+                  <a:pt x="0" y="0"/>
+                </a:cubicBezTo>
+                <a:close/>
+              </a:path>
+            </a:pathLst>
+          </a:custGeom>
+          <a:solidFill>
+            <a:schemeClr val="accent2"/>
+          </a:solidFill>
+          <a:ln w="41275" cap="rnd">
+            <a:solidFill>
+              <a:schemeClr val="accent2"/>
+            </a:solidFill>
+            <a:round/>
+            <a:extLst>
+              <a:ext uri="{C807C97D-BFC1-408E-A445-0C87EB9F89A2}">
+                <ask:lineSketchStyleProps xmlns:ask="http://schemas.microsoft.com/office/drawing/2018/sketchyshapes" sd="2727557108">
+                  <a:prstGeom prst="rect">
+                    <a:avLst/>
+                  </a:prstGeom>
+                  <ask:type>
+                    <ask:lineSketchFreehand/>
+                  </ask:type>
+                </ask:lineSketchStyleProps>
+              </a:ext>
+            </a:extLst>
+          </a:ln>
+        </p:spPr>
+        <p:style>
+          <a:lnRef idx="2">
+            <a:schemeClr val="accent1">
+              <a:shade val="50000"/>
+            </a:schemeClr>
+          </a:lnRef>
+          <a:fillRef idx="1">
+            <a:schemeClr val="accent1"/>
+          </a:fillRef>
+          <a:effectRef idx="0">
+            <a:schemeClr val="accent1"/>
+          </a:effectRef>
+          <a:fontRef idx="minor">
+            <a:schemeClr val="lt1"/>
+          </a:fontRef>
+        </p:style>
+        <p:txBody>
+          <a:bodyPr rtlCol="0" anchor="ctr"/>
+          <a:lstStyle/>
+          <a:p>
+            <a:pPr algn="ctr"/>
+            <a:endParaRPr lang="en-US"/>
+          </a:p>
+        </p:txBody>
+      </p:sp>
+      <p:pic>
+        <p:nvPicPr>
+          <p:cNvPr id="5" name="Content Placeholder 4" descr="Graphical user interface, diagram">
+            <a:extLst>
+              <a:ext uri="{FF2B5EF4-FFF2-40B4-BE49-F238E27FC236}">
+                <a16:creationId xmlns:a16="http://schemas.microsoft.com/office/drawing/2014/main" id="{B7DC25BC-9541-2D50-D13B-8C85EC8E9703}"/>
+              </a:ext>
+            </a:extLst>
+          </p:cNvPr>
+          <p:cNvPicPr>
+            <a:picLocks noChangeAspect="1"/>
+          </p:cNvPicPr>
+          <p:nvPr/>
+        </p:nvPicPr>
+        <p:blipFill>
+          <a:blip r:embed="rId2">
+            <a:duotone>
+              <a:prstClr val="black"/>
+              <a:schemeClr val="accent6">
+                <a:lumMod val="50000"/>
+                <a:tint val="45000"/>
+                <a:satMod val="400000"/>
+              </a:schemeClr>
+            </a:duotone>
+            <a:extLst>
+              <a:ext uri="{28A0092B-C50C-407E-A947-70E740481C1C}">
+                <a14:useLocalDpi xmlns:a14="http://schemas.microsoft.com/office/drawing/2010/main" val="0"/>
+              </a:ext>
+            </a:extLst>
+          </a:blip>
+          <a:stretch>
+            <a:fillRect/>
+          </a:stretch>
+        </p:blipFill>
+        <p:spPr>
+          <a:xfrm>
+            <a:off x="2011193" y="2084546"/>
+            <a:ext cx="8165015" cy="4135279"/>
+          </a:xfrm>
+          <a:prstGeom prst="rect">
+            <a:avLst/>
+          </a:prstGeom>
+        </p:spPr>
+      </p:pic>
       <p:sp>
         <p:nvSpPr>
           <p:cNvPr id="4" name="Slide Number Placeholder 3">
@@ -11339,64 +13632,36 @@
             <p:ph type="sldNum" sz="quarter" idx="12"/>
           </p:nvPr>
         </p:nvSpPr>
-        <p:spPr/>
+        <p:spPr>
+          <a:xfrm>
+            <a:off x="8610600" y="6356350"/>
+            <a:ext cx="2743200" cy="365125"/>
+          </a:xfrm>
+        </p:spPr>
         <p:txBody>
-          <a:bodyPr/>
+          <a:bodyPr vert="horz" lIns="91440" tIns="45720" rIns="91440" bIns="45720" rtlCol="0" anchor="ctr">
+            <a:normAutofit/>
+          </a:bodyPr>
           <a:lstStyle/>
           <a:p>
+            <a:pPr>
+              <a:spcAft>
+                <a:spcPts val="600"/>
+              </a:spcAft>
+            </a:pPr>
             <a:fld id="{D2557461-8465-45A5-B2DA-B7626AE361CD}" type="slidenum">
               <a:rPr lang="en-US" smtClean="0"/>
+              <a:pPr>
+                <a:spcAft>
+                  <a:spcPts val="600"/>
+                </a:spcAft>
+              </a:pPr>
               <a:t>6</a:t>
             </a:fld>
             <a:endParaRPr lang="en-US"/>
           </a:p>
         </p:txBody>
       </p:sp>
-      <p:pic>
-        <p:nvPicPr>
-          <p:cNvPr id="5" name="Content Placeholder 4" descr="Graphical user interface, diagram">
-            <a:extLst>
-              <a:ext uri="{FF2B5EF4-FFF2-40B4-BE49-F238E27FC236}">
-                <a16:creationId xmlns:a16="http://schemas.microsoft.com/office/drawing/2014/main" id="{B7DC25BC-9541-2D50-D13B-8C85EC8E9703}"/>
-              </a:ext>
-            </a:extLst>
-          </p:cNvPr>
-          <p:cNvPicPr>
-            <a:picLocks noGrp="1" noChangeAspect="1"/>
-          </p:cNvPicPr>
-          <p:nvPr>
-            <p:ph idx="1"/>
-          </p:nvPr>
-        </p:nvPicPr>
-        <p:blipFill>
-          <a:blip r:embed="rId2">
-            <a:duotone>
-              <a:prstClr val="black"/>
-              <a:srgbClr val="000000">
-                <a:tint val="45000"/>
-                <a:satMod val="400000"/>
-              </a:srgbClr>
-            </a:duotone>
-            <a:extLst>
-              <a:ext uri="{28A0092B-C50C-407E-A947-70E740481C1C}">
-                <a14:useLocalDpi xmlns:a14="http://schemas.microsoft.com/office/drawing/2010/main" val="0"/>
-              </a:ext>
-            </a:extLst>
-          </a:blip>
-          <a:stretch>
-            <a:fillRect/>
-          </a:stretch>
-        </p:blipFill>
-        <p:spPr>
-          <a:xfrm>
-            <a:off x="2043112" y="1948656"/>
-            <a:ext cx="8105775" cy="4105275"/>
-          </a:xfrm>
-          <a:prstGeom prst="rect">
-            <a:avLst/>
-          </a:prstGeom>
-        </p:spPr>
-      </p:pic>
     </p:spTree>
     <p:extLst>
       <p:ext uri="{BB962C8B-B14F-4D97-AF65-F5344CB8AC3E}">
@@ -11413,6 +13678,14 @@
 <file path=ppt/slides/slide7.xml><?xml version="1.0" encoding="utf-8"?>
 <p:sld xmlns:a="http://schemas.openxmlformats.org/drawingml/2006/main" xmlns:r="http://schemas.openxmlformats.org/officeDocument/2006/relationships" xmlns:p="http://schemas.openxmlformats.org/presentationml/2006/main">
   <p:cSld>
+    <p:bg>
+      <p:bgPr>
+        <a:solidFill>
+          <a:schemeClr val="bg1"/>
+        </a:solidFill>
+        <a:effectLst/>
+      </p:bgPr>
+    </p:bg>
     <p:spTree>
       <p:nvGrpSpPr>
         <p:cNvPr id="1" name=""/>
@@ -11427,6 +13700,66 @@
           <a:chExt cx="0" cy="0"/>
         </a:xfrm>
       </p:grpSpPr>
+      <p:sp useBgFill="1">
+        <p:nvSpPr>
+          <p:cNvPr id="13" name="Rectangle 8">
+            <a:extLst>
+              <a:ext uri="{FF2B5EF4-FFF2-40B4-BE49-F238E27FC236}">
+                <a16:creationId xmlns:a16="http://schemas.microsoft.com/office/drawing/2014/main" id="{BCED4D40-4B67-4331-AC48-79B82B4A47D8}"/>
+              </a:ext>
+              <a:ext uri="{C183D7F6-B498-43B3-948B-1728B52AA6E4}">
+                <adec:decorative xmlns:adec="http://schemas.microsoft.com/office/drawing/2017/decorative" val="1"/>
+              </a:ext>
+            </a:extLst>
+          </p:cNvPr>
+          <p:cNvSpPr>
+            <a:spLocks noGrp="1" noRot="1" noChangeAspect="1" noMove="1" noResize="1" noEditPoints="1" noAdjustHandles="1" noChangeArrowheads="1" noChangeShapeType="1" noTextEdit="1"/>
+          </p:cNvSpPr>
+          <p:nvPr>
+            <p:extLst>
+              <p:ext uri="{386F3935-93C4-4BCD-93E2-E3B085C9AB24}">
+                <p16:designElem xmlns:p16="http://schemas.microsoft.com/office/powerpoint/2015/main" val="1"/>
+              </p:ext>
+            </p:extLst>
+          </p:nvPr>
+        </p:nvSpPr>
+        <p:spPr>
+          <a:xfrm>
+            <a:off x="0" y="0"/>
+            <a:ext cx="12192000" cy="6858000"/>
+          </a:xfrm>
+          <a:prstGeom prst="rect">
+            <a:avLst/>
+          </a:prstGeom>
+          <a:ln>
+            <a:noFill/>
+          </a:ln>
+        </p:spPr>
+        <p:style>
+          <a:lnRef idx="2">
+            <a:schemeClr val="accent1">
+              <a:shade val="50000"/>
+            </a:schemeClr>
+          </a:lnRef>
+          <a:fillRef idx="1">
+            <a:schemeClr val="accent1"/>
+          </a:fillRef>
+          <a:effectRef idx="0">
+            <a:schemeClr val="accent1"/>
+          </a:effectRef>
+          <a:fontRef idx="minor">
+            <a:schemeClr val="lt1"/>
+          </a:fontRef>
+        </p:style>
+        <p:txBody>
+          <a:bodyPr rtlCol="0" anchor="ctr"/>
+          <a:lstStyle/>
+          <a:p>
+            <a:pPr algn="ctr"/>
+            <a:endParaRPr lang="en-US"/>
+          </a:p>
+        </p:txBody>
+      </p:sp>
       <p:sp>
         <p:nvSpPr>
           <p:cNvPr id="2" name="Title 1">
@@ -11443,14 +13776,21 @@
             <p:ph type="title"/>
           </p:nvPr>
         </p:nvSpPr>
-        <p:spPr/>
+        <p:spPr>
+          <a:xfrm>
+            <a:off x="638881" y="417576"/>
+            <a:ext cx="10909640" cy="1249394"/>
+          </a:xfrm>
+        </p:spPr>
         <p:txBody>
-          <a:bodyPr/>
+          <a:bodyPr vert="horz" lIns="91440" tIns="45720" rIns="91440" bIns="45720" rtlCol="0" anchor="ctr">
+            <a:normAutofit/>
+          </a:bodyPr>
           <a:lstStyle/>
           <a:p>
             <a:pPr algn="ctr"/>
             <a:r>
-              <a:rPr lang="en-US" sz="4400" kern="1200" dirty="0" err="1">
+              <a:rPr lang="en-US" sz="6600" kern="1200">
                 <a:solidFill>
                   <a:schemeClr val="tx1"/>
                 </a:solidFill>
@@ -11458,48 +13798,350 @@
                 <a:ea typeface="+mj-ea"/>
                 <a:cs typeface="+mj-cs"/>
               </a:rPr>
-              <a:t>Modelo</a:t>
-            </a:r>
-            <a:r>
-              <a:rPr lang="en-US" sz="4400" kern="1200" dirty="0">
-                <a:solidFill>
-                  <a:schemeClr val="tx1"/>
-                </a:solidFill>
-                <a:latin typeface="+mj-lt"/>
-                <a:ea typeface="+mj-ea"/>
-                <a:cs typeface="+mj-cs"/>
-              </a:rPr>
-              <a:t> de dados</a:t>
-            </a:r>
-            <a:endParaRPr lang="en-US" dirty="0"/>
+              <a:t>Modelo de dados</a:t>
+            </a:r>
           </a:p>
         </p:txBody>
       </p:sp>
       <p:sp>
         <p:nvSpPr>
-          <p:cNvPr id="4" name="Slide Number Placeholder 3">
+          <p:cNvPr id="14" name="sketch line">
             <a:extLst>
               <a:ext uri="{FF2B5EF4-FFF2-40B4-BE49-F238E27FC236}">
-                <a16:creationId xmlns:a16="http://schemas.microsoft.com/office/drawing/2014/main" id="{C99DF7B2-724F-67AE-AD5C-061617B90C7C}"/>
+                <a16:creationId xmlns:a16="http://schemas.microsoft.com/office/drawing/2014/main" id="{670CEDEF-4F34-412E-84EE-329C1E936AF5}"/>
+              </a:ext>
+              <a:ext uri="{C183D7F6-B498-43B3-948B-1728B52AA6E4}">
+                <adec:decorative xmlns:adec="http://schemas.microsoft.com/office/drawing/2017/decorative" val="1"/>
               </a:ext>
             </a:extLst>
           </p:cNvPr>
           <p:cNvSpPr>
-            <a:spLocks noGrp="1"/>
+            <a:spLocks noGrp="1" noRot="1" noChangeAspect="1" noMove="1" noResize="1" noEditPoints="1" noAdjustHandles="1" noChangeArrowheads="1" noChangeShapeType="1" noTextEdit="1"/>
           </p:cNvSpPr>
           <p:nvPr>
-            <p:ph type="sldNum" sz="quarter" idx="12"/>
+            <p:extLst>
+              <p:ext uri="{386F3935-93C4-4BCD-93E2-E3B085C9AB24}">
+                <p16:designElem xmlns:p16="http://schemas.microsoft.com/office/powerpoint/2015/main" val="1"/>
+              </p:ext>
+            </p:extLst>
           </p:nvPr>
         </p:nvSpPr>
-        <p:spPr/>
+        <p:spPr>
+          <a:xfrm>
+            <a:off x="3807702" y="1733454"/>
+            <a:ext cx="4572000" cy="18288"/>
+          </a:xfrm>
+          <a:custGeom>
+            <a:avLst/>
+            <a:gdLst>
+              <a:gd name="connsiteX0" fmla="*/ 0 w 4572000"/>
+              <a:gd name="connsiteY0" fmla="*/ 0 h 18288"/>
+              <a:gd name="connsiteX1" fmla="*/ 515983 w 4572000"/>
+              <a:gd name="connsiteY1" fmla="*/ 0 h 18288"/>
+              <a:gd name="connsiteX2" fmla="*/ 1031966 w 4572000"/>
+              <a:gd name="connsiteY2" fmla="*/ 0 h 18288"/>
+              <a:gd name="connsiteX3" fmla="*/ 1639389 w 4572000"/>
+              <a:gd name="connsiteY3" fmla="*/ 0 h 18288"/>
+              <a:gd name="connsiteX4" fmla="*/ 2383971 w 4572000"/>
+              <a:gd name="connsiteY4" fmla="*/ 0 h 18288"/>
+              <a:gd name="connsiteX5" fmla="*/ 2945674 w 4572000"/>
+              <a:gd name="connsiteY5" fmla="*/ 0 h 18288"/>
+              <a:gd name="connsiteX6" fmla="*/ 3507377 w 4572000"/>
+              <a:gd name="connsiteY6" fmla="*/ 0 h 18288"/>
+              <a:gd name="connsiteX7" fmla="*/ 4572000 w 4572000"/>
+              <a:gd name="connsiteY7" fmla="*/ 0 h 18288"/>
+              <a:gd name="connsiteX8" fmla="*/ 4572000 w 4572000"/>
+              <a:gd name="connsiteY8" fmla="*/ 18288 h 18288"/>
+              <a:gd name="connsiteX9" fmla="*/ 3873137 w 4572000"/>
+              <a:gd name="connsiteY9" fmla="*/ 18288 h 18288"/>
+              <a:gd name="connsiteX10" fmla="*/ 3311434 w 4572000"/>
+              <a:gd name="connsiteY10" fmla="*/ 18288 h 18288"/>
+              <a:gd name="connsiteX11" fmla="*/ 2749731 w 4572000"/>
+              <a:gd name="connsiteY11" fmla="*/ 18288 h 18288"/>
+              <a:gd name="connsiteX12" fmla="*/ 2050869 w 4572000"/>
+              <a:gd name="connsiteY12" fmla="*/ 18288 h 18288"/>
+              <a:gd name="connsiteX13" fmla="*/ 1306286 w 4572000"/>
+              <a:gd name="connsiteY13" fmla="*/ 18288 h 18288"/>
+              <a:gd name="connsiteX14" fmla="*/ 790303 w 4572000"/>
+              <a:gd name="connsiteY14" fmla="*/ 18288 h 18288"/>
+              <a:gd name="connsiteX15" fmla="*/ 0 w 4572000"/>
+              <a:gd name="connsiteY15" fmla="*/ 18288 h 18288"/>
+              <a:gd name="connsiteX16" fmla="*/ 0 w 4572000"/>
+              <a:gd name="connsiteY16" fmla="*/ 0 h 18288"/>
+            </a:gdLst>
+            <a:ahLst/>
+            <a:cxnLst>
+              <a:cxn ang="0">
+                <a:pos x="connsiteX0" y="connsiteY0"/>
+              </a:cxn>
+              <a:cxn ang="0">
+                <a:pos x="connsiteX1" y="connsiteY1"/>
+              </a:cxn>
+              <a:cxn ang="0">
+                <a:pos x="connsiteX2" y="connsiteY2"/>
+              </a:cxn>
+              <a:cxn ang="0">
+                <a:pos x="connsiteX3" y="connsiteY3"/>
+              </a:cxn>
+              <a:cxn ang="0">
+                <a:pos x="connsiteX4" y="connsiteY4"/>
+              </a:cxn>
+              <a:cxn ang="0">
+                <a:pos x="connsiteX5" y="connsiteY5"/>
+              </a:cxn>
+              <a:cxn ang="0">
+                <a:pos x="connsiteX6" y="connsiteY6"/>
+              </a:cxn>
+              <a:cxn ang="0">
+                <a:pos x="connsiteX7" y="connsiteY7"/>
+              </a:cxn>
+              <a:cxn ang="0">
+                <a:pos x="connsiteX8" y="connsiteY8"/>
+              </a:cxn>
+              <a:cxn ang="0">
+                <a:pos x="connsiteX9" y="connsiteY9"/>
+              </a:cxn>
+              <a:cxn ang="0">
+                <a:pos x="connsiteX10" y="connsiteY10"/>
+              </a:cxn>
+              <a:cxn ang="0">
+                <a:pos x="connsiteX11" y="connsiteY11"/>
+              </a:cxn>
+              <a:cxn ang="0">
+                <a:pos x="connsiteX12" y="connsiteY12"/>
+              </a:cxn>
+              <a:cxn ang="0">
+                <a:pos x="connsiteX13" y="connsiteY13"/>
+              </a:cxn>
+              <a:cxn ang="0">
+                <a:pos x="connsiteX14" y="connsiteY14"/>
+              </a:cxn>
+              <a:cxn ang="0">
+                <a:pos x="connsiteX15" y="connsiteY15"/>
+              </a:cxn>
+              <a:cxn ang="0">
+                <a:pos x="connsiteX16" y="connsiteY16"/>
+              </a:cxn>
+            </a:cxnLst>
+            <a:rect l="l" t="t" r="r" b="b"/>
+            <a:pathLst>
+              <a:path w="4572000" h="18288" fill="none" extrusionOk="0">
+                <a:moveTo>
+                  <a:pt x="0" y="0"/>
+                </a:moveTo>
+                <a:cubicBezTo>
+                  <a:pt x="105156" y="-20963"/>
+                  <a:pt x="340432" y="822"/>
+                  <a:pt x="515983" y="0"/>
+                </a:cubicBezTo>
+                <a:cubicBezTo>
+                  <a:pt x="691534" y="-822"/>
+                  <a:pt x="850679" y="16479"/>
+                  <a:pt x="1031966" y="0"/>
+                </a:cubicBezTo>
+                <a:cubicBezTo>
+                  <a:pt x="1213253" y="-16479"/>
+                  <a:pt x="1443646" y="-18730"/>
+                  <a:pt x="1639389" y="0"/>
+                </a:cubicBezTo>
+                <a:cubicBezTo>
+                  <a:pt x="1835132" y="18730"/>
+                  <a:pt x="2159975" y="18531"/>
+                  <a:pt x="2383971" y="0"/>
+                </a:cubicBezTo>
+                <a:cubicBezTo>
+                  <a:pt x="2607967" y="-18531"/>
+                  <a:pt x="2719096" y="-12030"/>
+                  <a:pt x="2945674" y="0"/>
+                </a:cubicBezTo>
+                <a:cubicBezTo>
+                  <a:pt x="3172252" y="12030"/>
+                  <a:pt x="3269167" y="27666"/>
+                  <a:pt x="3507377" y="0"/>
+                </a:cubicBezTo>
+                <a:cubicBezTo>
+                  <a:pt x="3745587" y="-27666"/>
+                  <a:pt x="4116741" y="18705"/>
+                  <a:pt x="4572000" y="0"/>
+                </a:cubicBezTo>
+                <a:cubicBezTo>
+                  <a:pt x="4572895" y="8974"/>
+                  <a:pt x="4571454" y="9359"/>
+                  <a:pt x="4572000" y="18288"/>
+                </a:cubicBezTo>
+                <a:cubicBezTo>
+                  <a:pt x="4374698" y="3942"/>
+                  <a:pt x="4098874" y="-11042"/>
+                  <a:pt x="3873137" y="18288"/>
+                </a:cubicBezTo>
+                <a:cubicBezTo>
+                  <a:pt x="3647400" y="47618"/>
+                  <a:pt x="3517055" y="5421"/>
+                  <a:pt x="3311434" y="18288"/>
+                </a:cubicBezTo>
+                <a:cubicBezTo>
+                  <a:pt x="3105813" y="31155"/>
+                  <a:pt x="3025168" y="17856"/>
+                  <a:pt x="2749731" y="18288"/>
+                </a:cubicBezTo>
+                <a:cubicBezTo>
+                  <a:pt x="2474294" y="18720"/>
+                  <a:pt x="2291766" y="-14168"/>
+                  <a:pt x="2050869" y="18288"/>
+                </a:cubicBezTo>
+                <a:cubicBezTo>
+                  <a:pt x="1809972" y="50744"/>
+                  <a:pt x="1540276" y="46798"/>
+                  <a:pt x="1306286" y="18288"/>
+                </a:cubicBezTo>
+                <a:cubicBezTo>
+                  <a:pt x="1072296" y="-10222"/>
+                  <a:pt x="972445" y="19645"/>
+                  <a:pt x="790303" y="18288"/>
+                </a:cubicBezTo>
+                <a:cubicBezTo>
+                  <a:pt x="608161" y="16931"/>
+                  <a:pt x="200981" y="8241"/>
+                  <a:pt x="0" y="18288"/>
+                </a:cubicBezTo>
+                <a:cubicBezTo>
+                  <a:pt x="-229" y="14222"/>
+                  <a:pt x="509" y="5816"/>
+                  <a:pt x="0" y="0"/>
+                </a:cubicBezTo>
+                <a:close/>
+              </a:path>
+              <a:path w="4572000" h="18288" stroke="0" extrusionOk="0">
+                <a:moveTo>
+                  <a:pt x="0" y="0"/>
+                </a:moveTo>
+                <a:cubicBezTo>
+                  <a:pt x="143285" y="-9565"/>
+                  <a:pt x="327959" y="-11498"/>
+                  <a:pt x="561703" y="0"/>
+                </a:cubicBezTo>
+                <a:cubicBezTo>
+                  <a:pt x="795447" y="11498"/>
+                  <a:pt x="838260" y="18255"/>
+                  <a:pt x="1077686" y="0"/>
+                </a:cubicBezTo>
+                <a:cubicBezTo>
+                  <a:pt x="1317112" y="-18255"/>
+                  <a:pt x="1437472" y="23514"/>
+                  <a:pt x="1639389" y="0"/>
+                </a:cubicBezTo>
+                <a:cubicBezTo>
+                  <a:pt x="1841306" y="-23514"/>
+                  <a:pt x="2037142" y="-12551"/>
+                  <a:pt x="2292531" y="0"/>
+                </a:cubicBezTo>
+                <a:cubicBezTo>
+                  <a:pt x="2547920" y="12551"/>
+                  <a:pt x="2810436" y="-20352"/>
+                  <a:pt x="2991394" y="0"/>
+                </a:cubicBezTo>
+                <a:cubicBezTo>
+                  <a:pt x="3172352" y="20352"/>
+                  <a:pt x="3530025" y="-13347"/>
+                  <a:pt x="3735977" y="0"/>
+                </a:cubicBezTo>
+                <a:cubicBezTo>
+                  <a:pt x="3941929" y="13347"/>
+                  <a:pt x="4161497" y="34086"/>
+                  <a:pt x="4572000" y="0"/>
+                </a:cubicBezTo>
+                <a:cubicBezTo>
+                  <a:pt x="4571545" y="6162"/>
+                  <a:pt x="4571903" y="11775"/>
+                  <a:pt x="4572000" y="18288"/>
+                </a:cubicBezTo>
+                <a:cubicBezTo>
+                  <a:pt x="4228040" y="36490"/>
+                  <a:pt x="4199736" y="42557"/>
+                  <a:pt x="3873137" y="18288"/>
+                </a:cubicBezTo>
+                <a:cubicBezTo>
+                  <a:pt x="3546538" y="-5981"/>
+                  <a:pt x="3472124" y="16809"/>
+                  <a:pt x="3128554" y="18288"/>
+                </a:cubicBezTo>
+                <a:cubicBezTo>
+                  <a:pt x="2784984" y="19767"/>
+                  <a:pt x="2735896" y="-17781"/>
+                  <a:pt x="2383971" y="18288"/>
+                </a:cubicBezTo>
+                <a:cubicBezTo>
+                  <a:pt x="2032046" y="54357"/>
+                  <a:pt x="2019324" y="2920"/>
+                  <a:pt x="1867989" y="18288"/>
+                </a:cubicBezTo>
+                <a:cubicBezTo>
+                  <a:pt x="1716654" y="33656"/>
+                  <a:pt x="1418675" y="32575"/>
+                  <a:pt x="1169126" y="18288"/>
+                </a:cubicBezTo>
+                <a:cubicBezTo>
+                  <a:pt x="919577" y="4001"/>
+                  <a:pt x="798537" y="16165"/>
+                  <a:pt x="561703" y="18288"/>
+                </a:cubicBezTo>
+                <a:cubicBezTo>
+                  <a:pt x="324869" y="20411"/>
+                  <a:pt x="221395" y="-912"/>
+                  <a:pt x="0" y="18288"/>
+                </a:cubicBezTo>
+                <a:cubicBezTo>
+                  <a:pt x="766" y="10800"/>
+                  <a:pt x="-457" y="8180"/>
+                  <a:pt x="0" y="0"/>
+                </a:cubicBezTo>
+                <a:close/>
+              </a:path>
+            </a:pathLst>
+          </a:custGeom>
+          <a:solidFill>
+            <a:schemeClr val="accent2"/>
+          </a:solidFill>
+          <a:ln w="41275" cap="rnd">
+            <a:solidFill>
+              <a:schemeClr val="accent2"/>
+            </a:solidFill>
+            <a:round/>
+            <a:extLst>
+              <a:ext uri="{C807C97D-BFC1-408E-A445-0C87EB9F89A2}">
+                <ask:lineSketchStyleProps xmlns:ask="http://schemas.microsoft.com/office/drawing/2018/sketchyshapes" sd="2727557108">
+                  <a:prstGeom prst="rect">
+                    <a:avLst/>
+                  </a:prstGeom>
+                  <ask:type>
+                    <ask:lineSketchFreehand/>
+                  </ask:type>
+                </ask:lineSketchStyleProps>
+              </a:ext>
+            </a:extLst>
+          </a:ln>
+        </p:spPr>
+        <p:style>
+          <a:lnRef idx="2">
+            <a:schemeClr val="accent1">
+              <a:shade val="50000"/>
+            </a:schemeClr>
+          </a:lnRef>
+          <a:fillRef idx="1">
+            <a:schemeClr val="accent1"/>
+          </a:fillRef>
+          <a:effectRef idx="0">
+            <a:schemeClr val="accent1"/>
+          </a:effectRef>
+          <a:fontRef idx="minor">
+            <a:schemeClr val="lt1"/>
+          </a:fontRef>
+        </p:style>
         <p:txBody>
-          <a:bodyPr/>
+          <a:bodyPr rtlCol="0" anchor="ctr"/>
           <a:lstStyle/>
           <a:p>
-            <a:fld id="{D2557461-8465-45A5-B2DA-B7626AE361CD}" type="slidenum">
-              <a:rPr lang="en-US" smtClean="0"/>
-              <a:t>7</a:t>
-            </a:fld>
+            <a:pPr algn="ctr"/>
             <a:endParaRPr lang="en-US"/>
           </a:p>
         </p:txBody>
@@ -11526,14 +14168,60 @@
         </p:blipFill>
         <p:spPr>
           <a:xfrm>
-            <a:off x="2157516" y="1788429"/>
-            <a:ext cx="7876967" cy="4470179"/>
+            <a:off x="1808804" y="1574456"/>
+            <a:ext cx="8574392" cy="4865968"/>
           </a:xfrm>
           <a:prstGeom prst="rect">
             <a:avLst/>
           </a:prstGeom>
         </p:spPr>
       </p:pic>
+      <p:sp>
+        <p:nvSpPr>
+          <p:cNvPr id="4" name="Slide Number Placeholder 3">
+            <a:extLst>
+              <a:ext uri="{FF2B5EF4-FFF2-40B4-BE49-F238E27FC236}">
+                <a16:creationId xmlns:a16="http://schemas.microsoft.com/office/drawing/2014/main" id="{C99DF7B2-724F-67AE-AD5C-061617B90C7C}"/>
+              </a:ext>
+            </a:extLst>
+          </p:cNvPr>
+          <p:cNvSpPr>
+            <a:spLocks noGrp="1"/>
+          </p:cNvSpPr>
+          <p:nvPr>
+            <p:ph type="sldNum" sz="quarter" idx="12"/>
+          </p:nvPr>
+        </p:nvSpPr>
+        <p:spPr>
+          <a:xfrm>
+            <a:off x="8610600" y="6356350"/>
+            <a:ext cx="2743200" cy="365125"/>
+          </a:xfrm>
+        </p:spPr>
+        <p:txBody>
+          <a:bodyPr vert="horz" lIns="91440" tIns="45720" rIns="91440" bIns="45720" rtlCol="0" anchor="ctr">
+            <a:normAutofit/>
+          </a:bodyPr>
+          <a:lstStyle/>
+          <a:p>
+            <a:pPr>
+              <a:spcAft>
+                <a:spcPts val="600"/>
+              </a:spcAft>
+            </a:pPr>
+            <a:fld id="{D2557461-8465-45A5-B2DA-B7626AE361CD}" type="slidenum">
+              <a:rPr lang="en-US" smtClean="0"/>
+              <a:pPr>
+                <a:spcAft>
+                  <a:spcPts val="600"/>
+                </a:spcAft>
+              </a:pPr>
+              <a:t>7</a:t>
+            </a:fld>
+            <a:endParaRPr lang="en-US"/>
+          </a:p>
+        </p:txBody>
+      </p:sp>
     </p:spTree>
     <p:extLst>
       <p:ext uri="{BB962C8B-B14F-4D97-AF65-F5344CB8AC3E}">
@@ -11548,6 +14236,698 @@
 </file>
 
 <file path=ppt/slides/slide8.xml><?xml version="1.0" encoding="utf-8"?>
+<p:sld xmlns:a="http://schemas.openxmlformats.org/drawingml/2006/main" xmlns:r="http://schemas.openxmlformats.org/officeDocument/2006/relationships" xmlns:p="http://schemas.openxmlformats.org/presentationml/2006/main">
+  <p:cSld>
+    <p:bg>
+      <p:bgPr>
+        <a:solidFill>
+          <a:schemeClr val="bg1"/>
+        </a:solidFill>
+        <a:effectLst/>
+      </p:bgPr>
+    </p:bg>
+    <p:spTree>
+      <p:nvGrpSpPr>
+        <p:cNvPr id="1" name=""/>
+        <p:cNvGrpSpPr/>
+        <p:nvPr/>
+      </p:nvGrpSpPr>
+      <p:grpSpPr>
+        <a:xfrm>
+          <a:off x="0" y="0"/>
+          <a:ext cx="0" cy="0"/>
+          <a:chOff x="0" y="0"/>
+          <a:chExt cx="0" cy="0"/>
+        </a:xfrm>
+      </p:grpSpPr>
+      <p:sp useBgFill="1">
+        <p:nvSpPr>
+          <p:cNvPr id="20" name="Rectangle 8">
+            <a:extLst>
+              <a:ext uri="{FF2B5EF4-FFF2-40B4-BE49-F238E27FC236}">
+                <a16:creationId xmlns:a16="http://schemas.microsoft.com/office/drawing/2014/main" id="{FFD48BC7-DC40-47DE-87EE-9F4B6ECB9ABB}"/>
+              </a:ext>
+              <a:ext uri="{C183D7F6-B498-43B3-948B-1728B52AA6E4}">
+                <adec:decorative xmlns:adec="http://schemas.microsoft.com/office/drawing/2017/decorative" val="1"/>
+              </a:ext>
+            </a:extLst>
+          </p:cNvPr>
+          <p:cNvSpPr>
+            <a:spLocks noGrp="1" noRot="1" noChangeAspect="1" noMove="1" noResize="1" noEditPoints="1" noAdjustHandles="1" noChangeArrowheads="1" noChangeShapeType="1" noTextEdit="1"/>
+          </p:cNvSpPr>
+          <p:nvPr>
+            <p:extLst>
+              <p:ext uri="{386F3935-93C4-4BCD-93E2-E3B085C9AB24}">
+                <p16:designElem xmlns:p16="http://schemas.microsoft.com/office/powerpoint/2015/main" val="1"/>
+              </p:ext>
+            </p:extLst>
+          </p:nvPr>
+        </p:nvSpPr>
+        <p:spPr>
+          <a:xfrm>
+            <a:off x="0" y="0"/>
+            <a:ext cx="12192000" cy="6858000"/>
+          </a:xfrm>
+          <a:prstGeom prst="rect">
+            <a:avLst/>
+          </a:prstGeom>
+          <a:ln>
+            <a:noFill/>
+          </a:ln>
+        </p:spPr>
+        <p:style>
+          <a:lnRef idx="2">
+            <a:schemeClr val="accent1">
+              <a:shade val="50000"/>
+            </a:schemeClr>
+          </a:lnRef>
+          <a:fillRef idx="1">
+            <a:schemeClr val="accent1"/>
+          </a:fillRef>
+          <a:effectRef idx="0">
+            <a:schemeClr val="accent1"/>
+          </a:effectRef>
+          <a:fontRef idx="minor">
+            <a:schemeClr val="lt1"/>
+          </a:fontRef>
+        </p:style>
+        <p:txBody>
+          <a:bodyPr rtlCol="0" anchor="ctr"/>
+          <a:lstStyle/>
+          <a:p>
+            <a:pPr algn="ctr"/>
+            <a:endParaRPr lang="en-US"/>
+          </a:p>
+        </p:txBody>
+      </p:sp>
+      <p:sp useBgFill="1">
+        <p:nvSpPr>
+          <p:cNvPr id="21" name="Freeform: Shape 10">
+            <a:extLst>
+              <a:ext uri="{FF2B5EF4-FFF2-40B4-BE49-F238E27FC236}">
+                <a16:creationId xmlns:a16="http://schemas.microsoft.com/office/drawing/2014/main" id="{E502BBC7-2C76-46F3-BC24-5985BC13DB88}"/>
+              </a:ext>
+              <a:ext uri="{C183D7F6-B498-43B3-948B-1728B52AA6E4}">
+                <adec:decorative xmlns:adec="http://schemas.microsoft.com/office/drawing/2017/decorative" val="1"/>
+              </a:ext>
+            </a:extLst>
+          </p:cNvPr>
+          <p:cNvSpPr>
+            <a:spLocks noGrp="1" noRot="1" noChangeAspect="1" noMove="1" noResize="1" noEditPoints="1" noAdjustHandles="1" noChangeArrowheads="1" noChangeShapeType="1" noTextEdit="1"/>
+          </p:cNvSpPr>
+          <p:nvPr>
+            <p:extLst>
+              <p:ext uri="{386F3935-93C4-4BCD-93E2-E3B085C9AB24}">
+                <p16:designElem xmlns:p16="http://schemas.microsoft.com/office/powerpoint/2015/main" val="1"/>
+              </p:ext>
+            </p:extLst>
+          </p:nvPr>
+        </p:nvSpPr>
+        <p:spPr>
+          <a:xfrm>
+            <a:off x="1114425" y="0"/>
+            <a:ext cx="9963150" cy="6858000"/>
+          </a:xfrm>
+          <a:custGeom>
+            <a:avLst/>
+            <a:gdLst>
+              <a:gd name="connsiteX0" fmla="*/ 1595771 w 9963150"/>
+              <a:gd name="connsiteY0" fmla="*/ 0 h 6858000"/>
+              <a:gd name="connsiteX1" fmla="*/ 8367379 w 9963150"/>
+              <a:gd name="connsiteY1" fmla="*/ 0 h 6858000"/>
+              <a:gd name="connsiteX2" fmla="*/ 8504080 w 9963150"/>
+              <a:gd name="connsiteY2" fmla="*/ 130333 h 6858000"/>
+              <a:gd name="connsiteX3" fmla="*/ 9963150 w 9963150"/>
+              <a:gd name="connsiteY3" fmla="*/ 3652838 h 6858000"/>
+              <a:gd name="connsiteX4" fmla="*/ 8825600 w 9963150"/>
+              <a:gd name="connsiteY4" fmla="*/ 6821583 h 6858000"/>
+              <a:gd name="connsiteX5" fmla="*/ 8794055 w 9963150"/>
+              <a:gd name="connsiteY5" fmla="*/ 6858000 h 6858000"/>
+              <a:gd name="connsiteX6" fmla="*/ 1169096 w 9963150"/>
+              <a:gd name="connsiteY6" fmla="*/ 6858000 h 6858000"/>
+              <a:gd name="connsiteX7" fmla="*/ 1137550 w 9963150"/>
+              <a:gd name="connsiteY7" fmla="*/ 6821583 h 6858000"/>
+              <a:gd name="connsiteX8" fmla="*/ 0 w 9963150"/>
+              <a:gd name="connsiteY8" fmla="*/ 3652838 h 6858000"/>
+              <a:gd name="connsiteX9" fmla="*/ 1459070 w 9963150"/>
+              <a:gd name="connsiteY9" fmla="*/ 130333 h 6858000"/>
+            </a:gdLst>
+            <a:ahLst/>
+            <a:cxnLst>
+              <a:cxn ang="0">
+                <a:pos x="connsiteX0" y="connsiteY0"/>
+              </a:cxn>
+              <a:cxn ang="0">
+                <a:pos x="connsiteX1" y="connsiteY1"/>
+              </a:cxn>
+              <a:cxn ang="0">
+                <a:pos x="connsiteX2" y="connsiteY2"/>
+              </a:cxn>
+              <a:cxn ang="0">
+                <a:pos x="connsiteX3" y="connsiteY3"/>
+              </a:cxn>
+              <a:cxn ang="0">
+                <a:pos x="connsiteX4" y="connsiteY4"/>
+              </a:cxn>
+              <a:cxn ang="0">
+                <a:pos x="connsiteX5" y="connsiteY5"/>
+              </a:cxn>
+              <a:cxn ang="0">
+                <a:pos x="connsiteX6" y="connsiteY6"/>
+              </a:cxn>
+              <a:cxn ang="0">
+                <a:pos x="connsiteX7" y="connsiteY7"/>
+              </a:cxn>
+              <a:cxn ang="0">
+                <a:pos x="connsiteX8" y="connsiteY8"/>
+              </a:cxn>
+              <a:cxn ang="0">
+                <a:pos x="connsiteX9" y="connsiteY9"/>
+              </a:cxn>
+            </a:cxnLst>
+            <a:rect l="l" t="t" r="r" b="b"/>
+            <a:pathLst>
+              <a:path w="9963150" h="6858000">
+                <a:moveTo>
+                  <a:pt x="1595771" y="0"/>
+                </a:moveTo>
+                <a:lnTo>
+                  <a:pt x="8367379" y="0"/>
+                </a:lnTo>
+                <a:lnTo>
+                  <a:pt x="8504080" y="130333"/>
+                </a:lnTo>
+                <a:cubicBezTo>
+                  <a:pt x="9405568" y="1031820"/>
+                  <a:pt x="9963150" y="2277214"/>
+                  <a:pt x="9963150" y="3652838"/>
+                </a:cubicBezTo>
+                <a:cubicBezTo>
+                  <a:pt x="9963150" y="4856509"/>
+                  <a:pt x="9536251" y="5960473"/>
+                  <a:pt x="8825600" y="6821583"/>
+                </a:cubicBezTo>
+                <a:lnTo>
+                  <a:pt x="8794055" y="6858000"/>
+                </a:lnTo>
+                <a:lnTo>
+                  <a:pt x="1169096" y="6858000"/>
+                </a:lnTo>
+                <a:lnTo>
+                  <a:pt x="1137550" y="6821583"/>
+                </a:lnTo>
+                <a:cubicBezTo>
+                  <a:pt x="426899" y="5960473"/>
+                  <a:pt x="0" y="4856509"/>
+                  <a:pt x="0" y="3652838"/>
+                </a:cubicBezTo>
+                <a:cubicBezTo>
+                  <a:pt x="0" y="2277214"/>
+                  <a:pt x="557582" y="1031820"/>
+                  <a:pt x="1459070" y="130333"/>
+                </a:cubicBezTo>
+                <a:close/>
+              </a:path>
+            </a:pathLst>
+          </a:custGeom>
+          <a:ln w="9525">
+            <a:solidFill>
+              <a:srgbClr val="EFEFEF"/>
+            </a:solidFill>
+          </a:ln>
+          <a:effectLst>
+            <a:outerShdw blurRad="139700" sx="102000" sy="102000" algn="ctr" rotWithShape="0">
+              <a:schemeClr val="bg1">
+                <a:lumMod val="85000"/>
+                <a:alpha val="38000"/>
+              </a:schemeClr>
+            </a:outerShdw>
+          </a:effectLst>
+        </p:spPr>
+        <p:style>
+          <a:lnRef idx="2">
+            <a:schemeClr val="accent1">
+              <a:shade val="50000"/>
+            </a:schemeClr>
+          </a:lnRef>
+          <a:fillRef idx="1">
+            <a:schemeClr val="accent1"/>
+          </a:fillRef>
+          <a:effectRef idx="0">
+            <a:schemeClr val="accent1"/>
+          </a:effectRef>
+          <a:fontRef idx="minor">
+            <a:schemeClr val="lt1"/>
+          </a:fontRef>
+        </p:style>
+        <p:txBody>
+          <a:bodyPr wrap="square" rtlCol="0" anchor="ctr">
+            <a:noAutofit/>
+          </a:bodyPr>
+          <a:lstStyle/>
+          <a:p>
+            <a:pPr marL="0" marR="0" lvl="0" indent="0" algn="ctr" defTabSz="914400" rtl="0" eaLnBrk="1" fontAlgn="auto" latinLnBrk="0" hangingPunct="1">
+              <a:lnSpc>
+                <a:spcPct val="100000"/>
+              </a:lnSpc>
+              <a:spcBef>
+                <a:spcPts val="0"/>
+              </a:spcBef>
+              <a:spcAft>
+                <a:spcPts val="0"/>
+              </a:spcAft>
+              <a:buClrTx/>
+              <a:buSzTx/>
+              <a:buFontTx/>
+              <a:buNone/>
+              <a:tabLst/>
+              <a:defRPr/>
+            </a:pPr>
+            <a:endParaRPr kumimoji="0" lang="en-US" sz="1800" b="0" i="0" u="none" strike="noStrike" kern="1200" cap="none" spc="0" normalizeH="0" baseline="0" noProof="0">
+              <a:ln>
+                <a:noFill/>
+              </a:ln>
+              <a:solidFill>
+                <a:prstClr val="white"/>
+              </a:solidFill>
+              <a:effectLst/>
+              <a:uLnTx/>
+              <a:uFillTx/>
+              <a:latin typeface="Calibri" panose="020F0502020204030204"/>
+              <a:ea typeface="+mn-ea"/>
+              <a:cs typeface="+mn-cs"/>
+            </a:endParaRPr>
+          </a:p>
+        </p:txBody>
+      </p:sp>
+      <p:sp useBgFill="1">
+        <p:nvSpPr>
+          <p:cNvPr id="13" name="Freeform: Shape 12">
+            <a:extLst>
+              <a:ext uri="{FF2B5EF4-FFF2-40B4-BE49-F238E27FC236}">
+                <a16:creationId xmlns:a16="http://schemas.microsoft.com/office/drawing/2014/main" id="{C7F28D52-2A5F-4D23-81AE-7CB8B591C7AF}"/>
+              </a:ext>
+              <a:ext uri="{C183D7F6-B498-43B3-948B-1728B52AA6E4}">
+                <adec:decorative xmlns:adec="http://schemas.microsoft.com/office/drawing/2017/decorative" val="1"/>
+              </a:ext>
+            </a:extLst>
+          </p:cNvPr>
+          <p:cNvSpPr>
+            <a:spLocks noGrp="1" noRot="1" noChangeAspect="1" noMove="1" noResize="1" noEditPoints="1" noAdjustHandles="1" noChangeArrowheads="1" noChangeShapeType="1" noTextEdit="1"/>
+          </p:cNvSpPr>
+          <p:nvPr>
+            <p:extLst>
+              <p:ext uri="{386F3935-93C4-4BCD-93E2-E3B085C9AB24}">
+                <p16:designElem xmlns:p16="http://schemas.microsoft.com/office/powerpoint/2015/main" val="1"/>
+              </p:ext>
+            </p:extLst>
+          </p:nvPr>
+        </p:nvSpPr>
+        <p:spPr>
+          <a:xfrm>
+            <a:off x="1121664" y="0"/>
+            <a:ext cx="9948672" cy="6858000"/>
+          </a:xfrm>
+          <a:custGeom>
+            <a:avLst/>
+            <a:gdLst>
+              <a:gd name="connsiteX0" fmla="*/ 1595771 w 9963150"/>
+              <a:gd name="connsiteY0" fmla="*/ 0 h 6858000"/>
+              <a:gd name="connsiteX1" fmla="*/ 8367379 w 9963150"/>
+              <a:gd name="connsiteY1" fmla="*/ 0 h 6858000"/>
+              <a:gd name="connsiteX2" fmla="*/ 8504080 w 9963150"/>
+              <a:gd name="connsiteY2" fmla="*/ 130333 h 6858000"/>
+              <a:gd name="connsiteX3" fmla="*/ 9963150 w 9963150"/>
+              <a:gd name="connsiteY3" fmla="*/ 3652838 h 6858000"/>
+              <a:gd name="connsiteX4" fmla="*/ 8825600 w 9963150"/>
+              <a:gd name="connsiteY4" fmla="*/ 6821583 h 6858000"/>
+              <a:gd name="connsiteX5" fmla="*/ 8794055 w 9963150"/>
+              <a:gd name="connsiteY5" fmla="*/ 6858000 h 6858000"/>
+              <a:gd name="connsiteX6" fmla="*/ 1169096 w 9963150"/>
+              <a:gd name="connsiteY6" fmla="*/ 6858000 h 6858000"/>
+              <a:gd name="connsiteX7" fmla="*/ 1137550 w 9963150"/>
+              <a:gd name="connsiteY7" fmla="*/ 6821583 h 6858000"/>
+              <a:gd name="connsiteX8" fmla="*/ 0 w 9963150"/>
+              <a:gd name="connsiteY8" fmla="*/ 3652838 h 6858000"/>
+              <a:gd name="connsiteX9" fmla="*/ 1459070 w 9963150"/>
+              <a:gd name="connsiteY9" fmla="*/ 130333 h 6858000"/>
+            </a:gdLst>
+            <a:ahLst/>
+            <a:cxnLst>
+              <a:cxn ang="0">
+                <a:pos x="connsiteX0" y="connsiteY0"/>
+              </a:cxn>
+              <a:cxn ang="0">
+                <a:pos x="connsiteX1" y="connsiteY1"/>
+              </a:cxn>
+              <a:cxn ang="0">
+                <a:pos x="connsiteX2" y="connsiteY2"/>
+              </a:cxn>
+              <a:cxn ang="0">
+                <a:pos x="connsiteX3" y="connsiteY3"/>
+              </a:cxn>
+              <a:cxn ang="0">
+                <a:pos x="connsiteX4" y="connsiteY4"/>
+              </a:cxn>
+              <a:cxn ang="0">
+                <a:pos x="connsiteX5" y="connsiteY5"/>
+              </a:cxn>
+              <a:cxn ang="0">
+                <a:pos x="connsiteX6" y="connsiteY6"/>
+              </a:cxn>
+              <a:cxn ang="0">
+                <a:pos x="connsiteX7" y="connsiteY7"/>
+              </a:cxn>
+              <a:cxn ang="0">
+                <a:pos x="connsiteX8" y="connsiteY8"/>
+              </a:cxn>
+              <a:cxn ang="0">
+                <a:pos x="connsiteX9" y="connsiteY9"/>
+              </a:cxn>
+            </a:cxnLst>
+            <a:rect l="l" t="t" r="r" b="b"/>
+            <a:pathLst>
+              <a:path w="9963150" h="6858000">
+                <a:moveTo>
+                  <a:pt x="1595771" y="0"/>
+                </a:moveTo>
+                <a:lnTo>
+                  <a:pt x="8367379" y="0"/>
+                </a:lnTo>
+                <a:lnTo>
+                  <a:pt x="8504080" y="130333"/>
+                </a:lnTo>
+                <a:cubicBezTo>
+                  <a:pt x="9405568" y="1031820"/>
+                  <a:pt x="9963150" y="2277214"/>
+                  <a:pt x="9963150" y="3652838"/>
+                </a:cubicBezTo>
+                <a:cubicBezTo>
+                  <a:pt x="9963150" y="4856509"/>
+                  <a:pt x="9536251" y="5960473"/>
+                  <a:pt x="8825600" y="6821583"/>
+                </a:cubicBezTo>
+                <a:lnTo>
+                  <a:pt x="8794055" y="6858000"/>
+                </a:lnTo>
+                <a:lnTo>
+                  <a:pt x="1169096" y="6858000"/>
+                </a:lnTo>
+                <a:lnTo>
+                  <a:pt x="1137550" y="6821583"/>
+                </a:lnTo>
+                <a:cubicBezTo>
+                  <a:pt x="426899" y="5960473"/>
+                  <a:pt x="0" y="4856509"/>
+                  <a:pt x="0" y="3652838"/>
+                </a:cubicBezTo>
+                <a:cubicBezTo>
+                  <a:pt x="0" y="2277214"/>
+                  <a:pt x="557582" y="1031820"/>
+                  <a:pt x="1459070" y="130333"/>
+                </a:cubicBezTo>
+                <a:close/>
+              </a:path>
+            </a:pathLst>
+          </a:custGeom>
+          <a:ln w="9525">
+            <a:noFill/>
+          </a:ln>
+          <a:effectLst/>
+        </p:spPr>
+        <p:style>
+          <a:lnRef idx="2">
+            <a:schemeClr val="accent1">
+              <a:shade val="50000"/>
+            </a:schemeClr>
+          </a:lnRef>
+          <a:fillRef idx="1">
+            <a:schemeClr val="accent1"/>
+          </a:fillRef>
+          <a:effectRef idx="0">
+            <a:schemeClr val="accent1"/>
+          </a:effectRef>
+          <a:fontRef idx="minor">
+            <a:schemeClr val="lt1"/>
+          </a:fontRef>
+        </p:style>
+        <p:txBody>
+          <a:bodyPr wrap="square" rtlCol="0" anchor="ctr">
+            <a:noAutofit/>
+          </a:bodyPr>
+          <a:lstStyle/>
+          <a:p>
+            <a:pPr marL="0" marR="0" lvl="0" indent="0" algn="ctr" defTabSz="914400" rtl="0" eaLnBrk="1" fontAlgn="auto" latinLnBrk="0" hangingPunct="1">
+              <a:lnSpc>
+                <a:spcPct val="100000"/>
+              </a:lnSpc>
+              <a:spcBef>
+                <a:spcPts val="0"/>
+              </a:spcBef>
+              <a:spcAft>
+                <a:spcPts val="0"/>
+              </a:spcAft>
+              <a:buClrTx/>
+              <a:buSzTx/>
+              <a:buFontTx/>
+              <a:buNone/>
+              <a:tabLst/>
+              <a:defRPr/>
+            </a:pPr>
+            <a:endParaRPr kumimoji="0" lang="en-US" sz="1800" b="0" i="0" u="none" strike="noStrike" kern="1200" cap="none" spc="0" normalizeH="0" baseline="0" noProof="0">
+              <a:ln>
+                <a:noFill/>
+              </a:ln>
+              <a:solidFill>
+                <a:prstClr val="white"/>
+              </a:solidFill>
+              <a:effectLst/>
+              <a:uLnTx/>
+              <a:uFillTx/>
+              <a:latin typeface="Calibri" panose="020F0502020204030204"/>
+              <a:ea typeface="+mn-ea"/>
+              <a:cs typeface="+mn-cs"/>
+            </a:endParaRPr>
+          </a:p>
+        </p:txBody>
+      </p:sp>
+      <p:sp>
+        <p:nvSpPr>
+          <p:cNvPr id="2" name="Title 1">
+            <a:extLst>
+              <a:ext uri="{FF2B5EF4-FFF2-40B4-BE49-F238E27FC236}">
+                <a16:creationId xmlns:a16="http://schemas.microsoft.com/office/drawing/2014/main" id="{FFD8381B-90CB-7355-2D9E-BC433C0AD462}"/>
+              </a:ext>
+            </a:extLst>
+          </p:cNvPr>
+          <p:cNvSpPr>
+            <a:spLocks noGrp="1"/>
+          </p:cNvSpPr>
+          <p:nvPr>
+            <p:ph type="title"/>
+          </p:nvPr>
+        </p:nvSpPr>
+        <p:spPr>
+          <a:xfrm>
+            <a:off x="1524003" y="1999615"/>
+            <a:ext cx="9144000" cy="2764028"/>
+          </a:xfrm>
+        </p:spPr>
+        <p:txBody>
+          <a:bodyPr vert="horz" lIns="91440" tIns="45720" rIns="91440" bIns="45720" rtlCol="0" anchor="ctr">
+            <a:normAutofit/>
+          </a:bodyPr>
+          <a:lstStyle/>
+          <a:p>
+            <a:pPr algn="ctr"/>
+            <a:r>
+              <a:rPr lang="en-US" sz="7200" kern="1200" dirty="0" err="1">
+                <a:solidFill>
+                  <a:schemeClr val="tx1"/>
+                </a:solidFill>
+                <a:latin typeface="+mj-lt"/>
+                <a:ea typeface="+mj-ea"/>
+                <a:cs typeface="+mj-cs"/>
+              </a:rPr>
+              <a:t>Demonstração</a:t>
+            </a:r>
+            <a:endParaRPr lang="en-US" sz="7200" kern="1200" dirty="0">
+              <a:solidFill>
+                <a:schemeClr val="tx1"/>
+              </a:solidFill>
+              <a:latin typeface="+mj-lt"/>
+              <a:ea typeface="+mj-ea"/>
+              <a:cs typeface="+mj-cs"/>
+            </a:endParaRPr>
+          </a:p>
+        </p:txBody>
+      </p:sp>
+      <p:sp>
+        <p:nvSpPr>
+          <p:cNvPr id="15" name="Rectangle 14">
+            <a:extLst>
+              <a:ext uri="{FF2B5EF4-FFF2-40B4-BE49-F238E27FC236}">
+                <a16:creationId xmlns:a16="http://schemas.microsoft.com/office/drawing/2014/main" id="{3629484E-3792-4B3D-89AD-7C8A1ED0E0D4}"/>
+              </a:ext>
+              <a:ext uri="{C183D7F6-B498-43B3-948B-1728B52AA6E4}">
+                <adec:decorative xmlns:adec="http://schemas.microsoft.com/office/drawing/2017/decorative" val="1"/>
+              </a:ext>
+            </a:extLst>
+          </p:cNvPr>
+          <p:cNvSpPr>
+            <a:spLocks noGrp="1" noRot="1" noChangeAspect="1" noMove="1" noResize="1" noEditPoints="1" noAdjustHandles="1" noChangeArrowheads="1" noChangeShapeType="1" noTextEdit="1"/>
+          </p:cNvSpPr>
+          <p:nvPr>
+            <p:extLst>
+              <p:ext uri="{386F3935-93C4-4BCD-93E2-E3B085C9AB24}">
+                <p16:designElem xmlns:p16="http://schemas.microsoft.com/office/powerpoint/2015/main" val="1"/>
+              </p:ext>
+            </p:extLst>
+          </p:nvPr>
+        </p:nvSpPr>
+        <p:spPr>
+          <a:xfrm>
+            <a:off x="3718560" y="5524786"/>
+            <a:ext cx="4754880" cy="27432"/>
+          </a:xfrm>
+          <a:prstGeom prst="rect">
+            <a:avLst/>
+          </a:prstGeom>
+          <a:solidFill>
+            <a:schemeClr val="accent2"/>
+          </a:solidFill>
+          <a:ln>
+            <a:noFill/>
+          </a:ln>
+        </p:spPr>
+        <p:style>
+          <a:lnRef idx="2">
+            <a:schemeClr val="accent1">
+              <a:shade val="50000"/>
+            </a:schemeClr>
+          </a:lnRef>
+          <a:fillRef idx="1">
+            <a:schemeClr val="accent1"/>
+          </a:fillRef>
+          <a:effectRef idx="0">
+            <a:schemeClr val="accent1"/>
+          </a:effectRef>
+          <a:fontRef idx="minor">
+            <a:schemeClr val="lt1"/>
+          </a:fontRef>
+        </p:style>
+        <p:txBody>
+          <a:bodyPr rtlCol="0" anchor="ctr"/>
+          <a:lstStyle/>
+          <a:p>
+            <a:pPr marL="0" marR="0" lvl="0" indent="0" algn="ctr" defTabSz="914400" rtl="0" eaLnBrk="1" fontAlgn="auto" latinLnBrk="0" hangingPunct="1">
+              <a:lnSpc>
+                <a:spcPct val="100000"/>
+              </a:lnSpc>
+              <a:spcBef>
+                <a:spcPts val="0"/>
+              </a:spcBef>
+              <a:spcAft>
+                <a:spcPts val="0"/>
+              </a:spcAft>
+              <a:buClrTx/>
+              <a:buSzTx/>
+              <a:buFontTx/>
+              <a:buNone/>
+              <a:tabLst/>
+              <a:defRPr/>
+            </a:pPr>
+            <a:endParaRPr kumimoji="0" lang="en-US" sz="1800" b="0" i="0" u="none" strike="noStrike" kern="1200" cap="none" spc="0" normalizeH="0" baseline="0" noProof="0">
+              <a:ln>
+                <a:noFill/>
+              </a:ln>
+              <a:solidFill>
+                <a:prstClr val="white"/>
+              </a:solidFill>
+              <a:effectLst/>
+              <a:uLnTx/>
+              <a:uFillTx/>
+              <a:latin typeface="Calibri" panose="020F0502020204030204"/>
+              <a:ea typeface="+mn-ea"/>
+              <a:cs typeface="+mn-cs"/>
+            </a:endParaRPr>
+          </a:p>
+        </p:txBody>
+      </p:sp>
+      <p:sp>
+        <p:nvSpPr>
+          <p:cNvPr id="4" name="Slide Number Placeholder 3">
+            <a:extLst>
+              <a:ext uri="{FF2B5EF4-FFF2-40B4-BE49-F238E27FC236}">
+                <a16:creationId xmlns:a16="http://schemas.microsoft.com/office/drawing/2014/main" id="{F8E1CD0D-E095-F313-2B0A-DED10468E2E5}"/>
+              </a:ext>
+            </a:extLst>
+          </p:cNvPr>
+          <p:cNvSpPr>
+            <a:spLocks noGrp="1"/>
+          </p:cNvSpPr>
+          <p:nvPr>
+            <p:ph type="sldNum" sz="quarter" idx="12"/>
+          </p:nvPr>
+        </p:nvSpPr>
+        <p:spPr>
+          <a:xfrm>
+            <a:off x="10489019" y="6356350"/>
+            <a:ext cx="1268818" cy="365125"/>
+          </a:xfrm>
+        </p:spPr>
+        <p:txBody>
+          <a:bodyPr vert="horz" lIns="91440" tIns="45720" rIns="91440" bIns="45720" rtlCol="0" anchor="ctr">
+            <a:normAutofit/>
+          </a:bodyPr>
+          <a:lstStyle/>
+          <a:p>
+            <a:pPr>
+              <a:spcAft>
+                <a:spcPts val="600"/>
+              </a:spcAft>
+            </a:pPr>
+            <a:fld id="{D2557461-8465-45A5-B2DA-B7626AE361CD}" type="slidenum">
+              <a:rPr lang="en-US">
+                <a:solidFill>
+                  <a:schemeClr val="tx1">
+                    <a:lumMod val="50000"/>
+                    <a:lumOff val="50000"/>
+                  </a:schemeClr>
+                </a:solidFill>
+              </a:rPr>
+              <a:pPr>
+                <a:spcAft>
+                  <a:spcPts val="600"/>
+                </a:spcAft>
+              </a:pPr>
+              <a:t>8</a:t>
+            </a:fld>
+            <a:endParaRPr lang="en-US">
+              <a:solidFill>
+                <a:schemeClr val="tx1">
+                  <a:lumMod val="50000"/>
+                  <a:lumOff val="50000"/>
+                </a:schemeClr>
+              </a:solidFill>
+            </a:endParaRPr>
+          </a:p>
+        </p:txBody>
+      </p:sp>
+    </p:spTree>
+    <p:extLst>
+      <p:ext uri="{BB962C8B-B14F-4D97-AF65-F5344CB8AC3E}">
+        <p14:creationId xmlns:p14="http://schemas.microsoft.com/office/powerpoint/2010/main" val="3542110203"/>
+      </p:ext>
+    </p:extLst>
+  </p:cSld>
+  <p:clrMapOvr>
+    <a:masterClrMapping/>
+  </p:clrMapOvr>
+</p:sld>
+</file>
+
+<file path=ppt/slides/slide9.xml><?xml version="1.0" encoding="utf-8"?>
 <p:sld xmlns:a="http://schemas.openxmlformats.org/drawingml/2006/main" xmlns:r="http://schemas.openxmlformats.org/officeDocument/2006/relationships" xmlns:p="http://schemas.openxmlformats.org/presentationml/2006/main">
   <p:cSld>
     <p:spTree>
@@ -11566,56 +14946,10 @@
       </p:grpSpPr>
       <p:sp>
         <p:nvSpPr>
-          <p:cNvPr id="2" name="Title 1">
-            <a:extLst>
-              <a:ext uri="{FF2B5EF4-FFF2-40B4-BE49-F238E27FC236}">
-                <a16:creationId xmlns:a16="http://schemas.microsoft.com/office/drawing/2014/main" id="{C3062931-8C47-D764-A460-581B42899C3D}"/>
-              </a:ext>
-            </a:extLst>
-          </p:cNvPr>
-          <p:cNvSpPr>
-            <a:spLocks noGrp="1"/>
-          </p:cNvSpPr>
-          <p:nvPr>
-            <p:ph type="title"/>
-          </p:nvPr>
-        </p:nvSpPr>
-        <p:spPr/>
-        <p:txBody>
-          <a:bodyPr/>
-          <a:lstStyle/>
-          <a:p>
-            <a:pPr algn="ctr"/>
-            <a:r>
-              <a:rPr lang="en-US" dirty="0" err="1"/>
-              <a:t>Estrutura</a:t>
-            </a:r>
-            <a:r>
-              <a:rPr lang="en-US" dirty="0"/>
-              <a:t> da </a:t>
-            </a:r>
-            <a:r>
-              <a:rPr lang="en-US" dirty="0" err="1"/>
-              <a:t>Página</a:t>
-            </a:r>
-            <a:r>
-              <a:rPr lang="en-US"/>
-              <a:t> de </a:t>
-            </a:r>
-            <a:r>
-              <a:rPr lang="en-US" dirty="0" err="1"/>
-              <a:t>Partida</a:t>
-            </a:r>
-            <a:endParaRPr lang="en-US" dirty="0"/>
-          </a:p>
-        </p:txBody>
-      </p:sp>
-      <p:sp>
-        <p:nvSpPr>
           <p:cNvPr id="4" name="Slide Number Placeholder 3">
             <a:extLst>
               <a:ext uri="{FF2B5EF4-FFF2-40B4-BE49-F238E27FC236}">
-                <a16:creationId xmlns:a16="http://schemas.microsoft.com/office/drawing/2014/main" id="{C99DF7B2-724F-67AE-AD5C-061617B90C7C}"/>
+                <a16:creationId xmlns:a16="http://schemas.microsoft.com/office/drawing/2014/main" id="{66E94ADF-8DCB-BA0A-C9C9-CFC19C130746}"/>
               </a:ext>
             </a:extLst>
           </p:cNvPr>
@@ -11633,93 +14967,1686 @@
           <a:p>
             <a:fld id="{D2557461-8465-45A5-B2DA-B7626AE361CD}" type="slidenum">
               <a:rPr lang="en-US" smtClean="0"/>
-              <a:t>8</a:t>
+              <a:t>9</a:t>
             </a:fld>
             <a:endParaRPr lang="en-US"/>
           </a:p>
         </p:txBody>
       </p:sp>
-      <p:pic>
-        <p:nvPicPr>
-          <p:cNvPr id="3" name="Picture 2">
+      <p:sp>
+        <p:nvSpPr>
+          <p:cNvPr id="8" name="Title 4">
             <a:extLst>
               <a:ext uri="{FF2B5EF4-FFF2-40B4-BE49-F238E27FC236}">
-                <a16:creationId xmlns:a16="http://schemas.microsoft.com/office/drawing/2014/main" id="{0FEC60BC-C7F0-0B90-FF4E-AE26C7C4B88B}"/>
+                <a16:creationId xmlns:a16="http://schemas.microsoft.com/office/drawing/2014/main" id="{9DA6A589-798A-6C98-07FC-D6AA5F0B54C6}"/>
               </a:ext>
             </a:extLst>
           </p:cNvPr>
-          <p:cNvPicPr>
-            <a:picLocks noChangeAspect="1"/>
-          </p:cNvPicPr>
-          <p:nvPr/>
-        </p:nvPicPr>
-        <p:blipFill>
-          <a:blip r:embed="rId2"/>
-          <a:stretch>
-            <a:fillRect/>
-          </a:stretch>
-        </p:blipFill>
+          <p:cNvSpPr>
+            <a:spLocks noGrp="1"/>
+          </p:cNvSpPr>
+          <p:nvPr>
+            <p:ph type="title"/>
+          </p:nvPr>
+        </p:nvSpPr>
         <p:spPr>
           <a:xfrm>
-            <a:off x="3639096" y="2745487"/>
-            <a:ext cx="6084348" cy="3452868"/>
+            <a:off x="838200" y="365125"/>
+            <a:ext cx="10515600" cy="1325563"/>
+          </a:xfrm>
+        </p:spPr>
+        <p:txBody>
+          <a:bodyPr/>
+          <a:lstStyle/>
+          <a:p>
+            <a:r>
+              <a:rPr lang="en-US" dirty="0"/>
+              <a:t>Interface do Game Logic</a:t>
+            </a:r>
+          </a:p>
+        </p:txBody>
+      </p:sp>
+      <p:sp>
+        <p:nvSpPr>
+          <p:cNvPr id="9" name="Rectangle 3">
+            <a:extLst>
+              <a:ext uri="{FF2B5EF4-FFF2-40B4-BE49-F238E27FC236}">
+                <a16:creationId xmlns:a16="http://schemas.microsoft.com/office/drawing/2014/main" id="{71B0AD0F-053B-4D71-CCF3-366694809D70}"/>
+              </a:ext>
+            </a:extLst>
+          </p:cNvPr>
+          <p:cNvSpPr>
+            <a:spLocks noGrp="1" noChangeArrowheads="1"/>
+          </p:cNvSpPr>
+          <p:nvPr>
+            <p:ph sz="half" idx="1"/>
+          </p:nvPr>
+        </p:nvSpPr>
+        <p:spPr bwMode="auto">
+          <a:xfrm>
+            <a:off x="838200" y="1518254"/>
+            <a:ext cx="10422836" cy="3693319"/>
           </a:xfrm>
           <a:prstGeom prst="rect">
             <a:avLst/>
           </a:prstGeom>
-        </p:spPr>
-      </p:pic>
-      <p:pic>
-        <p:nvPicPr>
-          <p:cNvPr id="1026" name="Picture 2">
-            <a:extLst>
-              <a:ext uri="{FF2B5EF4-FFF2-40B4-BE49-F238E27FC236}">
-                <a16:creationId xmlns:a16="http://schemas.microsoft.com/office/drawing/2014/main" id="{3BD8ED0A-1188-4774-724E-35CF3BA004E9}"/>
-              </a:ext>
-            </a:extLst>
-          </p:cNvPr>
-          <p:cNvPicPr>
-            <a:picLocks noChangeAspect="1" noChangeArrowheads="1"/>
-          </p:cNvPicPr>
-          <p:nvPr/>
-        </p:nvPicPr>
-        <p:blipFill>
-          <a:blip r:embed="rId3">
-            <a:extLst>
-              <a:ext uri="{28A0092B-C50C-407E-A947-70E740481C1C}">
-                <a14:useLocalDpi xmlns:a14="http://schemas.microsoft.com/office/drawing/2010/main" val="0"/>
-              </a:ext>
-            </a:extLst>
-          </a:blip>
-          <a:srcRect/>
-          <a:stretch>
-            <a:fillRect/>
-          </a:stretch>
-        </p:blipFill>
-        <p:spPr bwMode="auto">
-          <a:xfrm>
-            <a:off x="1387311" y="1848683"/>
-            <a:ext cx="9417377" cy="4307714"/>
-          </a:xfrm>
-          <a:prstGeom prst="rect">
-            <a:avLst/>
-          </a:prstGeom>
-          <a:noFill/>
+          <a:solidFill>
+            <a:srgbClr val="FFFFFF"/>
+          </a:solidFill>
+          <a:ln>
+            <a:noFill/>
+          </a:ln>
+          <a:effectLst/>
           <a:extLst>
-            <a:ext uri="{909E8E84-426E-40DD-AFC4-6F175D3DCCD1}">
-              <a14:hiddenFill xmlns:a14="http://schemas.microsoft.com/office/drawing/2010/main">
-                <a:solidFill>
-                  <a:srgbClr val="FFFFFF"/>
-                </a:solidFill>
-              </a14:hiddenFill>
+            <a:ext uri="{91240B29-F687-4F45-9708-019B960494DF}">
+              <a14:hiddenLine xmlns:a14="http://schemas.microsoft.com/office/drawing/2010/main" w="9525">
+                <a:solidFill>
+                  <a:schemeClr val="tx1"/>
+                </a:solidFill>
+                <a:miter lim="800000"/>
+                <a:headEnd/>
+                <a:tailEnd/>
+              </a14:hiddenLine>
+            </a:ext>
+            <a:ext uri="{AF507438-7753-43E0-B8FC-AC1667EBCBE1}">
+              <a14:hiddenEffects xmlns:a14="http://schemas.microsoft.com/office/drawing/2010/main">
+                <a:effectLst>
+                  <a:outerShdw dist="35921" dir="2700000" algn="ctr" rotWithShape="0">
+                    <a:schemeClr val="bg2"/>
+                  </a:outerShdw>
+                </a:effectLst>
+              </a14:hiddenEffects>
             </a:ext>
           </a:extLst>
         </p:spPr>
-      </p:pic>
+        <p:txBody>
+          <a:bodyPr vert="horz" wrap="square" lIns="91440" tIns="45720" rIns="91440" bIns="45720" numCol="1" anchor="ctr" anchorCtr="0" compatLnSpc="1">
+            <a:prstTxWarp prst="textNoShape">
+              <a:avLst/>
+            </a:prstTxWarp>
+            <a:spAutoFit/>
+          </a:bodyPr>
+          <a:lstStyle/>
+          <a:p>
+            <a:pPr marL="0" lvl="0" indent="0" eaLnBrk="0" fontAlgn="base" hangingPunct="0">
+              <a:lnSpc>
+                <a:spcPct val="100000"/>
+              </a:lnSpc>
+              <a:spcBef>
+                <a:spcPct val="0"/>
+              </a:spcBef>
+              <a:spcAft>
+                <a:spcPct val="0"/>
+              </a:spcAft>
+              <a:buNone/>
+            </a:pPr>
+            <a:r>
+              <a:rPr kumimoji="0" lang="en-US" altLang="en-US" sz="1800" b="0" i="0" u="none" strike="noStrike" cap="none" normalizeH="0" baseline="0" dirty="0">
+                <a:ln>
+                  <a:noFill/>
+                </a:ln>
+                <a:solidFill>
+                  <a:srgbClr val="0033B3"/>
+                </a:solidFill>
+                <a:effectLst/>
+                <a:latin typeface="Arial Unicode MS"/>
+              </a:rPr>
+              <a:t>interface </a:t>
+            </a:r>
+            <a:r>
+              <a:rPr kumimoji="0" lang="en-US" altLang="en-US" sz="1800" b="0" i="0" u="none" strike="noStrike" cap="none" normalizeH="0" baseline="0" dirty="0" err="1">
+                <a:ln>
+                  <a:noFill/>
+                </a:ln>
+                <a:solidFill>
+                  <a:srgbClr val="000000"/>
+                </a:solidFill>
+                <a:effectLst/>
+                <a:latin typeface="Arial Unicode MS"/>
+              </a:rPr>
+              <a:t>GameLogic</a:t>
+            </a:r>
+            <a:r>
+              <a:rPr kumimoji="0" lang="en-US" altLang="en-US" sz="1800" b="0" i="0" u="none" strike="noStrike" cap="none" normalizeH="0" baseline="0" dirty="0">
+                <a:ln>
+                  <a:noFill/>
+                </a:ln>
+                <a:solidFill>
+                  <a:srgbClr val="000000"/>
+                </a:solidFill>
+                <a:effectLst/>
+                <a:latin typeface="Arial Unicode MS"/>
+              </a:rPr>
+              <a:t> </a:t>
+            </a:r>
+            <a:r>
+              <a:rPr kumimoji="0" lang="en-US" altLang="en-US" sz="1800" b="0" i="0" u="none" strike="noStrike" cap="none" normalizeH="0" baseline="0" dirty="0">
+                <a:ln>
+                  <a:noFill/>
+                </a:ln>
+                <a:solidFill>
+                  <a:srgbClr val="080808"/>
+                </a:solidFill>
+                <a:effectLst/>
+                <a:latin typeface="Arial Unicode MS"/>
+              </a:rPr>
+              <a:t>{</a:t>
+            </a:r>
+            <a:br>
+              <a:rPr kumimoji="0" lang="en-US" altLang="en-US" sz="1800" b="0" i="0" u="none" strike="noStrike" cap="none" normalizeH="0" baseline="0" dirty="0">
+                <a:ln>
+                  <a:noFill/>
+                </a:ln>
+                <a:solidFill>
+                  <a:srgbClr val="080808"/>
+                </a:solidFill>
+                <a:effectLst/>
+                <a:latin typeface="Arial Unicode MS"/>
+              </a:rPr>
+            </a:br>
+            <a:r>
+              <a:rPr kumimoji="0" lang="en-US" altLang="en-US" sz="1800" b="0" i="0" u="none" strike="noStrike" cap="none" normalizeH="0" baseline="0" dirty="0">
+                <a:ln>
+                  <a:noFill/>
+                </a:ln>
+                <a:solidFill>
+                  <a:srgbClr val="080808"/>
+                </a:solidFill>
+                <a:effectLst/>
+                <a:latin typeface="Arial Unicode MS"/>
+              </a:rPr>
+              <a:t>    </a:t>
+            </a:r>
+            <a:r>
+              <a:rPr kumimoji="0" lang="en-US" altLang="en-US" sz="1800" b="0" i="0" u="none" strike="noStrike" cap="none" normalizeH="0" baseline="0" dirty="0">
+                <a:ln>
+                  <a:noFill/>
+                </a:ln>
+                <a:solidFill>
+                  <a:srgbClr val="0033B3"/>
+                </a:solidFill>
+                <a:effectLst/>
+                <a:latin typeface="Arial Unicode MS"/>
+              </a:rPr>
+              <a:t>data class </a:t>
+            </a:r>
+            <a:r>
+              <a:rPr kumimoji="0" lang="en-US" altLang="en-US" sz="1800" b="0" i="0" u="none" strike="noStrike" cap="none" normalizeH="0" baseline="0" dirty="0" err="1">
+                <a:ln>
+                  <a:noFill/>
+                </a:ln>
+                <a:solidFill>
+                  <a:srgbClr val="000000"/>
+                </a:solidFill>
+                <a:effectLst/>
+                <a:latin typeface="Arial Unicode MS"/>
+              </a:rPr>
+              <a:t>InfoSetup</a:t>
+            </a:r>
+            <a:r>
+              <a:rPr kumimoji="0" lang="en-US" altLang="en-US" sz="1800" b="0" i="0" u="none" strike="noStrike" cap="none" normalizeH="0" baseline="0" dirty="0">
+                <a:ln>
+                  <a:noFill/>
+                </a:ln>
+                <a:solidFill>
+                  <a:srgbClr val="080808"/>
+                </a:solidFill>
+                <a:effectLst/>
+                <a:latin typeface="Arial Unicode MS"/>
+              </a:rPr>
+              <a:t>(</a:t>
+            </a:r>
+            <a:r>
+              <a:rPr kumimoji="0" lang="en-US" altLang="en-US" sz="1800" b="0" i="0" u="none" strike="noStrike" cap="none" normalizeH="0" baseline="0" dirty="0" err="1">
+                <a:ln>
+                  <a:noFill/>
+                </a:ln>
+                <a:solidFill>
+                  <a:srgbClr val="0033B3"/>
+                </a:solidFill>
+                <a:effectLst/>
+                <a:latin typeface="Arial Unicode MS"/>
+              </a:rPr>
+              <a:t>val</a:t>
+            </a:r>
+            <a:r>
+              <a:rPr kumimoji="0" lang="en-US" altLang="en-US" sz="1800" b="0" i="0" u="none" strike="noStrike" cap="none" normalizeH="0" baseline="0" dirty="0">
+                <a:ln>
+                  <a:noFill/>
+                </a:ln>
+                <a:solidFill>
+                  <a:srgbClr val="0033B3"/>
+                </a:solidFill>
+                <a:effectLst/>
+                <a:latin typeface="Arial Unicode MS"/>
+              </a:rPr>
+              <a:t> </a:t>
+            </a:r>
+            <a:r>
+              <a:rPr kumimoji="0" lang="en-US" altLang="en-US" sz="1800" b="0" i="0" u="none" strike="noStrike" cap="none" normalizeH="0" baseline="0" dirty="0" err="1">
+                <a:ln>
+                  <a:noFill/>
+                </a:ln>
+                <a:solidFill>
+                  <a:srgbClr val="871094"/>
+                </a:solidFill>
+                <a:effectLst/>
+                <a:latin typeface="Arial Unicode MS"/>
+              </a:rPr>
+              <a:t>playerId</a:t>
+            </a:r>
+            <a:r>
+              <a:rPr kumimoji="0" lang="en-US" altLang="en-US" sz="1800" b="0" i="0" u="none" strike="noStrike" cap="none" normalizeH="0" baseline="0" dirty="0">
+                <a:ln>
+                  <a:noFill/>
+                </a:ln>
+                <a:solidFill>
+                  <a:srgbClr val="080808"/>
+                </a:solidFill>
+                <a:effectLst/>
+                <a:latin typeface="Arial Unicode MS"/>
+              </a:rPr>
+              <a:t>: </a:t>
+            </a:r>
+            <a:r>
+              <a:rPr kumimoji="0" lang="en-US" altLang="en-US" sz="1800" b="0" i="0" u="none" strike="noStrike" cap="none" normalizeH="0" baseline="0" dirty="0">
+                <a:ln>
+                  <a:noFill/>
+                </a:ln>
+                <a:solidFill>
+                  <a:srgbClr val="000000"/>
+                </a:solidFill>
+                <a:effectLst/>
+                <a:latin typeface="Arial Unicode MS"/>
+              </a:rPr>
+              <a:t>Int</a:t>
+            </a:r>
+            <a:r>
+              <a:rPr kumimoji="0" lang="en-US" altLang="en-US" sz="1800" b="0" i="0" u="none" strike="noStrike" cap="none" normalizeH="0" baseline="0" dirty="0">
+                <a:ln>
+                  <a:noFill/>
+                </a:ln>
+                <a:solidFill>
+                  <a:srgbClr val="080808"/>
+                </a:solidFill>
+                <a:effectLst/>
+                <a:latin typeface="Arial Unicode MS"/>
+              </a:rPr>
+              <a:t>,</a:t>
+            </a:r>
+            <a:r>
+              <a:rPr lang="en-US" altLang="en-US" sz="1800" dirty="0">
+                <a:solidFill>
+                  <a:srgbClr val="080808"/>
+                </a:solidFill>
+                <a:latin typeface="Arial Unicode MS"/>
+              </a:rPr>
+              <a:t> </a:t>
+            </a:r>
+            <a:r>
+              <a:rPr kumimoji="0" lang="en-US" altLang="en-US" sz="1800" b="0" i="0" u="none" strike="noStrike" cap="none" normalizeH="0" baseline="0" dirty="0" err="1">
+                <a:ln>
+                  <a:noFill/>
+                </a:ln>
+                <a:solidFill>
+                  <a:srgbClr val="0033B3"/>
+                </a:solidFill>
+                <a:effectLst/>
+                <a:latin typeface="Arial Unicode MS"/>
+              </a:rPr>
+              <a:t>val</a:t>
+            </a:r>
+            <a:r>
+              <a:rPr kumimoji="0" lang="en-US" altLang="en-US" sz="1800" b="0" i="0" u="none" strike="noStrike" cap="none" normalizeH="0" baseline="0" dirty="0">
+                <a:ln>
+                  <a:noFill/>
+                </a:ln>
+                <a:solidFill>
+                  <a:srgbClr val="0033B3"/>
+                </a:solidFill>
+                <a:effectLst/>
+                <a:latin typeface="Arial Unicode MS"/>
+              </a:rPr>
+              <a:t> </a:t>
+            </a:r>
+            <a:r>
+              <a:rPr kumimoji="0" lang="en-US" altLang="en-US" sz="1800" b="0" i="0" u="none" strike="noStrike" cap="none" normalizeH="0" baseline="0" dirty="0">
+                <a:ln>
+                  <a:noFill/>
+                </a:ln>
+                <a:solidFill>
+                  <a:srgbClr val="871094"/>
+                </a:solidFill>
+                <a:effectLst/>
+                <a:latin typeface="Arial Unicode MS"/>
+              </a:rPr>
+              <a:t>info</a:t>
+            </a:r>
+            <a:r>
+              <a:rPr kumimoji="0" lang="en-US" altLang="en-US" sz="1800" b="0" i="0" u="none" strike="noStrike" cap="none" normalizeH="0" baseline="0" dirty="0">
+                <a:ln>
+                  <a:noFill/>
+                </a:ln>
+                <a:solidFill>
+                  <a:srgbClr val="080808"/>
+                </a:solidFill>
+                <a:effectLst/>
+                <a:latin typeface="Arial Unicode MS"/>
+              </a:rPr>
+              <a:t>: </a:t>
+            </a:r>
+            <a:r>
+              <a:rPr kumimoji="0" lang="en-US" altLang="en-US" sz="1800" b="0" i="0" u="none" strike="noStrike" cap="none" normalizeH="0" baseline="0" dirty="0" err="1">
+                <a:ln>
+                  <a:noFill/>
+                </a:ln>
+                <a:solidFill>
+                  <a:srgbClr val="000000"/>
+                </a:solidFill>
+                <a:effectLst/>
+                <a:latin typeface="Arial Unicode MS"/>
+              </a:rPr>
+              <a:t>JsonNode</a:t>
+            </a:r>
+            <a:r>
+              <a:rPr kumimoji="0" lang="en-US" altLang="en-US" sz="1800" b="0" i="0" u="none" strike="noStrike" cap="none" normalizeH="0" baseline="0" dirty="0">
+                <a:ln>
+                  <a:noFill/>
+                </a:ln>
+                <a:solidFill>
+                  <a:srgbClr val="080808"/>
+                </a:solidFill>
+                <a:effectLst/>
+                <a:latin typeface="Arial Unicode MS"/>
+              </a:rPr>
+              <a:t>)</a:t>
+            </a:r>
+            <a:br>
+              <a:rPr kumimoji="0" lang="en-US" altLang="en-US" sz="1800" b="0" i="0" u="none" strike="noStrike" cap="none" normalizeH="0" baseline="0" dirty="0">
+                <a:ln>
+                  <a:noFill/>
+                </a:ln>
+                <a:solidFill>
+                  <a:srgbClr val="080808"/>
+                </a:solidFill>
+                <a:effectLst/>
+                <a:latin typeface="Arial Unicode MS"/>
+              </a:rPr>
+            </a:br>
+            <a:r>
+              <a:rPr kumimoji="0" lang="en-US" altLang="en-US" sz="1800" b="0" i="0" u="none" strike="noStrike" cap="none" normalizeH="0" baseline="0" dirty="0">
+                <a:ln>
+                  <a:noFill/>
+                </a:ln>
+                <a:solidFill>
+                  <a:srgbClr val="080808"/>
+                </a:solidFill>
+                <a:effectLst/>
+                <a:latin typeface="Arial Unicode MS"/>
+              </a:rPr>
+              <a:t>    </a:t>
+            </a:r>
+            <a:r>
+              <a:rPr kumimoji="0" lang="en-US" altLang="en-US" sz="1800" b="0" i="0" u="none" strike="noStrike" cap="none" normalizeH="0" baseline="0" dirty="0">
+                <a:ln>
+                  <a:noFill/>
+                </a:ln>
+                <a:solidFill>
+                  <a:srgbClr val="0033B3"/>
+                </a:solidFill>
+                <a:effectLst/>
+                <a:latin typeface="Arial Unicode MS"/>
+              </a:rPr>
+              <a:t>data class </a:t>
+            </a:r>
+            <a:r>
+              <a:rPr kumimoji="0" lang="en-US" altLang="en-US" sz="1800" b="0" i="0" u="none" strike="noStrike" cap="none" normalizeH="0" baseline="0" dirty="0" err="1">
+                <a:ln>
+                  <a:noFill/>
+                </a:ln>
+                <a:solidFill>
+                  <a:srgbClr val="000000"/>
+                </a:solidFill>
+                <a:effectLst/>
+                <a:latin typeface="Arial Unicode MS"/>
+              </a:rPr>
+              <a:t>InfoTurn</a:t>
+            </a:r>
+            <a:r>
+              <a:rPr kumimoji="0" lang="en-US" altLang="en-US" sz="1800" b="0" i="0" u="none" strike="noStrike" cap="none" normalizeH="0" baseline="0" dirty="0">
+                <a:ln>
+                  <a:noFill/>
+                </a:ln>
+                <a:solidFill>
+                  <a:srgbClr val="080808"/>
+                </a:solidFill>
+                <a:effectLst/>
+                <a:latin typeface="Arial Unicode MS"/>
+              </a:rPr>
+              <a:t>(</a:t>
+            </a:r>
+            <a:r>
+              <a:rPr kumimoji="0" lang="en-US" altLang="en-US" sz="1800" b="0" i="0" u="none" strike="noStrike" cap="none" normalizeH="0" baseline="0" dirty="0" err="1">
+                <a:ln>
+                  <a:noFill/>
+                </a:ln>
+                <a:solidFill>
+                  <a:srgbClr val="0033B3"/>
+                </a:solidFill>
+                <a:effectLst/>
+                <a:latin typeface="Arial Unicode MS"/>
+              </a:rPr>
+              <a:t>val</a:t>
+            </a:r>
+            <a:r>
+              <a:rPr kumimoji="0" lang="en-US" altLang="en-US" sz="1800" b="0" i="0" u="none" strike="noStrike" cap="none" normalizeH="0" baseline="0" dirty="0">
+                <a:ln>
+                  <a:noFill/>
+                </a:ln>
+                <a:solidFill>
+                  <a:srgbClr val="0033B3"/>
+                </a:solidFill>
+                <a:effectLst/>
+                <a:latin typeface="Arial Unicode MS"/>
+              </a:rPr>
+              <a:t> </a:t>
+            </a:r>
+            <a:r>
+              <a:rPr kumimoji="0" lang="en-US" altLang="en-US" sz="1800" b="0" i="0" u="none" strike="noStrike" cap="none" normalizeH="0" baseline="0" dirty="0" err="1">
+                <a:ln>
+                  <a:noFill/>
+                </a:ln>
+                <a:solidFill>
+                  <a:srgbClr val="871094"/>
+                </a:solidFill>
+                <a:effectLst/>
+                <a:latin typeface="Arial Unicode MS"/>
+              </a:rPr>
+              <a:t>playerId</a:t>
+            </a:r>
+            <a:r>
+              <a:rPr kumimoji="0" lang="en-US" altLang="en-US" sz="1800" b="0" i="0" u="none" strike="noStrike" cap="none" normalizeH="0" baseline="0" dirty="0">
+                <a:ln>
+                  <a:noFill/>
+                </a:ln>
+                <a:solidFill>
+                  <a:srgbClr val="080808"/>
+                </a:solidFill>
+                <a:effectLst/>
+                <a:latin typeface="Arial Unicode MS"/>
+              </a:rPr>
+              <a:t>: </a:t>
+            </a:r>
+            <a:r>
+              <a:rPr kumimoji="0" lang="en-US" altLang="en-US" sz="1800" b="0" i="0" u="none" strike="noStrike" cap="none" normalizeH="0" baseline="0" dirty="0">
+                <a:ln>
+                  <a:noFill/>
+                </a:ln>
+                <a:solidFill>
+                  <a:srgbClr val="000000"/>
+                </a:solidFill>
+                <a:effectLst/>
+                <a:latin typeface="Arial Unicode MS"/>
+              </a:rPr>
+              <a:t>Int</a:t>
+            </a:r>
+            <a:r>
+              <a:rPr kumimoji="0" lang="en-US" altLang="en-US" sz="1800" b="0" i="0" u="none" strike="noStrike" cap="none" normalizeH="0" baseline="0" dirty="0">
+                <a:ln>
+                  <a:noFill/>
+                </a:ln>
+                <a:solidFill>
+                  <a:srgbClr val="080808"/>
+                </a:solidFill>
+                <a:effectLst/>
+                <a:latin typeface="Arial Unicode MS"/>
+              </a:rPr>
+              <a:t>, </a:t>
+            </a:r>
+            <a:r>
+              <a:rPr kumimoji="0" lang="en-US" altLang="en-US" sz="1800" b="0" i="0" u="none" strike="noStrike" cap="none" normalizeH="0" baseline="0" dirty="0" err="1">
+                <a:ln>
+                  <a:noFill/>
+                </a:ln>
+                <a:solidFill>
+                  <a:srgbClr val="0033B3"/>
+                </a:solidFill>
+                <a:effectLst/>
+                <a:latin typeface="Arial Unicode MS"/>
+              </a:rPr>
+              <a:t>val</a:t>
+            </a:r>
+            <a:r>
+              <a:rPr kumimoji="0" lang="en-US" altLang="en-US" sz="1800" b="0" i="0" u="none" strike="noStrike" cap="none" normalizeH="0" baseline="0" dirty="0">
+                <a:ln>
+                  <a:noFill/>
+                </a:ln>
+                <a:solidFill>
+                  <a:srgbClr val="0033B3"/>
+                </a:solidFill>
+                <a:effectLst/>
+                <a:latin typeface="Arial Unicode MS"/>
+              </a:rPr>
+              <a:t> </a:t>
+            </a:r>
+            <a:r>
+              <a:rPr kumimoji="0" lang="en-US" altLang="en-US" sz="1800" b="0" i="0" u="none" strike="noStrike" cap="none" normalizeH="0" baseline="0" dirty="0">
+                <a:ln>
+                  <a:noFill/>
+                </a:ln>
+                <a:solidFill>
+                  <a:srgbClr val="871094"/>
+                </a:solidFill>
+                <a:effectLst/>
+                <a:latin typeface="Arial Unicode MS"/>
+              </a:rPr>
+              <a:t>info</a:t>
+            </a:r>
+            <a:r>
+              <a:rPr kumimoji="0" lang="en-US" altLang="en-US" sz="1800" b="0" i="0" u="none" strike="noStrike" cap="none" normalizeH="0" baseline="0" dirty="0">
+                <a:ln>
+                  <a:noFill/>
+                </a:ln>
+                <a:solidFill>
+                  <a:srgbClr val="080808"/>
+                </a:solidFill>
+                <a:effectLst/>
+                <a:latin typeface="Arial Unicode MS"/>
+              </a:rPr>
+              <a:t>: </a:t>
+            </a:r>
+            <a:r>
+              <a:rPr kumimoji="0" lang="en-US" altLang="en-US" sz="1800" b="0" i="0" u="none" strike="noStrike" cap="none" normalizeH="0" baseline="0" dirty="0" err="1">
+                <a:ln>
+                  <a:noFill/>
+                </a:ln>
+                <a:solidFill>
+                  <a:srgbClr val="000000"/>
+                </a:solidFill>
+                <a:effectLst/>
+                <a:latin typeface="Arial Unicode MS"/>
+              </a:rPr>
+              <a:t>JsonNode</a:t>
+            </a:r>
+            <a:r>
+              <a:rPr kumimoji="0" lang="en-US" altLang="en-US" sz="1800" b="0" i="0" u="none" strike="noStrike" cap="none" normalizeH="0" baseline="0" dirty="0">
+                <a:ln>
+                  <a:noFill/>
+                </a:ln>
+                <a:solidFill>
+                  <a:srgbClr val="080808"/>
+                </a:solidFill>
+                <a:effectLst/>
+                <a:latin typeface="Arial Unicode MS"/>
+              </a:rPr>
+              <a:t>)</a:t>
+            </a:r>
+            <a:br>
+              <a:rPr kumimoji="0" lang="en-US" altLang="en-US" sz="1800" b="0" i="0" u="none" strike="noStrike" cap="none" normalizeH="0" baseline="0" dirty="0">
+                <a:ln>
+                  <a:noFill/>
+                </a:ln>
+                <a:solidFill>
+                  <a:srgbClr val="080808"/>
+                </a:solidFill>
+                <a:effectLst/>
+                <a:latin typeface="Arial Unicode MS"/>
+              </a:rPr>
+            </a:br>
+            <a:r>
+              <a:rPr kumimoji="0" lang="en-US" altLang="en-US" sz="1800" b="0" i="0" u="none" strike="noStrike" cap="none" normalizeH="0" baseline="0" dirty="0">
+                <a:ln>
+                  <a:noFill/>
+                </a:ln>
+                <a:solidFill>
+                  <a:srgbClr val="080808"/>
+                </a:solidFill>
+                <a:effectLst/>
+                <a:latin typeface="Arial Unicode MS"/>
+              </a:rPr>
+              <a:t>    </a:t>
+            </a:r>
+            <a:r>
+              <a:rPr kumimoji="0" lang="en-US" altLang="en-US" sz="1800" b="0" i="0" u="none" strike="noStrike" cap="none" normalizeH="0" baseline="0" dirty="0">
+                <a:ln>
+                  <a:noFill/>
+                </a:ln>
+                <a:solidFill>
+                  <a:srgbClr val="0033B3"/>
+                </a:solidFill>
+                <a:effectLst/>
+                <a:latin typeface="Arial Unicode MS"/>
+              </a:rPr>
+              <a:t>data class </a:t>
+            </a:r>
+            <a:r>
+              <a:rPr kumimoji="0" lang="en-US" altLang="en-US" sz="1800" b="0" i="0" u="none" strike="noStrike" cap="none" normalizeH="0" baseline="0" dirty="0" err="1">
+                <a:ln>
+                  <a:noFill/>
+                </a:ln>
+                <a:solidFill>
+                  <a:srgbClr val="000000"/>
+                </a:solidFill>
+                <a:effectLst/>
+                <a:latin typeface="Arial Unicode MS"/>
+              </a:rPr>
+              <a:t>UpdateInfo</a:t>
+            </a:r>
+            <a:r>
+              <a:rPr kumimoji="0" lang="en-US" altLang="en-US" sz="1800" b="0" i="0" u="none" strike="noStrike" cap="none" normalizeH="0" baseline="0" dirty="0">
+                <a:ln>
+                  <a:noFill/>
+                </a:ln>
+                <a:solidFill>
+                  <a:srgbClr val="080808"/>
+                </a:solidFill>
+                <a:effectLst/>
+                <a:latin typeface="Arial Unicode MS"/>
+              </a:rPr>
+              <a:t>(</a:t>
+            </a:r>
+            <a:r>
+              <a:rPr kumimoji="0" lang="en-US" altLang="en-US" sz="1800" b="0" i="0" u="none" strike="noStrike" cap="none" normalizeH="0" baseline="0" dirty="0" err="1">
+                <a:ln>
+                  <a:noFill/>
+                </a:ln>
+                <a:solidFill>
+                  <a:srgbClr val="0033B3"/>
+                </a:solidFill>
+                <a:effectLst/>
+                <a:latin typeface="Arial Unicode MS"/>
+              </a:rPr>
+              <a:t>val</a:t>
+            </a:r>
+            <a:r>
+              <a:rPr kumimoji="0" lang="en-US" altLang="en-US" sz="1800" b="0" i="0" u="none" strike="noStrike" cap="none" normalizeH="0" baseline="0" dirty="0">
+                <a:ln>
+                  <a:noFill/>
+                </a:ln>
+                <a:solidFill>
+                  <a:srgbClr val="0033B3"/>
+                </a:solidFill>
+                <a:effectLst/>
+                <a:latin typeface="Arial Unicode MS"/>
+              </a:rPr>
+              <a:t> </a:t>
+            </a:r>
+            <a:r>
+              <a:rPr kumimoji="0" lang="en-US" altLang="en-US" sz="1800" b="0" i="0" u="none" strike="noStrike" cap="none" normalizeH="0" baseline="0" dirty="0">
+                <a:ln>
+                  <a:noFill/>
+                </a:ln>
+                <a:solidFill>
+                  <a:srgbClr val="871094"/>
+                </a:solidFill>
+                <a:effectLst/>
+                <a:latin typeface="Arial Unicode MS"/>
+              </a:rPr>
+              <a:t>error</a:t>
+            </a:r>
+            <a:r>
+              <a:rPr kumimoji="0" lang="en-US" altLang="en-US" sz="1800" b="0" i="0" u="none" strike="noStrike" cap="none" normalizeH="0" baseline="0" dirty="0">
+                <a:ln>
+                  <a:noFill/>
+                </a:ln>
+                <a:solidFill>
+                  <a:srgbClr val="080808"/>
+                </a:solidFill>
+                <a:effectLst/>
+                <a:latin typeface="Arial Unicode MS"/>
+              </a:rPr>
+              <a:t>: </a:t>
+            </a:r>
+            <a:r>
+              <a:rPr kumimoji="0" lang="en-US" altLang="en-US" sz="1800" b="0" i="0" u="none" strike="noStrike" cap="none" normalizeH="0" baseline="0" dirty="0">
+                <a:ln>
+                  <a:noFill/>
+                </a:ln>
+                <a:solidFill>
+                  <a:srgbClr val="000000"/>
+                </a:solidFill>
+                <a:effectLst/>
+                <a:latin typeface="Arial Unicode MS"/>
+              </a:rPr>
+              <a:t>Boolean</a:t>
+            </a:r>
+            <a:r>
+              <a:rPr kumimoji="0" lang="en-US" altLang="en-US" sz="1800" b="0" i="0" u="none" strike="noStrike" cap="none" normalizeH="0" baseline="0" dirty="0">
+                <a:ln>
+                  <a:noFill/>
+                </a:ln>
+                <a:solidFill>
+                  <a:srgbClr val="080808"/>
+                </a:solidFill>
+                <a:effectLst/>
+                <a:latin typeface="Arial Unicode MS"/>
+              </a:rPr>
+              <a:t>, </a:t>
+            </a:r>
+            <a:r>
+              <a:rPr kumimoji="0" lang="en-US" altLang="en-US" sz="1800" b="0" i="0" u="none" strike="noStrike" cap="none" normalizeH="0" baseline="0" dirty="0" err="1">
+                <a:ln>
+                  <a:noFill/>
+                </a:ln>
+                <a:solidFill>
+                  <a:srgbClr val="0033B3"/>
+                </a:solidFill>
+                <a:effectLst/>
+                <a:latin typeface="Arial Unicode MS"/>
+              </a:rPr>
+              <a:t>val</a:t>
+            </a:r>
+            <a:r>
+              <a:rPr kumimoji="0" lang="en-US" altLang="en-US" sz="1800" b="0" i="0" u="none" strike="noStrike" cap="none" normalizeH="0" baseline="0" dirty="0">
+                <a:ln>
+                  <a:noFill/>
+                </a:ln>
+                <a:solidFill>
+                  <a:srgbClr val="0033B3"/>
+                </a:solidFill>
+                <a:effectLst/>
+                <a:latin typeface="Arial Unicode MS"/>
+              </a:rPr>
+              <a:t> </a:t>
+            </a:r>
+            <a:r>
+              <a:rPr kumimoji="0" lang="en-US" altLang="en-US" sz="1800" b="0" i="0" u="none" strike="noStrike" cap="none" normalizeH="0" baseline="0" dirty="0">
+                <a:ln>
+                  <a:noFill/>
+                </a:ln>
+                <a:solidFill>
+                  <a:srgbClr val="871094"/>
+                </a:solidFill>
+                <a:effectLst/>
+                <a:latin typeface="Arial Unicode MS"/>
+              </a:rPr>
+              <a:t>message</a:t>
+            </a:r>
+            <a:r>
+              <a:rPr kumimoji="0" lang="en-US" altLang="en-US" sz="1800" b="0" i="0" u="none" strike="noStrike" cap="none" normalizeH="0" baseline="0" dirty="0">
+                <a:ln>
+                  <a:noFill/>
+                </a:ln>
+                <a:solidFill>
+                  <a:srgbClr val="080808"/>
+                </a:solidFill>
+                <a:effectLst/>
+                <a:latin typeface="Arial Unicode MS"/>
+              </a:rPr>
+              <a:t>: </a:t>
+            </a:r>
+            <a:r>
+              <a:rPr kumimoji="0" lang="en-US" altLang="en-US" sz="1800" b="0" i="0" u="none" strike="noStrike" cap="none" normalizeH="0" baseline="0" dirty="0">
+                <a:ln>
+                  <a:noFill/>
+                </a:ln>
+                <a:solidFill>
+                  <a:srgbClr val="000000"/>
+                </a:solidFill>
+                <a:effectLst/>
+                <a:latin typeface="Arial Unicode MS"/>
+              </a:rPr>
+              <a:t>String</a:t>
+            </a:r>
+            <a:r>
+              <a:rPr kumimoji="0" lang="en-US" altLang="en-US" sz="1800" b="0" i="0" u="none" strike="noStrike" cap="none" normalizeH="0" baseline="0" dirty="0">
+                <a:ln>
+                  <a:noFill/>
+                </a:ln>
+                <a:solidFill>
+                  <a:srgbClr val="080808"/>
+                </a:solidFill>
+                <a:effectLst/>
+                <a:latin typeface="Arial Unicode MS"/>
+              </a:rPr>
+              <a:t>,</a:t>
+            </a:r>
+            <a:r>
+              <a:rPr lang="en-US" altLang="en-US" sz="1800" dirty="0">
+                <a:solidFill>
+                  <a:srgbClr val="080808"/>
+                </a:solidFill>
+                <a:latin typeface="Arial Unicode MS"/>
+              </a:rPr>
+              <a:t> </a:t>
+            </a:r>
+            <a:r>
+              <a:rPr kumimoji="0" lang="en-US" altLang="en-US" sz="1800" b="0" i="0" u="none" strike="noStrike" cap="none" normalizeH="0" baseline="0" dirty="0" err="1">
+                <a:ln>
+                  <a:noFill/>
+                </a:ln>
+                <a:solidFill>
+                  <a:srgbClr val="0033B3"/>
+                </a:solidFill>
+                <a:effectLst/>
+                <a:latin typeface="Arial Unicode MS"/>
+              </a:rPr>
+              <a:t>val</a:t>
+            </a:r>
+            <a:r>
+              <a:rPr kumimoji="0" lang="en-US" altLang="en-US" sz="1800" b="0" i="0" u="none" strike="noStrike" cap="none" normalizeH="0" baseline="0" dirty="0">
+                <a:ln>
+                  <a:noFill/>
+                </a:ln>
+                <a:solidFill>
+                  <a:srgbClr val="0033B3"/>
+                </a:solidFill>
+                <a:effectLst/>
+                <a:latin typeface="Arial Unicode MS"/>
+              </a:rPr>
+              <a:t> </a:t>
+            </a:r>
+            <a:r>
+              <a:rPr kumimoji="0" lang="en-US" altLang="en-US" sz="1800" b="0" i="0" u="none" strike="noStrike" cap="none" normalizeH="0" baseline="0" dirty="0">
+                <a:ln>
+                  <a:noFill/>
+                </a:ln>
+                <a:solidFill>
+                  <a:srgbClr val="871094"/>
+                </a:solidFill>
+                <a:effectLst/>
+                <a:latin typeface="Arial Unicode MS"/>
+              </a:rPr>
+              <a:t>match</a:t>
+            </a:r>
+            <a:r>
+              <a:rPr kumimoji="0" lang="en-US" altLang="en-US" sz="1800" b="0" i="0" u="none" strike="noStrike" cap="none" normalizeH="0" baseline="0" dirty="0">
+                <a:ln>
+                  <a:noFill/>
+                </a:ln>
+                <a:solidFill>
+                  <a:srgbClr val="080808"/>
+                </a:solidFill>
+                <a:effectLst/>
+                <a:latin typeface="Arial Unicode MS"/>
+              </a:rPr>
+              <a:t>: </a:t>
+            </a:r>
+            <a:r>
+              <a:rPr kumimoji="0" lang="en-US" altLang="en-US" sz="1800" b="0" i="0" u="none" strike="noStrike" cap="none" normalizeH="0" baseline="0" dirty="0">
+                <a:ln>
+                  <a:noFill/>
+                </a:ln>
+                <a:solidFill>
+                  <a:srgbClr val="000000"/>
+                </a:solidFill>
+                <a:effectLst/>
+                <a:latin typeface="Arial Unicode MS"/>
+              </a:rPr>
+              <a:t>Match</a:t>
+            </a:r>
+            <a:r>
+              <a:rPr kumimoji="0" lang="en-US" altLang="en-US" sz="1800" b="0" i="0" u="none" strike="noStrike" cap="none" normalizeH="0" baseline="0" dirty="0">
+                <a:ln>
+                  <a:noFill/>
+                </a:ln>
+                <a:solidFill>
+                  <a:srgbClr val="080808"/>
+                </a:solidFill>
+                <a:effectLst/>
+                <a:latin typeface="Arial Unicode MS"/>
+              </a:rPr>
+              <a:t>?)</a:t>
+            </a:r>
+            <a:br>
+              <a:rPr kumimoji="0" lang="en-US" altLang="en-US" sz="1800" b="0" i="0" u="none" strike="noStrike" cap="none" normalizeH="0" baseline="0" dirty="0">
+                <a:ln>
+                  <a:noFill/>
+                </a:ln>
+                <a:solidFill>
+                  <a:srgbClr val="080808"/>
+                </a:solidFill>
+                <a:effectLst/>
+                <a:latin typeface="Arial Unicode MS"/>
+              </a:rPr>
+            </a:br>
+            <a:br>
+              <a:rPr lang="en-US" altLang="en-US" sz="1800" dirty="0">
+                <a:solidFill>
+                  <a:srgbClr val="000000"/>
+                </a:solidFill>
+                <a:latin typeface="Arial Unicode MS"/>
+              </a:rPr>
+            </a:br>
+            <a:r>
+              <a:rPr lang="en-US" altLang="en-US" sz="1800" dirty="0">
+                <a:solidFill>
+                  <a:srgbClr val="000000"/>
+                </a:solidFill>
+                <a:latin typeface="Arial Unicode MS"/>
+              </a:rPr>
+              <a:t>    </a:t>
+            </a:r>
+            <a:r>
+              <a:rPr lang="en-US" altLang="en-US" sz="1800" dirty="0">
+                <a:solidFill>
+                  <a:srgbClr val="0033B3"/>
+                </a:solidFill>
+                <a:latin typeface="Arial Unicode MS"/>
+              </a:rPr>
+              <a:t>fun </a:t>
+            </a:r>
+            <a:r>
+              <a:rPr lang="en-US" altLang="en-US" sz="1800" dirty="0" err="1">
+                <a:solidFill>
+                  <a:srgbClr val="00627A"/>
+                </a:solidFill>
+                <a:latin typeface="Arial Unicode MS"/>
+              </a:rPr>
+              <a:t>getGameInfo</a:t>
+            </a:r>
+            <a:r>
+              <a:rPr lang="en-US" altLang="en-US" sz="1800" dirty="0">
+                <a:solidFill>
+                  <a:srgbClr val="080808"/>
+                </a:solidFill>
+                <a:latin typeface="Arial Unicode MS"/>
+              </a:rPr>
+              <a:t>(): </a:t>
+            </a:r>
+            <a:r>
+              <a:rPr lang="en-US" altLang="en-US" sz="1800" dirty="0">
+                <a:solidFill>
+                  <a:srgbClr val="000000"/>
+                </a:solidFill>
+                <a:latin typeface="Arial Unicode MS"/>
+              </a:rPr>
+              <a:t>Game</a:t>
+            </a:r>
+          </a:p>
+          <a:p>
+            <a:pPr marL="0" lvl="0" indent="0" eaLnBrk="0" fontAlgn="base" hangingPunct="0">
+              <a:lnSpc>
+                <a:spcPct val="100000"/>
+              </a:lnSpc>
+              <a:spcBef>
+                <a:spcPct val="0"/>
+              </a:spcBef>
+              <a:spcAft>
+                <a:spcPct val="0"/>
+              </a:spcAft>
+              <a:buNone/>
+            </a:pPr>
+            <a:endParaRPr kumimoji="0" lang="en-US" altLang="en-US" sz="1800" b="0" i="0" u="none" strike="noStrike" cap="none" normalizeH="0" baseline="0" dirty="0">
+              <a:ln>
+                <a:noFill/>
+              </a:ln>
+              <a:solidFill>
+                <a:srgbClr val="080808"/>
+              </a:solidFill>
+              <a:effectLst/>
+              <a:latin typeface="Arial Unicode MS"/>
+            </a:endParaRPr>
+          </a:p>
+          <a:p>
+            <a:pPr marL="0" marR="0" lvl="0" indent="0" algn="l" defTabSz="914400" rtl="0" eaLnBrk="0" fontAlgn="base" latinLnBrk="0" hangingPunct="0">
+              <a:lnSpc>
+                <a:spcPct val="100000"/>
+              </a:lnSpc>
+              <a:spcBef>
+                <a:spcPct val="0"/>
+              </a:spcBef>
+              <a:spcAft>
+                <a:spcPct val="0"/>
+              </a:spcAft>
+              <a:buClrTx/>
+              <a:buSzTx/>
+              <a:buFontTx/>
+              <a:buNone/>
+              <a:tabLst/>
+            </a:pPr>
+            <a:r>
+              <a:rPr kumimoji="0" lang="en-US" altLang="en-US" sz="1800" b="0" i="0" u="none" strike="noStrike" cap="none" normalizeH="0" baseline="0" dirty="0">
+                <a:ln>
+                  <a:noFill/>
+                </a:ln>
+                <a:solidFill>
+                  <a:srgbClr val="080808"/>
+                </a:solidFill>
+                <a:effectLst/>
+                <a:latin typeface="Arial Unicode MS"/>
+              </a:rPr>
+              <a:t>    </a:t>
+            </a:r>
+            <a:r>
+              <a:rPr kumimoji="0" lang="en-US" altLang="en-US" sz="1800" b="0" i="0" u="none" strike="noStrike" cap="none" normalizeH="0" baseline="0" dirty="0">
+                <a:ln>
+                  <a:noFill/>
+                </a:ln>
+                <a:solidFill>
+                  <a:srgbClr val="0033B3"/>
+                </a:solidFill>
+                <a:effectLst/>
+                <a:latin typeface="Arial Unicode MS"/>
+              </a:rPr>
+              <a:t>fun </a:t>
+            </a:r>
+            <a:r>
+              <a:rPr kumimoji="0" lang="en-US" altLang="en-US" sz="1800" b="0" i="0" u="none" strike="noStrike" cap="none" normalizeH="0" baseline="0" dirty="0">
+                <a:ln>
+                  <a:noFill/>
+                </a:ln>
+                <a:solidFill>
+                  <a:srgbClr val="00627A"/>
+                </a:solidFill>
+                <a:effectLst/>
+                <a:latin typeface="Arial Unicode MS"/>
+              </a:rPr>
+              <a:t>create</a:t>
+            </a:r>
+            <a:r>
+              <a:rPr kumimoji="0" lang="en-US" altLang="en-US" sz="1800" b="0" i="0" u="none" strike="noStrike" cap="none" normalizeH="0" baseline="0" dirty="0">
+                <a:ln>
+                  <a:noFill/>
+                </a:ln>
+                <a:solidFill>
+                  <a:srgbClr val="080808"/>
+                </a:solidFill>
+                <a:effectLst/>
+                <a:latin typeface="Arial Unicode MS"/>
+              </a:rPr>
+              <a:t>(users: </a:t>
+            </a:r>
+            <a:r>
+              <a:rPr kumimoji="0" lang="en-US" altLang="en-US" sz="1800" b="0" i="0" u="none" strike="noStrike" cap="none" normalizeH="0" baseline="0" dirty="0">
+                <a:ln>
+                  <a:noFill/>
+                </a:ln>
+                <a:solidFill>
+                  <a:srgbClr val="000000"/>
+                </a:solidFill>
+                <a:effectLst/>
+                <a:latin typeface="Arial Unicode MS"/>
+              </a:rPr>
+              <a:t>List</a:t>
+            </a:r>
+            <a:r>
+              <a:rPr kumimoji="0" lang="en-US" altLang="en-US" sz="1800" b="0" i="0" u="none" strike="noStrike" cap="none" normalizeH="0" baseline="0" dirty="0">
+                <a:ln>
+                  <a:noFill/>
+                </a:ln>
+                <a:solidFill>
+                  <a:srgbClr val="080808"/>
+                </a:solidFill>
+                <a:effectLst/>
+                <a:latin typeface="Arial Unicode MS"/>
+              </a:rPr>
+              <a:t>&lt;</a:t>
+            </a:r>
+            <a:r>
+              <a:rPr kumimoji="0" lang="en-US" altLang="en-US" sz="1800" b="0" i="0" u="none" strike="noStrike" cap="none" normalizeH="0" baseline="0" dirty="0">
+                <a:ln>
+                  <a:noFill/>
+                </a:ln>
+                <a:solidFill>
+                  <a:srgbClr val="000000"/>
+                </a:solidFill>
+                <a:effectLst/>
+                <a:latin typeface="Arial Unicode MS"/>
+              </a:rPr>
+              <a:t>Int</a:t>
+            </a:r>
+            <a:r>
+              <a:rPr kumimoji="0" lang="en-US" altLang="en-US" sz="1800" b="0" i="0" u="none" strike="noStrike" cap="none" normalizeH="0" baseline="0" dirty="0">
+                <a:ln>
+                  <a:noFill/>
+                </a:ln>
+                <a:solidFill>
+                  <a:srgbClr val="080808"/>
+                </a:solidFill>
+                <a:effectLst/>
+                <a:latin typeface="Arial Unicode MS"/>
+              </a:rPr>
+              <a:t>&gt;): </a:t>
+            </a:r>
+            <a:r>
+              <a:rPr kumimoji="0" lang="en-US" altLang="en-US" sz="1800" b="0" i="0" u="none" strike="noStrike" cap="none" normalizeH="0" baseline="0" dirty="0">
+                <a:ln>
+                  <a:noFill/>
+                </a:ln>
+                <a:solidFill>
+                  <a:srgbClr val="000000"/>
+                </a:solidFill>
+                <a:effectLst/>
+                <a:latin typeface="Arial Unicode MS"/>
+              </a:rPr>
+              <a:t>Match</a:t>
+            </a:r>
+            <a:br>
+              <a:rPr kumimoji="0" lang="en-US" altLang="en-US" sz="1800" b="0" i="0" u="none" strike="noStrike" cap="none" normalizeH="0" baseline="0" dirty="0">
+                <a:ln>
+                  <a:noFill/>
+                </a:ln>
+                <a:solidFill>
+                  <a:srgbClr val="000000"/>
+                </a:solidFill>
+                <a:effectLst/>
+                <a:latin typeface="Arial Unicode MS"/>
+              </a:rPr>
+            </a:br>
+            <a:r>
+              <a:rPr kumimoji="0" lang="en-US" altLang="en-US" sz="1800" b="0" i="0" u="none" strike="noStrike" cap="none" normalizeH="0" baseline="0" dirty="0">
+                <a:ln>
+                  <a:noFill/>
+                </a:ln>
+                <a:solidFill>
+                  <a:srgbClr val="000000"/>
+                </a:solidFill>
+                <a:effectLst/>
+                <a:latin typeface="Arial Unicode MS"/>
+              </a:rPr>
+              <a:t>    </a:t>
+            </a:r>
+            <a:r>
+              <a:rPr kumimoji="0" lang="en-US" altLang="en-US" sz="1800" b="0" i="0" u="none" strike="noStrike" cap="none" normalizeH="0" baseline="0" dirty="0">
+                <a:ln>
+                  <a:noFill/>
+                </a:ln>
+                <a:solidFill>
+                  <a:srgbClr val="0033B3"/>
+                </a:solidFill>
+                <a:effectLst/>
+                <a:latin typeface="Arial Unicode MS"/>
+              </a:rPr>
+              <a:t>fun </a:t>
+            </a:r>
+            <a:r>
+              <a:rPr kumimoji="0" lang="en-US" altLang="en-US" sz="1800" b="0" i="0" u="none" strike="noStrike" cap="none" normalizeH="0" baseline="0" dirty="0">
+                <a:ln>
+                  <a:noFill/>
+                </a:ln>
+                <a:solidFill>
+                  <a:srgbClr val="00627A"/>
+                </a:solidFill>
+                <a:effectLst/>
+                <a:latin typeface="Arial Unicode MS"/>
+              </a:rPr>
+              <a:t>setup</a:t>
+            </a:r>
+            <a:r>
+              <a:rPr kumimoji="0" lang="en-US" altLang="en-US" sz="1800" b="0" i="0" u="none" strike="noStrike" cap="none" normalizeH="0" baseline="0" dirty="0">
+                <a:ln>
+                  <a:noFill/>
+                </a:ln>
+                <a:solidFill>
+                  <a:srgbClr val="080808"/>
+                </a:solidFill>
+                <a:effectLst/>
+                <a:latin typeface="Arial Unicode MS"/>
+              </a:rPr>
+              <a:t>(match: </a:t>
+            </a:r>
+            <a:r>
+              <a:rPr kumimoji="0" lang="en-US" altLang="en-US" sz="1800" b="0" i="0" u="none" strike="noStrike" cap="none" normalizeH="0" baseline="0" dirty="0">
+                <a:ln>
+                  <a:noFill/>
+                </a:ln>
+                <a:solidFill>
+                  <a:srgbClr val="000000"/>
+                </a:solidFill>
+                <a:effectLst/>
+                <a:latin typeface="Arial Unicode MS"/>
+              </a:rPr>
+              <a:t>Match</a:t>
+            </a:r>
+            <a:r>
+              <a:rPr kumimoji="0" lang="en-US" altLang="en-US" sz="1800" b="0" i="0" u="none" strike="noStrike" cap="none" normalizeH="0" baseline="0" dirty="0">
+                <a:ln>
+                  <a:noFill/>
+                </a:ln>
+                <a:solidFill>
+                  <a:srgbClr val="080808"/>
+                </a:solidFill>
+                <a:effectLst/>
+                <a:latin typeface="Arial Unicode MS"/>
+              </a:rPr>
+              <a:t>, </a:t>
+            </a:r>
+            <a:r>
+              <a:rPr kumimoji="0" lang="en-US" altLang="en-US" sz="1800" b="0" i="0" u="none" strike="noStrike" cap="none" normalizeH="0" baseline="0" dirty="0" err="1">
+                <a:ln>
+                  <a:noFill/>
+                </a:ln>
+                <a:solidFill>
+                  <a:srgbClr val="080808"/>
+                </a:solidFill>
+                <a:effectLst/>
+                <a:latin typeface="Arial Unicode MS"/>
+              </a:rPr>
+              <a:t>infoSetup</a:t>
+            </a:r>
+            <a:r>
+              <a:rPr kumimoji="0" lang="en-US" altLang="en-US" sz="1800" b="0" i="0" u="none" strike="noStrike" cap="none" normalizeH="0" baseline="0" dirty="0">
+                <a:ln>
+                  <a:noFill/>
+                </a:ln>
+                <a:solidFill>
+                  <a:srgbClr val="080808"/>
+                </a:solidFill>
+                <a:effectLst/>
+                <a:latin typeface="Arial Unicode MS"/>
+              </a:rPr>
+              <a:t>: </a:t>
+            </a:r>
+            <a:r>
+              <a:rPr kumimoji="0" lang="en-US" altLang="en-US" sz="1800" b="0" i="0" u="none" strike="noStrike" cap="none" normalizeH="0" baseline="0" dirty="0" err="1">
+                <a:ln>
+                  <a:noFill/>
+                </a:ln>
+                <a:solidFill>
+                  <a:srgbClr val="000000"/>
+                </a:solidFill>
+                <a:effectLst/>
+                <a:latin typeface="Arial Unicode MS"/>
+              </a:rPr>
+              <a:t>InfoSetup</a:t>
+            </a:r>
+            <a:r>
+              <a:rPr kumimoji="0" lang="en-US" altLang="en-US" sz="1800" b="0" i="0" u="none" strike="noStrike" cap="none" normalizeH="0" baseline="0" dirty="0">
+                <a:ln>
+                  <a:noFill/>
+                </a:ln>
+                <a:solidFill>
+                  <a:srgbClr val="080808"/>
+                </a:solidFill>
+                <a:effectLst/>
+                <a:latin typeface="Arial Unicode MS"/>
+              </a:rPr>
+              <a:t>): </a:t>
+            </a:r>
+            <a:r>
+              <a:rPr kumimoji="0" lang="en-US" altLang="en-US" sz="1800" b="0" i="0" u="none" strike="noStrike" cap="none" normalizeH="0" baseline="0" dirty="0" err="1">
+                <a:ln>
+                  <a:noFill/>
+                </a:ln>
+                <a:solidFill>
+                  <a:srgbClr val="000000"/>
+                </a:solidFill>
+                <a:effectLst/>
+                <a:latin typeface="Arial Unicode MS"/>
+              </a:rPr>
+              <a:t>UpdateInfo</a:t>
+            </a:r>
+            <a:br>
+              <a:rPr kumimoji="0" lang="en-US" altLang="en-US" sz="1800" b="0" i="0" u="none" strike="noStrike" cap="none" normalizeH="0" baseline="0" dirty="0">
+                <a:ln>
+                  <a:noFill/>
+                </a:ln>
+                <a:solidFill>
+                  <a:srgbClr val="000000"/>
+                </a:solidFill>
+                <a:effectLst/>
+                <a:latin typeface="Arial Unicode MS"/>
+              </a:rPr>
+            </a:br>
+            <a:r>
+              <a:rPr kumimoji="0" lang="en-US" altLang="en-US" sz="1800" b="0" i="0" u="none" strike="noStrike" cap="none" normalizeH="0" baseline="0" dirty="0">
+                <a:ln>
+                  <a:noFill/>
+                </a:ln>
+                <a:solidFill>
+                  <a:srgbClr val="000000"/>
+                </a:solidFill>
+                <a:effectLst/>
+                <a:latin typeface="Arial Unicode MS"/>
+              </a:rPr>
+              <a:t>    </a:t>
+            </a:r>
+            <a:r>
+              <a:rPr kumimoji="0" lang="en-US" altLang="en-US" sz="1800" b="0" i="0" u="none" strike="noStrike" cap="none" normalizeH="0" baseline="0" dirty="0">
+                <a:ln>
+                  <a:noFill/>
+                </a:ln>
+                <a:solidFill>
+                  <a:srgbClr val="0033B3"/>
+                </a:solidFill>
+                <a:effectLst/>
+                <a:latin typeface="Arial Unicode MS"/>
+              </a:rPr>
+              <a:t>fun </a:t>
+            </a:r>
+            <a:r>
+              <a:rPr kumimoji="0" lang="en-US" altLang="en-US" sz="1800" b="0" i="0" u="none" strike="noStrike" cap="none" normalizeH="0" baseline="0" dirty="0" err="1">
+                <a:ln>
+                  <a:noFill/>
+                </a:ln>
+                <a:solidFill>
+                  <a:srgbClr val="00627A"/>
+                </a:solidFill>
+                <a:effectLst/>
+                <a:latin typeface="Arial Unicode MS"/>
+              </a:rPr>
+              <a:t>doTurn</a:t>
+            </a:r>
+            <a:r>
+              <a:rPr kumimoji="0" lang="en-US" altLang="en-US" sz="1800" b="0" i="0" u="none" strike="noStrike" cap="none" normalizeH="0" baseline="0" dirty="0">
+                <a:ln>
+                  <a:noFill/>
+                </a:ln>
+                <a:solidFill>
+                  <a:srgbClr val="080808"/>
+                </a:solidFill>
+                <a:effectLst/>
+                <a:latin typeface="Arial Unicode MS"/>
+              </a:rPr>
+              <a:t>(match: </a:t>
+            </a:r>
+            <a:r>
+              <a:rPr kumimoji="0" lang="en-US" altLang="en-US" sz="1800" b="0" i="0" u="none" strike="noStrike" cap="none" normalizeH="0" baseline="0" dirty="0">
+                <a:ln>
+                  <a:noFill/>
+                </a:ln>
+                <a:solidFill>
+                  <a:srgbClr val="000000"/>
+                </a:solidFill>
+                <a:effectLst/>
+                <a:latin typeface="Arial Unicode MS"/>
+              </a:rPr>
+              <a:t>Match</a:t>
+            </a:r>
+            <a:r>
+              <a:rPr kumimoji="0" lang="en-US" altLang="en-US" sz="1800" b="0" i="0" u="none" strike="noStrike" cap="none" normalizeH="0" baseline="0" dirty="0">
+                <a:ln>
+                  <a:noFill/>
+                </a:ln>
+                <a:solidFill>
+                  <a:srgbClr val="080808"/>
+                </a:solidFill>
+                <a:effectLst/>
+                <a:latin typeface="Arial Unicode MS"/>
+              </a:rPr>
+              <a:t>, </a:t>
+            </a:r>
+            <a:r>
+              <a:rPr kumimoji="0" lang="en-US" altLang="en-US" sz="1800" b="0" i="0" u="none" strike="noStrike" cap="none" normalizeH="0" baseline="0" dirty="0" err="1">
+                <a:ln>
+                  <a:noFill/>
+                </a:ln>
+                <a:solidFill>
+                  <a:srgbClr val="080808"/>
+                </a:solidFill>
+                <a:effectLst/>
+                <a:latin typeface="Arial Unicode MS"/>
+              </a:rPr>
+              <a:t>infoTurn</a:t>
+            </a:r>
+            <a:r>
+              <a:rPr kumimoji="0" lang="en-US" altLang="en-US" sz="1800" b="0" i="0" u="none" strike="noStrike" cap="none" normalizeH="0" baseline="0" dirty="0">
+                <a:ln>
+                  <a:noFill/>
+                </a:ln>
+                <a:solidFill>
+                  <a:srgbClr val="080808"/>
+                </a:solidFill>
+                <a:effectLst/>
+                <a:latin typeface="Arial Unicode MS"/>
+              </a:rPr>
+              <a:t>: </a:t>
+            </a:r>
+            <a:r>
+              <a:rPr kumimoji="0" lang="en-US" altLang="en-US" sz="1800" b="0" i="0" u="none" strike="noStrike" cap="none" normalizeH="0" baseline="0" dirty="0" err="1">
+                <a:ln>
+                  <a:noFill/>
+                </a:ln>
+                <a:solidFill>
+                  <a:srgbClr val="000000"/>
+                </a:solidFill>
+                <a:effectLst/>
+                <a:latin typeface="Arial Unicode MS"/>
+              </a:rPr>
+              <a:t>InfoTurn</a:t>
+            </a:r>
+            <a:r>
+              <a:rPr kumimoji="0" lang="en-US" altLang="en-US" sz="1800" b="0" i="0" u="none" strike="noStrike" cap="none" normalizeH="0" baseline="0" dirty="0">
+                <a:ln>
+                  <a:noFill/>
+                </a:ln>
+                <a:solidFill>
+                  <a:srgbClr val="080808"/>
+                </a:solidFill>
+                <a:effectLst/>
+                <a:latin typeface="Arial Unicode MS"/>
+              </a:rPr>
+              <a:t>): </a:t>
+            </a:r>
+            <a:r>
+              <a:rPr kumimoji="0" lang="en-US" altLang="en-US" sz="1800" b="0" i="0" u="none" strike="noStrike" cap="none" normalizeH="0" baseline="0" dirty="0" err="1">
+                <a:ln>
+                  <a:noFill/>
+                </a:ln>
+                <a:solidFill>
+                  <a:srgbClr val="000000"/>
+                </a:solidFill>
+                <a:effectLst/>
+                <a:latin typeface="Arial Unicode MS"/>
+              </a:rPr>
+              <a:t>UpdateInfo</a:t>
+            </a:r>
+            <a:endParaRPr kumimoji="0" lang="en-US" altLang="en-US" sz="1800" b="0" i="0" u="none" strike="noStrike" cap="none" normalizeH="0" baseline="0" dirty="0">
+              <a:ln>
+                <a:noFill/>
+              </a:ln>
+              <a:solidFill>
+                <a:srgbClr val="000000"/>
+              </a:solidFill>
+              <a:effectLst/>
+              <a:latin typeface="Arial Unicode MS"/>
+            </a:endParaRPr>
+          </a:p>
+          <a:p>
+            <a:pPr marL="0" marR="0" lvl="0" indent="0" algn="l" defTabSz="914400" rtl="0" eaLnBrk="0" fontAlgn="base" latinLnBrk="0" hangingPunct="0">
+              <a:lnSpc>
+                <a:spcPct val="100000"/>
+              </a:lnSpc>
+              <a:spcBef>
+                <a:spcPct val="0"/>
+              </a:spcBef>
+              <a:spcAft>
+                <a:spcPct val="0"/>
+              </a:spcAft>
+              <a:buClrTx/>
+              <a:buSzTx/>
+              <a:buFontTx/>
+              <a:buNone/>
+              <a:tabLst/>
+            </a:pPr>
+            <a:br>
+              <a:rPr kumimoji="0" lang="en-US" altLang="en-US" sz="1800" b="0" i="0" u="none" strike="noStrike" cap="none" normalizeH="0" baseline="0" dirty="0">
+                <a:ln>
+                  <a:noFill/>
+                </a:ln>
+                <a:solidFill>
+                  <a:srgbClr val="000000"/>
+                </a:solidFill>
+                <a:effectLst/>
+                <a:latin typeface="Arial Unicode MS"/>
+              </a:rPr>
+            </a:br>
+            <a:r>
+              <a:rPr kumimoji="0" lang="en-US" altLang="en-US" sz="1800" b="0" i="0" u="none" strike="noStrike" cap="none" normalizeH="0" baseline="0" dirty="0">
+                <a:ln>
+                  <a:noFill/>
+                </a:ln>
+                <a:solidFill>
+                  <a:srgbClr val="000000"/>
+                </a:solidFill>
+                <a:effectLst/>
+                <a:latin typeface="Arial Unicode MS"/>
+              </a:rPr>
+              <a:t>    </a:t>
+            </a:r>
+            <a:r>
+              <a:rPr kumimoji="0" lang="en-US" altLang="en-US" sz="1800" b="0" i="0" u="none" strike="noStrike" cap="none" normalizeH="0" baseline="0" dirty="0">
+                <a:ln>
+                  <a:noFill/>
+                </a:ln>
+                <a:solidFill>
+                  <a:srgbClr val="0033B3"/>
+                </a:solidFill>
+                <a:effectLst/>
+                <a:latin typeface="Arial Unicode MS"/>
+              </a:rPr>
+              <a:t>fun </a:t>
+            </a:r>
+            <a:r>
+              <a:rPr kumimoji="0" lang="en-US" altLang="en-US" sz="1800" b="0" i="0" u="none" strike="noStrike" cap="none" normalizeH="0" baseline="0" dirty="0" err="1">
+                <a:ln>
+                  <a:noFill/>
+                </a:ln>
+                <a:solidFill>
+                  <a:srgbClr val="00627A"/>
+                </a:solidFill>
+                <a:effectLst/>
+                <a:latin typeface="Arial Unicode MS"/>
+              </a:rPr>
+              <a:t>matchPlayerView</a:t>
+            </a:r>
+            <a:r>
+              <a:rPr kumimoji="0" lang="en-US" altLang="en-US" sz="1800" b="0" i="0" u="none" strike="noStrike" cap="none" normalizeH="0" baseline="0" dirty="0">
+                <a:ln>
+                  <a:noFill/>
+                </a:ln>
+                <a:solidFill>
+                  <a:srgbClr val="080808"/>
+                </a:solidFill>
+                <a:effectLst/>
+                <a:latin typeface="Arial Unicode MS"/>
+              </a:rPr>
+              <a:t>(match: </a:t>
+            </a:r>
+            <a:r>
+              <a:rPr kumimoji="0" lang="en-US" altLang="en-US" sz="1800" b="0" i="0" u="none" strike="noStrike" cap="none" normalizeH="0" baseline="0" dirty="0">
+                <a:ln>
+                  <a:noFill/>
+                </a:ln>
+                <a:solidFill>
+                  <a:srgbClr val="000000"/>
+                </a:solidFill>
+                <a:effectLst/>
+                <a:latin typeface="Arial Unicode MS"/>
+              </a:rPr>
+              <a:t>Match</a:t>
+            </a:r>
+            <a:r>
+              <a:rPr kumimoji="0" lang="en-US" altLang="en-US" sz="1800" b="0" i="0" u="none" strike="noStrike" cap="none" normalizeH="0" baseline="0" dirty="0">
+                <a:ln>
+                  <a:noFill/>
+                </a:ln>
+                <a:solidFill>
+                  <a:srgbClr val="080808"/>
+                </a:solidFill>
+                <a:effectLst/>
+                <a:latin typeface="Arial Unicode MS"/>
+              </a:rPr>
+              <a:t>, </a:t>
+            </a:r>
+            <a:r>
+              <a:rPr kumimoji="0" lang="en-US" altLang="en-US" sz="1800" b="0" i="0" u="none" strike="noStrike" cap="none" normalizeH="0" baseline="0" dirty="0" err="1">
+                <a:ln>
+                  <a:noFill/>
+                </a:ln>
+                <a:solidFill>
+                  <a:srgbClr val="080808"/>
+                </a:solidFill>
+                <a:effectLst/>
+                <a:latin typeface="Arial Unicode MS"/>
+              </a:rPr>
+              <a:t>playerId</a:t>
+            </a:r>
+            <a:r>
+              <a:rPr kumimoji="0" lang="en-US" altLang="en-US" sz="1800" b="0" i="0" u="none" strike="noStrike" cap="none" normalizeH="0" baseline="0" dirty="0">
+                <a:ln>
+                  <a:noFill/>
+                </a:ln>
+                <a:solidFill>
+                  <a:srgbClr val="080808"/>
+                </a:solidFill>
+                <a:effectLst/>
+                <a:latin typeface="Arial Unicode MS"/>
+              </a:rPr>
+              <a:t>: </a:t>
+            </a:r>
+            <a:r>
+              <a:rPr kumimoji="0" lang="en-US" altLang="en-US" sz="1800" b="0" i="0" u="none" strike="noStrike" cap="none" normalizeH="0" baseline="0" dirty="0">
+                <a:ln>
+                  <a:noFill/>
+                </a:ln>
+                <a:solidFill>
+                  <a:srgbClr val="000000"/>
+                </a:solidFill>
+                <a:effectLst/>
+                <a:latin typeface="Arial Unicode MS"/>
+              </a:rPr>
+              <a:t>Int</a:t>
+            </a:r>
+            <a:r>
+              <a:rPr kumimoji="0" lang="en-US" altLang="en-US" sz="1800" b="0" i="0" u="none" strike="noStrike" cap="none" normalizeH="0" baseline="0" dirty="0">
+                <a:ln>
+                  <a:noFill/>
+                </a:ln>
+                <a:solidFill>
+                  <a:srgbClr val="080808"/>
+                </a:solidFill>
+                <a:effectLst/>
+                <a:latin typeface="Arial Unicode MS"/>
+              </a:rPr>
+              <a:t>): </a:t>
+            </a:r>
+            <a:r>
+              <a:rPr kumimoji="0" lang="en-US" altLang="en-US" sz="1800" b="0" i="0" u="none" strike="noStrike" cap="none" normalizeH="0" baseline="0" dirty="0">
+                <a:ln>
+                  <a:noFill/>
+                </a:ln>
+                <a:solidFill>
+                  <a:srgbClr val="000000"/>
+                </a:solidFill>
+                <a:effectLst/>
+                <a:latin typeface="Arial Unicode MS"/>
+              </a:rPr>
+              <a:t>Match</a:t>
+            </a:r>
+            <a:br>
+              <a:rPr kumimoji="0" lang="en-US" altLang="en-US" sz="1800" b="0" i="0" u="none" strike="noStrike" cap="none" normalizeH="0" baseline="0" dirty="0">
+                <a:ln>
+                  <a:noFill/>
+                </a:ln>
+                <a:solidFill>
+                  <a:srgbClr val="000000"/>
+                </a:solidFill>
+                <a:effectLst/>
+                <a:latin typeface="Arial Unicode MS"/>
+              </a:rPr>
+            </a:br>
+            <a:r>
+              <a:rPr kumimoji="0" lang="en-US" altLang="en-US" sz="1800" b="0" i="0" u="none" strike="noStrike" cap="none" normalizeH="0" baseline="0" dirty="0">
+                <a:ln>
+                  <a:noFill/>
+                </a:ln>
+                <a:solidFill>
+                  <a:srgbClr val="080808"/>
+                </a:solidFill>
+                <a:effectLst/>
+                <a:latin typeface="Arial Unicode MS"/>
+              </a:rPr>
+              <a:t>}</a:t>
+            </a:r>
+            <a:endParaRPr kumimoji="0" lang="en-US" altLang="en-US" sz="1800" b="0" i="0" u="none" strike="noStrike" cap="none" normalizeH="0" baseline="0" dirty="0">
+              <a:ln>
+                <a:noFill/>
+              </a:ln>
+              <a:solidFill>
+                <a:schemeClr val="tx1"/>
+              </a:solidFill>
+              <a:effectLst/>
+              <a:latin typeface="Arial" panose="020B0604020202020204" pitchFamily="34" charset="0"/>
+            </a:endParaRPr>
+          </a:p>
+        </p:txBody>
+      </p:sp>
     </p:spTree>
     <p:extLst>
       <p:ext uri="{BB962C8B-B14F-4D97-AF65-F5344CB8AC3E}">
-        <p14:creationId xmlns:p14="http://schemas.microsoft.com/office/powerpoint/2010/main" val="1984536988"/>
+        <p14:creationId xmlns:p14="http://schemas.microsoft.com/office/powerpoint/2010/main" val="1606977498"/>
       </p:ext>
     </p:extLst>
   </p:cSld>
